--- a/Slide TERRAFORM Z.pptx
+++ b/Slide TERRAFORM Z.pptx
@@ -20,17 +20,16 @@
     <p:sldId id="289" r:id="rId14"/>
     <p:sldId id="267" r:id="rId15"/>
     <p:sldId id="266" r:id="rId16"/>
-    <p:sldId id="272" r:id="rId17"/>
-    <p:sldId id="262" r:id="rId18"/>
-    <p:sldId id="269" r:id="rId19"/>
-    <p:sldId id="284" r:id="rId20"/>
-    <p:sldId id="285" r:id="rId21"/>
-    <p:sldId id="263" r:id="rId22"/>
-    <p:sldId id="273" r:id="rId23"/>
-    <p:sldId id="288" r:id="rId24"/>
-    <p:sldId id="290" r:id="rId25"/>
-    <p:sldId id="276" r:id="rId26"/>
-    <p:sldId id="287" r:id="rId27"/>
+    <p:sldId id="262" r:id="rId17"/>
+    <p:sldId id="269" r:id="rId18"/>
+    <p:sldId id="284" r:id="rId19"/>
+    <p:sldId id="285" r:id="rId20"/>
+    <p:sldId id="263" r:id="rId21"/>
+    <p:sldId id="273" r:id="rId22"/>
+    <p:sldId id="288" r:id="rId23"/>
+    <p:sldId id="290" r:id="rId24"/>
+    <p:sldId id="276" r:id="rId25"/>
+    <p:sldId id="287" r:id="rId26"/>
   </p:sldIdLst>
   <p:sldSz cx="12192000" cy="6858000"/>
   <p:notesSz cx="6858000" cy="9144000"/>
@@ -131,7 +130,7 @@
   </p:defaultTextStyle>
   <p:extLst>
     <p:ext uri="{EFAFB233-063F-42B5-8137-9DF3F51BA10A}">
-      <p15:sldGuideLst xmlns="" xmlns:p15="http://schemas.microsoft.com/office/powerpoint/2012/main">
+      <p15:sldGuideLst xmlns:p15="http://schemas.microsoft.com/office/powerpoint/2012/main">
         <p15:guide id="1" orient="horz" pos="2160">
           <p15:clr>
             <a:srgbClr val="A4A3A4"/>
@@ -153,7 +152,7 @@
   <p:cmAuthor id="1" name="OUHDID, Zouhair (ext)" initials="OZ(" lastIdx="1" clrIdx="0">
     <p:extLst>
       <p:ext uri="{19B8F6BF-5375-455C-9EA6-DF929625EA0E}">
-        <p15:presenceInfo xmlns="" xmlns:p15="http://schemas.microsoft.com/office/powerpoint/2012/main" userId="S::zouhair.ouhdid.external@atos.net::0309be93-e00d-4b83-b6f9-74ec9e6451b7" providerId="AD"/>
+        <p15:presenceInfo xmlns:p15="http://schemas.microsoft.com/office/powerpoint/2012/main" userId="S::zouhair.ouhdid.external@atos.net::0309be93-e00d-4b83-b6f9-74ec9e6451b7" providerId="AD"/>
       </p:ext>
     </p:extLst>
   </p:cmAuthor>
@@ -182,7 +181,7 @@
           <p:cNvPr id="2" name="Title 1">
             <a:extLst>
               <a:ext uri="{FF2B5EF4-FFF2-40B4-BE49-F238E27FC236}">
-                <a16:creationId xmlns="" xmlns:a16="http://schemas.microsoft.com/office/drawing/2014/main" id="{8898B03F-EB71-410D-A9C3-2D2AC60C843C}"/>
+                <a16:creationId xmlns:a16="http://schemas.microsoft.com/office/drawing/2014/main" id="{8898B03F-EB71-410D-A9C3-2D2AC60C843C}"/>
               </a:ext>
             </a:extLst>
           </p:cNvPr>
@@ -219,7 +218,7 @@
           <p:cNvPr id="3" name="Subtitle 2">
             <a:extLst>
               <a:ext uri="{FF2B5EF4-FFF2-40B4-BE49-F238E27FC236}">
-                <a16:creationId xmlns="" xmlns:a16="http://schemas.microsoft.com/office/drawing/2014/main" id="{7E77EC6C-FF8E-4AAE-B6E8-226BD551F7F3}"/>
+                <a16:creationId xmlns:a16="http://schemas.microsoft.com/office/drawing/2014/main" id="{7E77EC6C-FF8E-4AAE-B6E8-226BD551F7F3}"/>
               </a:ext>
             </a:extLst>
           </p:cNvPr>
@@ -289,7 +288,7 @@
           <p:cNvPr id="4" name="Date Placeholder 3">
             <a:extLst>
               <a:ext uri="{FF2B5EF4-FFF2-40B4-BE49-F238E27FC236}">
-                <a16:creationId xmlns="" xmlns:a16="http://schemas.microsoft.com/office/drawing/2014/main" id="{7B6A6717-B0C0-44C1-A7AA-8C117B3E922B}"/>
+                <a16:creationId xmlns:a16="http://schemas.microsoft.com/office/drawing/2014/main" id="{7B6A6717-B0C0-44C1-A7AA-8C117B3E922B}"/>
               </a:ext>
             </a:extLst>
           </p:cNvPr>
@@ -308,7 +307,7 @@
             <a:fld id="{4630115F-65E7-4948-BBBD-A84F05213A84}" type="datetimeFigureOut">
               <a:rPr lang="en-US" smtClean="0"/>
               <a:pPr/>
-              <a:t>10/13/2021</a:t>
+              <a:t>10/18/2021</a:t>
             </a:fld>
             <a:endParaRPr lang="en-US"/>
           </a:p>
@@ -319,7 +318,7 @@
           <p:cNvPr id="5" name="Footer Placeholder 4">
             <a:extLst>
               <a:ext uri="{FF2B5EF4-FFF2-40B4-BE49-F238E27FC236}">
-                <a16:creationId xmlns="" xmlns:a16="http://schemas.microsoft.com/office/drawing/2014/main" id="{8ECE5E5D-80C9-46B8-B697-9A54A575C762}"/>
+                <a16:creationId xmlns:a16="http://schemas.microsoft.com/office/drawing/2014/main" id="{8ECE5E5D-80C9-46B8-B697-9A54A575C762}"/>
               </a:ext>
             </a:extLst>
           </p:cNvPr>
@@ -344,7 +343,7 @@
           <p:cNvPr id="6" name="Slide Number Placeholder 5">
             <a:extLst>
               <a:ext uri="{FF2B5EF4-FFF2-40B4-BE49-F238E27FC236}">
-                <a16:creationId xmlns="" xmlns:a16="http://schemas.microsoft.com/office/drawing/2014/main" id="{685041BB-7A72-43E2-9893-1FF9F3694FD1}"/>
+                <a16:creationId xmlns:a16="http://schemas.microsoft.com/office/drawing/2014/main" id="{685041BB-7A72-43E2-9893-1FF9F3694FD1}"/>
               </a:ext>
             </a:extLst>
           </p:cNvPr>
@@ -363,7 +362,7 @@
             <a:fld id="{D601DDA6-1DBC-4F4A-8EE5-258398DC1DCD}" type="slidenum">
               <a:rPr lang="en-US" smtClean="0"/>
               <a:pPr/>
-              <a:t>‹N°›</a:t>
+              <a:t>‹#›</a:t>
             </a:fld>
             <a:endParaRPr lang="en-US"/>
           </a:p>
@@ -416,7 +415,7 @@
           <p:cNvPr id="2" name="Title 1">
             <a:extLst>
               <a:ext uri="{FF2B5EF4-FFF2-40B4-BE49-F238E27FC236}">
-                <a16:creationId xmlns="" xmlns:a16="http://schemas.microsoft.com/office/drawing/2014/main" id="{F9E6CB62-DE42-49E8-BA74-67778CC92EE2}"/>
+                <a16:creationId xmlns:a16="http://schemas.microsoft.com/office/drawing/2014/main" id="{F9E6CB62-DE42-49E8-BA74-67778CC92EE2}"/>
               </a:ext>
             </a:extLst>
           </p:cNvPr>
@@ -444,7 +443,7 @@
           <p:cNvPr id="3" name="Vertical Text Placeholder 2">
             <a:extLst>
               <a:ext uri="{FF2B5EF4-FFF2-40B4-BE49-F238E27FC236}">
-                <a16:creationId xmlns="" xmlns:a16="http://schemas.microsoft.com/office/drawing/2014/main" id="{9B6D53F0-4002-468C-A76A-D5B2444BF62E}"/>
+                <a16:creationId xmlns:a16="http://schemas.microsoft.com/office/drawing/2014/main" id="{9B6D53F0-4002-468C-A76A-D5B2444BF62E}"/>
               </a:ext>
             </a:extLst>
           </p:cNvPr>
@@ -501,7 +500,7 @@
           <p:cNvPr id="4" name="Date Placeholder 3">
             <a:extLst>
               <a:ext uri="{FF2B5EF4-FFF2-40B4-BE49-F238E27FC236}">
-                <a16:creationId xmlns="" xmlns:a16="http://schemas.microsoft.com/office/drawing/2014/main" id="{CE949F17-23EF-4437-9DAC-2E8D15EF1986}"/>
+                <a16:creationId xmlns:a16="http://schemas.microsoft.com/office/drawing/2014/main" id="{CE949F17-23EF-4437-9DAC-2E8D15EF1986}"/>
               </a:ext>
             </a:extLst>
           </p:cNvPr>
@@ -520,7 +519,7 @@
             <a:fld id="{4630115F-65E7-4948-BBBD-A84F05213A84}" type="datetimeFigureOut">
               <a:rPr lang="en-US" smtClean="0"/>
               <a:pPr/>
-              <a:t>10/13/2021</a:t>
+              <a:t>10/18/2021</a:t>
             </a:fld>
             <a:endParaRPr lang="en-US"/>
           </a:p>
@@ -531,7 +530,7 @@
           <p:cNvPr id="5" name="Footer Placeholder 4">
             <a:extLst>
               <a:ext uri="{FF2B5EF4-FFF2-40B4-BE49-F238E27FC236}">
-                <a16:creationId xmlns="" xmlns:a16="http://schemas.microsoft.com/office/drawing/2014/main" id="{D723A19B-6D9A-433C-B5EF-B8E2C7921F51}"/>
+                <a16:creationId xmlns:a16="http://schemas.microsoft.com/office/drawing/2014/main" id="{D723A19B-6D9A-433C-B5EF-B8E2C7921F51}"/>
               </a:ext>
             </a:extLst>
           </p:cNvPr>
@@ -556,7 +555,7 @@
           <p:cNvPr id="6" name="Slide Number Placeholder 5">
             <a:extLst>
               <a:ext uri="{FF2B5EF4-FFF2-40B4-BE49-F238E27FC236}">
-                <a16:creationId xmlns="" xmlns:a16="http://schemas.microsoft.com/office/drawing/2014/main" id="{2CD71ADC-190F-451D-9E92-EC6F2D559A07}"/>
+                <a16:creationId xmlns:a16="http://schemas.microsoft.com/office/drawing/2014/main" id="{2CD71ADC-190F-451D-9E92-EC6F2D559A07}"/>
               </a:ext>
             </a:extLst>
           </p:cNvPr>
@@ -575,7 +574,7 @@
             <a:fld id="{D601DDA6-1DBC-4F4A-8EE5-258398DC1DCD}" type="slidenum">
               <a:rPr lang="en-US" smtClean="0"/>
               <a:pPr/>
-              <a:t>‹N°›</a:t>
+              <a:t>‹#›</a:t>
             </a:fld>
             <a:endParaRPr lang="en-US"/>
           </a:p>
@@ -628,7 +627,7 @@
           <p:cNvPr id="2" name="Vertical Title 1">
             <a:extLst>
               <a:ext uri="{FF2B5EF4-FFF2-40B4-BE49-F238E27FC236}">
-                <a16:creationId xmlns="" xmlns:a16="http://schemas.microsoft.com/office/drawing/2014/main" id="{D5051EC9-B24C-4BC9-82E4-0B3B7C3CE558}"/>
+                <a16:creationId xmlns:a16="http://schemas.microsoft.com/office/drawing/2014/main" id="{D5051EC9-B24C-4BC9-82E4-0B3B7C3CE558}"/>
               </a:ext>
             </a:extLst>
           </p:cNvPr>
@@ -661,7 +660,7 @@
           <p:cNvPr id="3" name="Vertical Text Placeholder 2">
             <a:extLst>
               <a:ext uri="{FF2B5EF4-FFF2-40B4-BE49-F238E27FC236}">
-                <a16:creationId xmlns="" xmlns:a16="http://schemas.microsoft.com/office/drawing/2014/main" id="{9CB198D9-BA81-4EAE-AFB9-D4959FA4F468}"/>
+                <a16:creationId xmlns:a16="http://schemas.microsoft.com/office/drawing/2014/main" id="{9CB198D9-BA81-4EAE-AFB9-D4959FA4F468}"/>
               </a:ext>
             </a:extLst>
           </p:cNvPr>
@@ -723,7 +722,7 @@
           <p:cNvPr id="4" name="Date Placeholder 3">
             <a:extLst>
               <a:ext uri="{FF2B5EF4-FFF2-40B4-BE49-F238E27FC236}">
-                <a16:creationId xmlns="" xmlns:a16="http://schemas.microsoft.com/office/drawing/2014/main" id="{39EE91E6-EDA5-4866-AE21-838EE23C096D}"/>
+                <a16:creationId xmlns:a16="http://schemas.microsoft.com/office/drawing/2014/main" id="{39EE91E6-EDA5-4866-AE21-838EE23C096D}"/>
               </a:ext>
             </a:extLst>
           </p:cNvPr>
@@ -742,7 +741,7 @@
             <a:fld id="{4630115F-65E7-4948-BBBD-A84F05213A84}" type="datetimeFigureOut">
               <a:rPr lang="en-US" smtClean="0"/>
               <a:pPr/>
-              <a:t>10/13/2021</a:t>
+              <a:t>10/18/2021</a:t>
             </a:fld>
             <a:endParaRPr lang="en-US"/>
           </a:p>
@@ -753,7 +752,7 @@
           <p:cNvPr id="5" name="Footer Placeholder 4">
             <a:extLst>
               <a:ext uri="{FF2B5EF4-FFF2-40B4-BE49-F238E27FC236}">
-                <a16:creationId xmlns="" xmlns:a16="http://schemas.microsoft.com/office/drawing/2014/main" id="{DCC1A2FF-A882-4128-94DB-655A820AEA21}"/>
+                <a16:creationId xmlns:a16="http://schemas.microsoft.com/office/drawing/2014/main" id="{DCC1A2FF-A882-4128-94DB-655A820AEA21}"/>
               </a:ext>
             </a:extLst>
           </p:cNvPr>
@@ -778,7 +777,7 @@
           <p:cNvPr id="6" name="Slide Number Placeholder 5">
             <a:extLst>
               <a:ext uri="{FF2B5EF4-FFF2-40B4-BE49-F238E27FC236}">
-                <a16:creationId xmlns="" xmlns:a16="http://schemas.microsoft.com/office/drawing/2014/main" id="{2A3BF748-DD2E-44B3-8F36-441D6726E5A7}"/>
+                <a16:creationId xmlns:a16="http://schemas.microsoft.com/office/drawing/2014/main" id="{2A3BF748-DD2E-44B3-8F36-441D6726E5A7}"/>
               </a:ext>
             </a:extLst>
           </p:cNvPr>
@@ -797,7 +796,7 @@
             <a:fld id="{D601DDA6-1DBC-4F4A-8EE5-258398DC1DCD}" type="slidenum">
               <a:rPr lang="en-US" smtClean="0"/>
               <a:pPr/>
-              <a:t>‹N°›</a:t>
+              <a:t>‹#›</a:t>
             </a:fld>
             <a:endParaRPr lang="en-US"/>
           </a:p>
@@ -850,7 +849,7 @@
           <p:cNvPr id="2" name="Title 1">
             <a:extLst>
               <a:ext uri="{FF2B5EF4-FFF2-40B4-BE49-F238E27FC236}">
-                <a16:creationId xmlns="" xmlns:a16="http://schemas.microsoft.com/office/drawing/2014/main" id="{DE9B5551-51AF-4DDB-B83F-67EF2048437C}"/>
+                <a16:creationId xmlns:a16="http://schemas.microsoft.com/office/drawing/2014/main" id="{DE9B5551-51AF-4DDB-B83F-67EF2048437C}"/>
               </a:ext>
             </a:extLst>
           </p:cNvPr>
@@ -878,7 +877,7 @@
           <p:cNvPr id="3" name="Content Placeholder 2">
             <a:extLst>
               <a:ext uri="{FF2B5EF4-FFF2-40B4-BE49-F238E27FC236}">
-                <a16:creationId xmlns="" xmlns:a16="http://schemas.microsoft.com/office/drawing/2014/main" id="{268FF0E7-6F29-41A1-9A79-467FE0B8607F}"/>
+                <a16:creationId xmlns:a16="http://schemas.microsoft.com/office/drawing/2014/main" id="{268FF0E7-6F29-41A1-9A79-467FE0B8607F}"/>
               </a:ext>
             </a:extLst>
           </p:cNvPr>
@@ -935,7 +934,7 @@
           <p:cNvPr id="4" name="Date Placeholder 3">
             <a:extLst>
               <a:ext uri="{FF2B5EF4-FFF2-40B4-BE49-F238E27FC236}">
-                <a16:creationId xmlns="" xmlns:a16="http://schemas.microsoft.com/office/drawing/2014/main" id="{F1B19DA6-7E4C-4D81-87A3-3E9AB00DCA9D}"/>
+                <a16:creationId xmlns:a16="http://schemas.microsoft.com/office/drawing/2014/main" id="{F1B19DA6-7E4C-4D81-87A3-3E9AB00DCA9D}"/>
               </a:ext>
             </a:extLst>
           </p:cNvPr>
@@ -954,7 +953,7 @@
             <a:fld id="{4630115F-65E7-4948-BBBD-A84F05213A84}" type="datetimeFigureOut">
               <a:rPr lang="en-US" smtClean="0"/>
               <a:pPr/>
-              <a:t>10/13/2021</a:t>
+              <a:t>10/18/2021</a:t>
             </a:fld>
             <a:endParaRPr lang="en-US"/>
           </a:p>
@@ -965,7 +964,7 @@
           <p:cNvPr id="5" name="Footer Placeholder 4">
             <a:extLst>
               <a:ext uri="{FF2B5EF4-FFF2-40B4-BE49-F238E27FC236}">
-                <a16:creationId xmlns="" xmlns:a16="http://schemas.microsoft.com/office/drawing/2014/main" id="{285352FA-B019-45A0-B5B3-429DA0C7A0C8}"/>
+                <a16:creationId xmlns:a16="http://schemas.microsoft.com/office/drawing/2014/main" id="{285352FA-B019-45A0-B5B3-429DA0C7A0C8}"/>
               </a:ext>
             </a:extLst>
           </p:cNvPr>
@@ -990,7 +989,7 @@
           <p:cNvPr id="6" name="Slide Number Placeholder 5">
             <a:extLst>
               <a:ext uri="{FF2B5EF4-FFF2-40B4-BE49-F238E27FC236}">
-                <a16:creationId xmlns="" xmlns:a16="http://schemas.microsoft.com/office/drawing/2014/main" id="{9A7ABD4C-CCFF-4EA8-B0D9-78E1EE447A8E}"/>
+                <a16:creationId xmlns:a16="http://schemas.microsoft.com/office/drawing/2014/main" id="{9A7ABD4C-CCFF-4EA8-B0D9-78E1EE447A8E}"/>
               </a:ext>
             </a:extLst>
           </p:cNvPr>
@@ -1009,7 +1008,7 @@
             <a:fld id="{D601DDA6-1DBC-4F4A-8EE5-258398DC1DCD}" type="slidenum">
               <a:rPr lang="en-US" smtClean="0"/>
               <a:pPr/>
-              <a:t>‹N°›</a:t>
+              <a:t>‹#›</a:t>
             </a:fld>
             <a:endParaRPr lang="en-US"/>
           </a:p>
@@ -1062,7 +1061,7 @@
           <p:cNvPr id="2" name="Title 1">
             <a:extLst>
               <a:ext uri="{FF2B5EF4-FFF2-40B4-BE49-F238E27FC236}">
-                <a16:creationId xmlns="" xmlns:a16="http://schemas.microsoft.com/office/drawing/2014/main" id="{1F886797-CD77-463D-B20B-E31409F43021}"/>
+                <a16:creationId xmlns:a16="http://schemas.microsoft.com/office/drawing/2014/main" id="{1F886797-CD77-463D-B20B-E31409F43021}"/>
               </a:ext>
             </a:extLst>
           </p:cNvPr>
@@ -1099,7 +1098,7 @@
           <p:cNvPr id="3" name="Text Placeholder 2">
             <a:extLst>
               <a:ext uri="{FF2B5EF4-FFF2-40B4-BE49-F238E27FC236}">
-                <a16:creationId xmlns="" xmlns:a16="http://schemas.microsoft.com/office/drawing/2014/main" id="{D173734E-B29A-41DF-966C-F6F9807EC3E8}"/>
+                <a16:creationId xmlns:a16="http://schemas.microsoft.com/office/drawing/2014/main" id="{D173734E-B29A-41DF-966C-F6F9807EC3E8}"/>
               </a:ext>
             </a:extLst>
           </p:cNvPr>
@@ -1224,7 +1223,7 @@
           <p:cNvPr id="4" name="Date Placeholder 3">
             <a:extLst>
               <a:ext uri="{FF2B5EF4-FFF2-40B4-BE49-F238E27FC236}">
-                <a16:creationId xmlns="" xmlns:a16="http://schemas.microsoft.com/office/drawing/2014/main" id="{F37AC8D4-16DF-418A-B561-315CFB7D198A}"/>
+                <a16:creationId xmlns:a16="http://schemas.microsoft.com/office/drawing/2014/main" id="{F37AC8D4-16DF-418A-B561-315CFB7D198A}"/>
               </a:ext>
             </a:extLst>
           </p:cNvPr>
@@ -1243,7 +1242,7 @@
             <a:fld id="{4630115F-65E7-4948-BBBD-A84F05213A84}" type="datetimeFigureOut">
               <a:rPr lang="en-US" smtClean="0"/>
               <a:pPr/>
-              <a:t>10/13/2021</a:t>
+              <a:t>10/18/2021</a:t>
             </a:fld>
             <a:endParaRPr lang="en-US"/>
           </a:p>
@@ -1254,7 +1253,7 @@
           <p:cNvPr id="5" name="Footer Placeholder 4">
             <a:extLst>
               <a:ext uri="{FF2B5EF4-FFF2-40B4-BE49-F238E27FC236}">
-                <a16:creationId xmlns="" xmlns:a16="http://schemas.microsoft.com/office/drawing/2014/main" id="{B8ED482F-CD8A-417A-9180-C3CB13EB54A4}"/>
+                <a16:creationId xmlns:a16="http://schemas.microsoft.com/office/drawing/2014/main" id="{B8ED482F-CD8A-417A-9180-C3CB13EB54A4}"/>
               </a:ext>
             </a:extLst>
           </p:cNvPr>
@@ -1279,7 +1278,7 @@
           <p:cNvPr id="6" name="Slide Number Placeholder 5">
             <a:extLst>
               <a:ext uri="{FF2B5EF4-FFF2-40B4-BE49-F238E27FC236}">
-                <a16:creationId xmlns="" xmlns:a16="http://schemas.microsoft.com/office/drawing/2014/main" id="{2F88BC6B-2238-4F42-8A20-2BBF6D86A4F2}"/>
+                <a16:creationId xmlns:a16="http://schemas.microsoft.com/office/drawing/2014/main" id="{2F88BC6B-2238-4F42-8A20-2BBF6D86A4F2}"/>
               </a:ext>
             </a:extLst>
           </p:cNvPr>
@@ -1298,7 +1297,7 @@
             <a:fld id="{D601DDA6-1DBC-4F4A-8EE5-258398DC1DCD}" type="slidenum">
               <a:rPr lang="en-US" smtClean="0"/>
               <a:pPr/>
-              <a:t>‹N°›</a:t>
+              <a:t>‹#›</a:t>
             </a:fld>
             <a:endParaRPr lang="en-US"/>
           </a:p>
@@ -1351,7 +1350,7 @@
           <p:cNvPr id="2" name="Title 1">
             <a:extLst>
               <a:ext uri="{FF2B5EF4-FFF2-40B4-BE49-F238E27FC236}">
-                <a16:creationId xmlns="" xmlns:a16="http://schemas.microsoft.com/office/drawing/2014/main" id="{3EB2E1D6-8F5E-4D5E-8590-DDF4F314B399}"/>
+                <a16:creationId xmlns:a16="http://schemas.microsoft.com/office/drawing/2014/main" id="{3EB2E1D6-8F5E-4D5E-8590-DDF4F314B399}"/>
               </a:ext>
             </a:extLst>
           </p:cNvPr>
@@ -1379,7 +1378,7 @@
           <p:cNvPr id="3" name="Content Placeholder 2">
             <a:extLst>
               <a:ext uri="{FF2B5EF4-FFF2-40B4-BE49-F238E27FC236}">
-                <a16:creationId xmlns="" xmlns:a16="http://schemas.microsoft.com/office/drawing/2014/main" id="{149BD5BF-F646-45A0-9D45-839B57ECDE79}"/>
+                <a16:creationId xmlns:a16="http://schemas.microsoft.com/office/drawing/2014/main" id="{149BD5BF-F646-45A0-9D45-839B57ECDE79}"/>
               </a:ext>
             </a:extLst>
           </p:cNvPr>
@@ -1441,7 +1440,7 @@
           <p:cNvPr id="4" name="Content Placeholder 3">
             <a:extLst>
               <a:ext uri="{FF2B5EF4-FFF2-40B4-BE49-F238E27FC236}">
-                <a16:creationId xmlns="" xmlns:a16="http://schemas.microsoft.com/office/drawing/2014/main" id="{DC1CB740-2940-49DF-A4ED-1A3FCD5512CD}"/>
+                <a16:creationId xmlns:a16="http://schemas.microsoft.com/office/drawing/2014/main" id="{DC1CB740-2940-49DF-A4ED-1A3FCD5512CD}"/>
               </a:ext>
             </a:extLst>
           </p:cNvPr>
@@ -1503,7 +1502,7 @@
           <p:cNvPr id="5" name="Date Placeholder 4">
             <a:extLst>
               <a:ext uri="{FF2B5EF4-FFF2-40B4-BE49-F238E27FC236}">
-                <a16:creationId xmlns="" xmlns:a16="http://schemas.microsoft.com/office/drawing/2014/main" id="{44705D94-BE73-455C-9FC9-0E9D94662234}"/>
+                <a16:creationId xmlns:a16="http://schemas.microsoft.com/office/drawing/2014/main" id="{44705D94-BE73-455C-9FC9-0E9D94662234}"/>
               </a:ext>
             </a:extLst>
           </p:cNvPr>
@@ -1522,7 +1521,7 @@
             <a:fld id="{4630115F-65E7-4948-BBBD-A84F05213A84}" type="datetimeFigureOut">
               <a:rPr lang="en-US" smtClean="0"/>
               <a:pPr/>
-              <a:t>10/13/2021</a:t>
+              <a:t>10/18/2021</a:t>
             </a:fld>
             <a:endParaRPr lang="en-US"/>
           </a:p>
@@ -1533,7 +1532,7 @@
           <p:cNvPr id="6" name="Footer Placeholder 5">
             <a:extLst>
               <a:ext uri="{FF2B5EF4-FFF2-40B4-BE49-F238E27FC236}">
-                <a16:creationId xmlns="" xmlns:a16="http://schemas.microsoft.com/office/drawing/2014/main" id="{88A971C2-0268-4127-8441-E825F0BC079B}"/>
+                <a16:creationId xmlns:a16="http://schemas.microsoft.com/office/drawing/2014/main" id="{88A971C2-0268-4127-8441-E825F0BC079B}"/>
               </a:ext>
             </a:extLst>
           </p:cNvPr>
@@ -1558,7 +1557,7 @@
           <p:cNvPr id="7" name="Slide Number Placeholder 6">
             <a:extLst>
               <a:ext uri="{FF2B5EF4-FFF2-40B4-BE49-F238E27FC236}">
-                <a16:creationId xmlns="" xmlns:a16="http://schemas.microsoft.com/office/drawing/2014/main" id="{50F998E0-5F09-4DB4-8AF6-93C73343311B}"/>
+                <a16:creationId xmlns:a16="http://schemas.microsoft.com/office/drawing/2014/main" id="{50F998E0-5F09-4DB4-8AF6-93C73343311B}"/>
               </a:ext>
             </a:extLst>
           </p:cNvPr>
@@ -1577,7 +1576,7 @@
             <a:fld id="{D601DDA6-1DBC-4F4A-8EE5-258398DC1DCD}" type="slidenum">
               <a:rPr lang="en-US" smtClean="0"/>
               <a:pPr/>
-              <a:t>‹N°›</a:t>
+              <a:t>‹#›</a:t>
             </a:fld>
             <a:endParaRPr lang="en-US"/>
           </a:p>
@@ -1630,7 +1629,7 @@
           <p:cNvPr id="2" name="Title 1">
             <a:extLst>
               <a:ext uri="{FF2B5EF4-FFF2-40B4-BE49-F238E27FC236}">
-                <a16:creationId xmlns="" xmlns:a16="http://schemas.microsoft.com/office/drawing/2014/main" id="{7F2542A6-5CDE-4103-878C-3FD05FDC8184}"/>
+                <a16:creationId xmlns:a16="http://schemas.microsoft.com/office/drawing/2014/main" id="{7F2542A6-5CDE-4103-878C-3FD05FDC8184}"/>
               </a:ext>
             </a:extLst>
           </p:cNvPr>
@@ -1663,7 +1662,7 @@
           <p:cNvPr id="3" name="Text Placeholder 2">
             <a:extLst>
               <a:ext uri="{FF2B5EF4-FFF2-40B4-BE49-F238E27FC236}">
-                <a16:creationId xmlns="" xmlns:a16="http://schemas.microsoft.com/office/drawing/2014/main" id="{D4FB54EB-FD62-4AD1-A7BA-94BF3A00ADD5}"/>
+                <a16:creationId xmlns:a16="http://schemas.microsoft.com/office/drawing/2014/main" id="{D4FB54EB-FD62-4AD1-A7BA-94BF3A00ADD5}"/>
               </a:ext>
             </a:extLst>
           </p:cNvPr>
@@ -1734,7 +1733,7 @@
           <p:cNvPr id="4" name="Content Placeholder 3">
             <a:extLst>
               <a:ext uri="{FF2B5EF4-FFF2-40B4-BE49-F238E27FC236}">
-                <a16:creationId xmlns="" xmlns:a16="http://schemas.microsoft.com/office/drawing/2014/main" id="{7D17967F-F563-4822-B8C7-F9531DF5B047}"/>
+                <a16:creationId xmlns:a16="http://schemas.microsoft.com/office/drawing/2014/main" id="{7D17967F-F563-4822-B8C7-F9531DF5B047}"/>
               </a:ext>
             </a:extLst>
           </p:cNvPr>
@@ -1796,7 +1795,7 @@
           <p:cNvPr id="5" name="Text Placeholder 4">
             <a:extLst>
               <a:ext uri="{FF2B5EF4-FFF2-40B4-BE49-F238E27FC236}">
-                <a16:creationId xmlns="" xmlns:a16="http://schemas.microsoft.com/office/drawing/2014/main" id="{ECA9A81E-D741-4C20-AF41-834F0764ED43}"/>
+                <a16:creationId xmlns:a16="http://schemas.microsoft.com/office/drawing/2014/main" id="{ECA9A81E-D741-4C20-AF41-834F0764ED43}"/>
               </a:ext>
             </a:extLst>
           </p:cNvPr>
@@ -1867,7 +1866,7 @@
           <p:cNvPr id="6" name="Content Placeholder 5">
             <a:extLst>
               <a:ext uri="{FF2B5EF4-FFF2-40B4-BE49-F238E27FC236}">
-                <a16:creationId xmlns="" xmlns:a16="http://schemas.microsoft.com/office/drawing/2014/main" id="{16AE94A0-45ED-473B-A985-354EA7DDFEC6}"/>
+                <a16:creationId xmlns:a16="http://schemas.microsoft.com/office/drawing/2014/main" id="{16AE94A0-45ED-473B-A985-354EA7DDFEC6}"/>
               </a:ext>
             </a:extLst>
           </p:cNvPr>
@@ -1929,7 +1928,7 @@
           <p:cNvPr id="7" name="Date Placeholder 6">
             <a:extLst>
               <a:ext uri="{FF2B5EF4-FFF2-40B4-BE49-F238E27FC236}">
-                <a16:creationId xmlns="" xmlns:a16="http://schemas.microsoft.com/office/drawing/2014/main" id="{4D646A99-4B06-40C6-BC1F-6DCF5051CE3B}"/>
+                <a16:creationId xmlns:a16="http://schemas.microsoft.com/office/drawing/2014/main" id="{4D646A99-4B06-40C6-BC1F-6DCF5051CE3B}"/>
               </a:ext>
             </a:extLst>
           </p:cNvPr>
@@ -1948,7 +1947,7 @@
             <a:fld id="{4630115F-65E7-4948-BBBD-A84F05213A84}" type="datetimeFigureOut">
               <a:rPr lang="en-US" smtClean="0"/>
               <a:pPr/>
-              <a:t>10/13/2021</a:t>
+              <a:t>10/18/2021</a:t>
             </a:fld>
             <a:endParaRPr lang="en-US"/>
           </a:p>
@@ -1959,7 +1958,7 @@
           <p:cNvPr id="8" name="Footer Placeholder 7">
             <a:extLst>
               <a:ext uri="{FF2B5EF4-FFF2-40B4-BE49-F238E27FC236}">
-                <a16:creationId xmlns="" xmlns:a16="http://schemas.microsoft.com/office/drawing/2014/main" id="{5F149601-28C7-46D3-98E9-C01731F34E20}"/>
+                <a16:creationId xmlns:a16="http://schemas.microsoft.com/office/drawing/2014/main" id="{5F149601-28C7-46D3-98E9-C01731F34E20}"/>
               </a:ext>
             </a:extLst>
           </p:cNvPr>
@@ -1984,7 +1983,7 @@
           <p:cNvPr id="9" name="Slide Number Placeholder 8">
             <a:extLst>
               <a:ext uri="{FF2B5EF4-FFF2-40B4-BE49-F238E27FC236}">
-                <a16:creationId xmlns="" xmlns:a16="http://schemas.microsoft.com/office/drawing/2014/main" id="{40211C91-D0F4-43AB-A65B-B3A4A6CC3951}"/>
+                <a16:creationId xmlns:a16="http://schemas.microsoft.com/office/drawing/2014/main" id="{40211C91-D0F4-43AB-A65B-B3A4A6CC3951}"/>
               </a:ext>
             </a:extLst>
           </p:cNvPr>
@@ -2003,7 +2002,7 @@
             <a:fld id="{D601DDA6-1DBC-4F4A-8EE5-258398DC1DCD}" type="slidenum">
               <a:rPr lang="en-US" smtClean="0"/>
               <a:pPr/>
-              <a:t>‹N°›</a:t>
+              <a:t>‹#›</a:t>
             </a:fld>
             <a:endParaRPr lang="en-US"/>
           </a:p>
@@ -2056,7 +2055,7 @@
           <p:cNvPr id="2" name="Title 1">
             <a:extLst>
               <a:ext uri="{FF2B5EF4-FFF2-40B4-BE49-F238E27FC236}">
-                <a16:creationId xmlns="" xmlns:a16="http://schemas.microsoft.com/office/drawing/2014/main" id="{827DC96D-9259-4193-AA29-9C555513A55E}"/>
+                <a16:creationId xmlns:a16="http://schemas.microsoft.com/office/drawing/2014/main" id="{827DC96D-9259-4193-AA29-9C555513A55E}"/>
               </a:ext>
             </a:extLst>
           </p:cNvPr>
@@ -2084,7 +2083,7 @@
           <p:cNvPr id="3" name="Date Placeholder 2">
             <a:extLst>
               <a:ext uri="{FF2B5EF4-FFF2-40B4-BE49-F238E27FC236}">
-                <a16:creationId xmlns="" xmlns:a16="http://schemas.microsoft.com/office/drawing/2014/main" id="{F4399C55-D785-4815-844F-10552A8B0A52}"/>
+                <a16:creationId xmlns:a16="http://schemas.microsoft.com/office/drawing/2014/main" id="{F4399C55-D785-4815-844F-10552A8B0A52}"/>
               </a:ext>
             </a:extLst>
           </p:cNvPr>
@@ -2103,7 +2102,7 @@
             <a:fld id="{4630115F-65E7-4948-BBBD-A84F05213A84}" type="datetimeFigureOut">
               <a:rPr lang="en-US" smtClean="0"/>
               <a:pPr/>
-              <a:t>10/13/2021</a:t>
+              <a:t>10/18/2021</a:t>
             </a:fld>
             <a:endParaRPr lang="en-US"/>
           </a:p>
@@ -2114,7 +2113,7 @@
           <p:cNvPr id="4" name="Footer Placeholder 3">
             <a:extLst>
               <a:ext uri="{FF2B5EF4-FFF2-40B4-BE49-F238E27FC236}">
-                <a16:creationId xmlns="" xmlns:a16="http://schemas.microsoft.com/office/drawing/2014/main" id="{9F5A0546-62B4-4A71-945D-0CDDF00BE022}"/>
+                <a16:creationId xmlns:a16="http://schemas.microsoft.com/office/drawing/2014/main" id="{9F5A0546-62B4-4A71-945D-0CDDF00BE022}"/>
               </a:ext>
             </a:extLst>
           </p:cNvPr>
@@ -2139,7 +2138,7 @@
           <p:cNvPr id="5" name="Slide Number Placeholder 4">
             <a:extLst>
               <a:ext uri="{FF2B5EF4-FFF2-40B4-BE49-F238E27FC236}">
-                <a16:creationId xmlns="" xmlns:a16="http://schemas.microsoft.com/office/drawing/2014/main" id="{D4D1FA51-7F1E-4675-A594-ED6AE654CFEE}"/>
+                <a16:creationId xmlns:a16="http://schemas.microsoft.com/office/drawing/2014/main" id="{D4D1FA51-7F1E-4675-A594-ED6AE654CFEE}"/>
               </a:ext>
             </a:extLst>
           </p:cNvPr>
@@ -2158,7 +2157,7 @@
             <a:fld id="{D601DDA6-1DBC-4F4A-8EE5-258398DC1DCD}" type="slidenum">
               <a:rPr lang="en-US" smtClean="0"/>
               <a:pPr/>
-              <a:t>‹N°›</a:t>
+              <a:t>‹#›</a:t>
             </a:fld>
             <a:endParaRPr lang="en-US"/>
           </a:p>
@@ -2211,7 +2210,7 @@
           <p:cNvPr id="2" name="Date Placeholder 1">
             <a:extLst>
               <a:ext uri="{FF2B5EF4-FFF2-40B4-BE49-F238E27FC236}">
-                <a16:creationId xmlns="" xmlns:a16="http://schemas.microsoft.com/office/drawing/2014/main" id="{F064601B-CDAA-417C-896A-3EBBF83595CB}"/>
+                <a16:creationId xmlns:a16="http://schemas.microsoft.com/office/drawing/2014/main" id="{F064601B-CDAA-417C-896A-3EBBF83595CB}"/>
               </a:ext>
             </a:extLst>
           </p:cNvPr>
@@ -2230,7 +2229,7 @@
             <a:fld id="{4630115F-65E7-4948-BBBD-A84F05213A84}" type="datetimeFigureOut">
               <a:rPr lang="en-US" smtClean="0"/>
               <a:pPr/>
-              <a:t>10/13/2021</a:t>
+              <a:t>10/18/2021</a:t>
             </a:fld>
             <a:endParaRPr lang="en-US"/>
           </a:p>
@@ -2241,7 +2240,7 @@
           <p:cNvPr id="3" name="Footer Placeholder 2">
             <a:extLst>
               <a:ext uri="{FF2B5EF4-FFF2-40B4-BE49-F238E27FC236}">
-                <a16:creationId xmlns="" xmlns:a16="http://schemas.microsoft.com/office/drawing/2014/main" id="{1291B993-D7C5-4B2F-978A-53C1EAAC53BB}"/>
+                <a16:creationId xmlns:a16="http://schemas.microsoft.com/office/drawing/2014/main" id="{1291B993-D7C5-4B2F-978A-53C1EAAC53BB}"/>
               </a:ext>
             </a:extLst>
           </p:cNvPr>
@@ -2266,7 +2265,7 @@
           <p:cNvPr id="4" name="Slide Number Placeholder 3">
             <a:extLst>
               <a:ext uri="{FF2B5EF4-FFF2-40B4-BE49-F238E27FC236}">
-                <a16:creationId xmlns="" xmlns:a16="http://schemas.microsoft.com/office/drawing/2014/main" id="{BFAB1606-B9AC-4E4C-BDB5-EFB17BF6D109}"/>
+                <a16:creationId xmlns:a16="http://schemas.microsoft.com/office/drawing/2014/main" id="{BFAB1606-B9AC-4E4C-BDB5-EFB17BF6D109}"/>
               </a:ext>
             </a:extLst>
           </p:cNvPr>
@@ -2285,7 +2284,7 @@
             <a:fld id="{D601DDA6-1DBC-4F4A-8EE5-258398DC1DCD}" type="slidenum">
               <a:rPr lang="en-US" smtClean="0"/>
               <a:pPr/>
-              <a:t>‹N°›</a:t>
+              <a:t>‹#›</a:t>
             </a:fld>
             <a:endParaRPr lang="en-US"/>
           </a:p>
@@ -2338,7 +2337,7 @@
           <p:cNvPr id="2" name="Title 1">
             <a:extLst>
               <a:ext uri="{FF2B5EF4-FFF2-40B4-BE49-F238E27FC236}">
-                <a16:creationId xmlns="" xmlns:a16="http://schemas.microsoft.com/office/drawing/2014/main" id="{871716A5-B55C-4E0A-8E80-86F8981F75FD}"/>
+                <a16:creationId xmlns:a16="http://schemas.microsoft.com/office/drawing/2014/main" id="{871716A5-B55C-4E0A-8E80-86F8981F75FD}"/>
               </a:ext>
             </a:extLst>
           </p:cNvPr>
@@ -2375,7 +2374,7 @@
           <p:cNvPr id="3" name="Content Placeholder 2">
             <a:extLst>
               <a:ext uri="{FF2B5EF4-FFF2-40B4-BE49-F238E27FC236}">
-                <a16:creationId xmlns="" xmlns:a16="http://schemas.microsoft.com/office/drawing/2014/main" id="{A7DB415D-BD3B-4BF1-8702-ACB73F739DA6}"/>
+                <a16:creationId xmlns:a16="http://schemas.microsoft.com/office/drawing/2014/main" id="{A7DB415D-BD3B-4BF1-8702-ACB73F739DA6}"/>
               </a:ext>
             </a:extLst>
           </p:cNvPr>
@@ -2465,7 +2464,7 @@
           <p:cNvPr id="4" name="Text Placeholder 3">
             <a:extLst>
               <a:ext uri="{FF2B5EF4-FFF2-40B4-BE49-F238E27FC236}">
-                <a16:creationId xmlns="" xmlns:a16="http://schemas.microsoft.com/office/drawing/2014/main" id="{82A1B6E5-8961-47C3-82F6-84F8209864F3}"/>
+                <a16:creationId xmlns:a16="http://schemas.microsoft.com/office/drawing/2014/main" id="{82A1B6E5-8961-47C3-82F6-84F8209864F3}"/>
               </a:ext>
             </a:extLst>
           </p:cNvPr>
@@ -2536,7 +2535,7 @@
           <p:cNvPr id="5" name="Date Placeholder 4">
             <a:extLst>
               <a:ext uri="{FF2B5EF4-FFF2-40B4-BE49-F238E27FC236}">
-                <a16:creationId xmlns="" xmlns:a16="http://schemas.microsoft.com/office/drawing/2014/main" id="{06E15EFA-9CDB-407E-A02C-559361022255}"/>
+                <a16:creationId xmlns:a16="http://schemas.microsoft.com/office/drawing/2014/main" id="{06E15EFA-9CDB-407E-A02C-559361022255}"/>
               </a:ext>
             </a:extLst>
           </p:cNvPr>
@@ -2555,7 +2554,7 @@
             <a:fld id="{4630115F-65E7-4948-BBBD-A84F05213A84}" type="datetimeFigureOut">
               <a:rPr lang="en-US" smtClean="0"/>
               <a:pPr/>
-              <a:t>10/13/2021</a:t>
+              <a:t>10/18/2021</a:t>
             </a:fld>
             <a:endParaRPr lang="en-US"/>
           </a:p>
@@ -2566,7 +2565,7 @@
           <p:cNvPr id="6" name="Footer Placeholder 5">
             <a:extLst>
               <a:ext uri="{FF2B5EF4-FFF2-40B4-BE49-F238E27FC236}">
-                <a16:creationId xmlns="" xmlns:a16="http://schemas.microsoft.com/office/drawing/2014/main" id="{41583BD7-A3AB-4146-B913-49E0021E1344}"/>
+                <a16:creationId xmlns:a16="http://schemas.microsoft.com/office/drawing/2014/main" id="{41583BD7-A3AB-4146-B913-49E0021E1344}"/>
               </a:ext>
             </a:extLst>
           </p:cNvPr>
@@ -2591,7 +2590,7 @@
           <p:cNvPr id="7" name="Slide Number Placeholder 6">
             <a:extLst>
               <a:ext uri="{FF2B5EF4-FFF2-40B4-BE49-F238E27FC236}">
-                <a16:creationId xmlns="" xmlns:a16="http://schemas.microsoft.com/office/drawing/2014/main" id="{F3FEE8AB-4161-4B83-B736-16A17329CC27}"/>
+                <a16:creationId xmlns:a16="http://schemas.microsoft.com/office/drawing/2014/main" id="{F3FEE8AB-4161-4B83-B736-16A17329CC27}"/>
               </a:ext>
             </a:extLst>
           </p:cNvPr>
@@ -2610,7 +2609,7 @@
             <a:fld id="{D601DDA6-1DBC-4F4A-8EE5-258398DC1DCD}" type="slidenum">
               <a:rPr lang="en-US" smtClean="0"/>
               <a:pPr/>
-              <a:t>‹N°›</a:t>
+              <a:t>‹#›</a:t>
             </a:fld>
             <a:endParaRPr lang="en-US"/>
           </a:p>
@@ -2663,7 +2662,7 @@
           <p:cNvPr id="2" name="Title 1">
             <a:extLst>
               <a:ext uri="{FF2B5EF4-FFF2-40B4-BE49-F238E27FC236}">
-                <a16:creationId xmlns="" xmlns:a16="http://schemas.microsoft.com/office/drawing/2014/main" id="{39BF0B64-16D0-4DD1-B453-AF6665549846}"/>
+                <a16:creationId xmlns:a16="http://schemas.microsoft.com/office/drawing/2014/main" id="{39BF0B64-16D0-4DD1-B453-AF6665549846}"/>
               </a:ext>
             </a:extLst>
           </p:cNvPr>
@@ -2700,7 +2699,7 @@
           <p:cNvPr id="3" name="Picture Placeholder 2">
             <a:extLst>
               <a:ext uri="{FF2B5EF4-FFF2-40B4-BE49-F238E27FC236}">
-                <a16:creationId xmlns="" xmlns:a16="http://schemas.microsoft.com/office/drawing/2014/main" id="{8DC15406-DEC9-4387-8D9E-76AD25AAB0C1}"/>
+                <a16:creationId xmlns:a16="http://schemas.microsoft.com/office/drawing/2014/main" id="{8DC15406-DEC9-4387-8D9E-76AD25AAB0C1}"/>
               </a:ext>
             </a:extLst>
           </p:cNvPr>
@@ -2767,7 +2766,7 @@
           <p:cNvPr id="4" name="Text Placeholder 3">
             <a:extLst>
               <a:ext uri="{FF2B5EF4-FFF2-40B4-BE49-F238E27FC236}">
-                <a16:creationId xmlns="" xmlns:a16="http://schemas.microsoft.com/office/drawing/2014/main" id="{6C3FE20B-13AB-4D94-A3C2-7925ACFD08B5}"/>
+                <a16:creationId xmlns:a16="http://schemas.microsoft.com/office/drawing/2014/main" id="{6C3FE20B-13AB-4D94-A3C2-7925ACFD08B5}"/>
               </a:ext>
             </a:extLst>
           </p:cNvPr>
@@ -2838,7 +2837,7 @@
           <p:cNvPr id="5" name="Date Placeholder 4">
             <a:extLst>
               <a:ext uri="{FF2B5EF4-FFF2-40B4-BE49-F238E27FC236}">
-                <a16:creationId xmlns="" xmlns:a16="http://schemas.microsoft.com/office/drawing/2014/main" id="{96CD83F7-4D58-48EE-854B-BBCAA06750AF}"/>
+                <a16:creationId xmlns:a16="http://schemas.microsoft.com/office/drawing/2014/main" id="{96CD83F7-4D58-48EE-854B-BBCAA06750AF}"/>
               </a:ext>
             </a:extLst>
           </p:cNvPr>
@@ -2857,7 +2856,7 @@
             <a:fld id="{4630115F-65E7-4948-BBBD-A84F05213A84}" type="datetimeFigureOut">
               <a:rPr lang="en-US" smtClean="0"/>
               <a:pPr/>
-              <a:t>10/13/2021</a:t>
+              <a:t>10/18/2021</a:t>
             </a:fld>
             <a:endParaRPr lang="en-US"/>
           </a:p>
@@ -2868,7 +2867,7 @@
           <p:cNvPr id="6" name="Footer Placeholder 5">
             <a:extLst>
               <a:ext uri="{FF2B5EF4-FFF2-40B4-BE49-F238E27FC236}">
-                <a16:creationId xmlns="" xmlns:a16="http://schemas.microsoft.com/office/drawing/2014/main" id="{1C89F3C9-528D-4723-9868-C8EC2755C20B}"/>
+                <a16:creationId xmlns:a16="http://schemas.microsoft.com/office/drawing/2014/main" id="{1C89F3C9-528D-4723-9868-C8EC2755C20B}"/>
               </a:ext>
             </a:extLst>
           </p:cNvPr>
@@ -2893,7 +2892,7 @@
           <p:cNvPr id="7" name="Slide Number Placeholder 6">
             <a:extLst>
               <a:ext uri="{FF2B5EF4-FFF2-40B4-BE49-F238E27FC236}">
-                <a16:creationId xmlns="" xmlns:a16="http://schemas.microsoft.com/office/drawing/2014/main" id="{5D91BBCA-FD3A-4E60-8E98-F1C2B61934C8}"/>
+                <a16:creationId xmlns:a16="http://schemas.microsoft.com/office/drawing/2014/main" id="{5D91BBCA-FD3A-4E60-8E98-F1C2B61934C8}"/>
               </a:ext>
             </a:extLst>
           </p:cNvPr>
@@ -2912,7 +2911,7 @@
             <a:fld id="{D601DDA6-1DBC-4F4A-8EE5-258398DC1DCD}" type="slidenum">
               <a:rPr lang="en-US" smtClean="0"/>
               <a:pPr/>
-              <a:t>‹N°›</a:t>
+              <a:t>‹#›</a:t>
             </a:fld>
             <a:endParaRPr lang="en-US"/>
           </a:p>
@@ -2973,7 +2972,7 @@
           <p:cNvPr id="2" name="Title Placeholder 1">
             <a:extLst>
               <a:ext uri="{FF2B5EF4-FFF2-40B4-BE49-F238E27FC236}">
-                <a16:creationId xmlns="" xmlns:a16="http://schemas.microsoft.com/office/drawing/2014/main" id="{F60809AC-7EC4-49E0-990C-A6C64F487F28}"/>
+                <a16:creationId xmlns:a16="http://schemas.microsoft.com/office/drawing/2014/main" id="{F60809AC-7EC4-49E0-990C-A6C64F487F28}"/>
               </a:ext>
             </a:extLst>
           </p:cNvPr>
@@ -3011,7 +3010,7 @@
           <p:cNvPr id="3" name="Text Placeholder 2">
             <a:extLst>
               <a:ext uri="{FF2B5EF4-FFF2-40B4-BE49-F238E27FC236}">
-                <a16:creationId xmlns="" xmlns:a16="http://schemas.microsoft.com/office/drawing/2014/main" id="{394B1242-C231-4EEF-BCE9-DA025AF022D7}"/>
+                <a16:creationId xmlns:a16="http://schemas.microsoft.com/office/drawing/2014/main" id="{394B1242-C231-4EEF-BCE9-DA025AF022D7}"/>
               </a:ext>
             </a:extLst>
           </p:cNvPr>
@@ -3078,7 +3077,7 @@
           <p:cNvPr id="4" name="Date Placeholder 3">
             <a:extLst>
               <a:ext uri="{FF2B5EF4-FFF2-40B4-BE49-F238E27FC236}">
-                <a16:creationId xmlns="" xmlns:a16="http://schemas.microsoft.com/office/drawing/2014/main" id="{9B75FF5F-AE2C-4B42-B0CC-0596B671F5D9}"/>
+                <a16:creationId xmlns:a16="http://schemas.microsoft.com/office/drawing/2014/main" id="{9B75FF5F-AE2C-4B42-B0CC-0596B671F5D9}"/>
               </a:ext>
             </a:extLst>
           </p:cNvPr>
@@ -3115,7 +3114,7 @@
             <a:fld id="{4630115F-65E7-4948-BBBD-A84F05213A84}" type="datetimeFigureOut">
               <a:rPr lang="en-US" smtClean="0"/>
               <a:pPr/>
-              <a:t>10/13/2021</a:t>
+              <a:t>10/18/2021</a:t>
             </a:fld>
             <a:endParaRPr lang="en-US"/>
           </a:p>
@@ -3126,7 +3125,7 @@
           <p:cNvPr id="5" name="Footer Placeholder 4">
             <a:extLst>
               <a:ext uri="{FF2B5EF4-FFF2-40B4-BE49-F238E27FC236}">
-                <a16:creationId xmlns="" xmlns:a16="http://schemas.microsoft.com/office/drawing/2014/main" id="{175D5724-EF5C-4A01-9DE7-01578DB37CAC}"/>
+                <a16:creationId xmlns:a16="http://schemas.microsoft.com/office/drawing/2014/main" id="{175D5724-EF5C-4A01-9DE7-01578DB37CAC}"/>
               </a:ext>
             </a:extLst>
           </p:cNvPr>
@@ -3169,7 +3168,7 @@
           <p:cNvPr id="6" name="Slide Number Placeholder 5">
             <a:extLst>
               <a:ext uri="{FF2B5EF4-FFF2-40B4-BE49-F238E27FC236}">
-                <a16:creationId xmlns="" xmlns:a16="http://schemas.microsoft.com/office/drawing/2014/main" id="{C3A064B1-DC35-4C35-A879-FEE290790C44}"/>
+                <a16:creationId xmlns:a16="http://schemas.microsoft.com/office/drawing/2014/main" id="{C3A064B1-DC35-4C35-A879-FEE290790C44}"/>
               </a:ext>
             </a:extLst>
           </p:cNvPr>
@@ -3206,7 +3205,7 @@
             <a:fld id="{D601DDA6-1DBC-4F4A-8EE5-258398DC1DCD}" type="slidenum">
               <a:rPr lang="en-US" smtClean="0"/>
               <a:pPr/>
-              <a:t>‹N°›</a:t>
+              <a:t>‹#›</a:t>
             </a:fld>
             <a:endParaRPr lang="en-US"/>
           </a:p>
@@ -3558,7 +3557,7 @@
           <p:cNvPr id="2" name="TextBox 1">
             <a:extLst>
               <a:ext uri="{FF2B5EF4-FFF2-40B4-BE49-F238E27FC236}">
-                <a16:creationId xmlns="" xmlns:a16="http://schemas.microsoft.com/office/drawing/2014/main" id="{CBDB9FDC-DAF2-4A2F-B110-0DBD49C77C43}"/>
+                <a16:creationId xmlns:a16="http://schemas.microsoft.com/office/drawing/2014/main" id="{CBDB9FDC-DAF2-4A2F-B110-0DBD49C77C43}"/>
               </a:ext>
             </a:extLst>
           </p:cNvPr>
@@ -3606,7 +3605,7 @@
           <p:cNvPr id="3" name="Picture 2" descr="Infra as code : créer un blog multi régions avec Terraform sur ...">
             <a:extLst>
               <a:ext uri="{FF2B5EF4-FFF2-40B4-BE49-F238E27FC236}">
-                <a16:creationId xmlns="" xmlns:a16="http://schemas.microsoft.com/office/drawing/2014/main" id="{FD6F55BD-2D27-4A14-9604-55A5036F352D}"/>
+                <a16:creationId xmlns:a16="http://schemas.microsoft.com/office/drawing/2014/main" id="{FD6F55BD-2D27-4A14-9604-55A5036F352D}"/>
               </a:ext>
             </a:extLst>
           </p:cNvPr>
@@ -3695,7 +3694,7 @@
           <p:cNvPr id="4" name="TextBox 3">
             <a:extLst>
               <a:ext uri="{FF2B5EF4-FFF2-40B4-BE49-F238E27FC236}">
-                <a16:creationId xmlns="" xmlns:a16="http://schemas.microsoft.com/office/drawing/2014/main" id="{EDBF4371-BEF8-4D12-B9AA-44B7A66650A9}"/>
+                <a16:creationId xmlns:a16="http://schemas.microsoft.com/office/drawing/2014/main" id="{EDBF4371-BEF8-4D12-B9AA-44B7A66650A9}"/>
               </a:ext>
             </a:extLst>
           </p:cNvPr>
@@ -3740,7 +3739,7 @@
           <p:cNvPr id="5" name="Rectangle 2">
             <a:extLst>
               <a:ext uri="{FF2B5EF4-FFF2-40B4-BE49-F238E27FC236}">
-                <a16:creationId xmlns="" xmlns:a16="http://schemas.microsoft.com/office/drawing/2014/main" id="{B60439BE-F3B3-4CD0-AACD-66DB77E7164A}"/>
+                <a16:creationId xmlns:a16="http://schemas.microsoft.com/office/drawing/2014/main" id="{B60439BE-F3B3-4CD0-AACD-66DB77E7164A}"/>
               </a:ext>
             </a:extLst>
           </p:cNvPr>
@@ -4965,7 +4964,7 @@
           <p:cNvPr id="4" name="TextBox 3">
             <a:extLst>
               <a:ext uri="{FF2B5EF4-FFF2-40B4-BE49-F238E27FC236}">
-                <a16:creationId xmlns="" xmlns:a16="http://schemas.microsoft.com/office/drawing/2014/main" id="{EDBF4371-BEF8-4D12-B9AA-44B7A66650A9}"/>
+                <a16:creationId xmlns:a16="http://schemas.microsoft.com/office/drawing/2014/main" id="{EDBF4371-BEF8-4D12-B9AA-44B7A66650A9}"/>
               </a:ext>
             </a:extLst>
           </p:cNvPr>
@@ -5010,7 +5009,7 @@
           <p:cNvPr id="5" name="Rectangle 2">
             <a:extLst>
               <a:ext uri="{FF2B5EF4-FFF2-40B4-BE49-F238E27FC236}">
-                <a16:creationId xmlns="" xmlns:a16="http://schemas.microsoft.com/office/drawing/2014/main" id="{B60439BE-F3B3-4CD0-AACD-66DB77E7164A}"/>
+                <a16:creationId xmlns:a16="http://schemas.microsoft.com/office/drawing/2014/main" id="{B60439BE-F3B3-4CD0-AACD-66DB77E7164A}"/>
               </a:ext>
             </a:extLst>
           </p:cNvPr>
@@ -5441,7 +5440,7 @@
           <p:cNvPr id="4" name="TextBox 3">
             <a:extLst>
               <a:ext uri="{FF2B5EF4-FFF2-40B4-BE49-F238E27FC236}">
-                <a16:creationId xmlns="" xmlns:a16="http://schemas.microsoft.com/office/drawing/2014/main" id="{EDBF4371-BEF8-4D12-B9AA-44B7A66650A9}"/>
+                <a16:creationId xmlns:a16="http://schemas.microsoft.com/office/drawing/2014/main" id="{EDBF4371-BEF8-4D12-B9AA-44B7A66650A9}"/>
               </a:ext>
             </a:extLst>
           </p:cNvPr>
@@ -5486,7 +5485,7 @@
           <p:cNvPr id="2" name="Rectangle 1">
             <a:extLst>
               <a:ext uri="{FF2B5EF4-FFF2-40B4-BE49-F238E27FC236}">
-                <a16:creationId xmlns="" xmlns:a16="http://schemas.microsoft.com/office/drawing/2014/main" id="{6457CA1F-935D-4FD4-80CC-6909BB4D275A}"/>
+                <a16:creationId xmlns:a16="http://schemas.microsoft.com/office/drawing/2014/main" id="{6457CA1F-935D-4FD4-80CC-6909BB4D275A}"/>
               </a:ext>
             </a:extLst>
           </p:cNvPr>
@@ -5981,7 +5980,7 @@
           <p:cNvPr id="4" name="TextBox 3">
             <a:extLst>
               <a:ext uri="{FF2B5EF4-FFF2-40B4-BE49-F238E27FC236}">
-                <a16:creationId xmlns="" xmlns:a16="http://schemas.microsoft.com/office/drawing/2014/main" id="{EDBF4371-BEF8-4D12-B9AA-44B7A66650A9}"/>
+                <a16:creationId xmlns:a16="http://schemas.microsoft.com/office/drawing/2014/main" id="{EDBF4371-BEF8-4D12-B9AA-44B7A66650A9}"/>
               </a:ext>
             </a:extLst>
           </p:cNvPr>
@@ -6006,7 +6005,7 @@
           <a:p>
             <a:pPr algn="ctr"/>
             <a:r>
-              <a:rPr lang="fr-FR" sz="4400" b="1" dirty="0" err="1" smtClean="0">
+              <a:rPr lang="fr-FR" sz="4400" b="1" dirty="0" err="1">
                 <a:solidFill>
                   <a:srgbClr val="5B4EE4"/>
                 </a:solidFill>
@@ -6014,7 +6013,7 @@
               <a:t>Locals</a:t>
             </a:r>
             <a:r>
-              <a:rPr lang="fr-FR" sz="4400" b="1" dirty="0" smtClean="0">
+              <a:rPr lang="fr-FR" sz="4400" b="1" dirty="0">
                 <a:solidFill>
                   <a:srgbClr val="5B4EE4"/>
                 </a:solidFill>
@@ -6238,7 +6237,7 @@
           <p:cNvPr id="4" name="TextBox 3">
             <a:extLst>
               <a:ext uri="{FF2B5EF4-FFF2-40B4-BE49-F238E27FC236}">
-                <a16:creationId xmlns="" xmlns:a16="http://schemas.microsoft.com/office/drawing/2014/main" id="{EDBF4371-BEF8-4D12-B9AA-44B7A66650A9}"/>
+                <a16:creationId xmlns:a16="http://schemas.microsoft.com/office/drawing/2014/main" id="{EDBF4371-BEF8-4D12-B9AA-44B7A66650A9}"/>
               </a:ext>
             </a:extLst>
           </p:cNvPr>
@@ -6283,7 +6282,7 @@
           <p:cNvPr id="6" name="Picture 5">
             <a:extLst>
               <a:ext uri="{FF2B5EF4-FFF2-40B4-BE49-F238E27FC236}">
-                <a16:creationId xmlns="" xmlns:a16="http://schemas.microsoft.com/office/drawing/2014/main" id="{B3D30C10-9FDA-4295-9BE0-685D1BEA6C4E}"/>
+                <a16:creationId xmlns:a16="http://schemas.microsoft.com/office/drawing/2014/main" id="{B3D30C10-9FDA-4295-9BE0-685D1BEA6C4E}"/>
               </a:ext>
             </a:extLst>
           </p:cNvPr>
@@ -6318,7 +6317,7 @@
           <p:cNvPr id="8" name="Rectangle 2">
             <a:extLst>
               <a:ext uri="{FF2B5EF4-FFF2-40B4-BE49-F238E27FC236}">
-                <a16:creationId xmlns="" xmlns:a16="http://schemas.microsoft.com/office/drawing/2014/main" id="{6DB6E745-3664-4F20-8C87-64D0D17390AA}"/>
+                <a16:creationId xmlns:a16="http://schemas.microsoft.com/office/drawing/2014/main" id="{6DB6E745-3664-4F20-8C87-64D0D17390AA}"/>
               </a:ext>
             </a:extLst>
           </p:cNvPr>
@@ -6832,7 +6831,7 @@
           <p:cNvPr id="4" name="TextBox 3">
             <a:extLst>
               <a:ext uri="{FF2B5EF4-FFF2-40B4-BE49-F238E27FC236}">
-                <a16:creationId xmlns="" xmlns:a16="http://schemas.microsoft.com/office/drawing/2014/main" id="{EDBF4371-BEF8-4D12-B9AA-44B7A66650A9}"/>
+                <a16:creationId xmlns:a16="http://schemas.microsoft.com/office/drawing/2014/main" id="{EDBF4371-BEF8-4D12-B9AA-44B7A66650A9}"/>
               </a:ext>
             </a:extLst>
           </p:cNvPr>
@@ -6877,7 +6876,7 @@
           <p:cNvPr id="3" name="Rectangle 1">
             <a:extLst>
               <a:ext uri="{FF2B5EF4-FFF2-40B4-BE49-F238E27FC236}">
-                <a16:creationId xmlns="" xmlns:a16="http://schemas.microsoft.com/office/drawing/2014/main" id="{F705702B-5DEC-47F3-B821-4C4F2DDF9DC8}"/>
+                <a16:creationId xmlns:a16="http://schemas.microsoft.com/office/drawing/2014/main" id="{F705702B-5DEC-47F3-B821-4C4F2DDF9DC8}"/>
               </a:ext>
             </a:extLst>
           </p:cNvPr>
@@ -7052,19 +7051,6 @@
               <a:buNone/>
               <a:tabLst/>
             </a:pPr>
-            <a:r>
-              <a:rPr kumimoji="0" lang="fr-FR" altLang="fr-FR" sz="2400" b="1" i="0" u="none" strike="noStrike" cap="none" normalizeH="0" baseline="0" dirty="0">
-                <a:ln>
-                  <a:noFill/>
-                </a:ln>
-                <a:solidFill>
-                  <a:srgbClr val="1D1E23"/>
-                </a:solidFill>
-                <a:effectLst/>
-                <a:latin typeface="gilmer-web"/>
-              </a:rPr>
-              <a:t/>
-            </a:r>
             <a:br>
               <a:rPr kumimoji="0" lang="fr-FR" altLang="fr-FR" sz="2400" b="1" i="0" u="none" strike="noStrike" cap="none" normalizeH="0" baseline="0" dirty="0">
                 <a:ln>
@@ -7506,7 +7492,25 @@
                 </a:solidFill>
                 <a:latin typeface="dejavu-sans-mono-web"/>
               </a:rPr>
-              <a:t>${gcp_compute_instance.web.id}</a:t>
+              <a:t>${</a:t>
+            </a:r>
+            <a:r>
+              <a:rPr lang="en-US" dirty="0" err="1">
+                <a:solidFill>
+                  <a:srgbClr val="5B4EE4"/>
+                </a:solidFill>
+                <a:latin typeface="dejavu-sans-mono-web"/>
+              </a:rPr>
+              <a:t>azurerm_windows_virtual_machine.vm.public_ip_address</a:t>
+            </a:r>
+            <a:r>
+              <a:rPr lang="fr-FR" dirty="0">
+                <a:solidFill>
+                  <a:srgbClr val="5B4EE4"/>
+                </a:solidFill>
+                <a:latin typeface="dejavu-sans-mono-web"/>
+              </a:rPr>
+              <a:t>}</a:t>
             </a:r>
             <a:endParaRPr lang="fr-FR" altLang="fr-FR" dirty="0">
               <a:solidFill>
@@ -7564,7 +7568,7 @@
           <p:cNvPr id="4" name="TextBox 3">
             <a:extLst>
               <a:ext uri="{FF2B5EF4-FFF2-40B4-BE49-F238E27FC236}">
-                <a16:creationId xmlns="" xmlns:a16="http://schemas.microsoft.com/office/drawing/2014/main" id="{EDBF4371-BEF8-4D12-B9AA-44B7A66650A9}"/>
+                <a16:creationId xmlns:a16="http://schemas.microsoft.com/office/drawing/2014/main" id="{EDBF4371-BEF8-4D12-B9AA-44B7A66650A9}"/>
               </a:ext>
             </a:extLst>
           </p:cNvPr>
@@ -7573,7 +7577,7 @@
         </p:nvSpPr>
         <p:spPr>
           <a:xfrm>
-            <a:off x="0" y="208669"/>
+            <a:off x="0" y="701040"/>
             <a:ext cx="12192000" cy="707886"/>
           </a:xfrm>
           <a:prstGeom prst="rect">
@@ -7589,12 +7593,20 @@
           <a:p>
             <a:pPr algn="ctr"/>
             <a:r>
+              <a:rPr lang="fr-FR" sz="4000" b="1" dirty="0" err="1">
+                <a:solidFill>
+                  <a:srgbClr val="5B4EE4"/>
+                </a:solidFill>
+              </a:rPr>
+              <a:t>Terraform</a:t>
+            </a:r>
+            <a:r>
               <a:rPr lang="fr-FR" sz="4000" b="1" dirty="0">
                 <a:solidFill>
                   <a:srgbClr val="5B4EE4"/>
                 </a:solidFill>
               </a:rPr>
-              <a:t>OUTPUT</a:t>
+              <a:t> state</a:t>
             </a:r>
             <a:endParaRPr lang="fr-FR" b="1" dirty="0">
               <a:solidFill>
@@ -7606,1009 +7618,88 @@
       </p:sp>
       <p:sp>
         <p:nvSpPr>
-          <p:cNvPr id="5" name="Rectangle 4">
+          <p:cNvPr id="2" name="TextBox 1">
             <a:extLst>
               <a:ext uri="{FF2B5EF4-FFF2-40B4-BE49-F238E27FC236}">
-                <a16:creationId xmlns="" xmlns:a16="http://schemas.microsoft.com/office/drawing/2014/main" id="{C95CEECC-6607-49C6-BB94-78BF88D1F98F}"/>
+                <a16:creationId xmlns:a16="http://schemas.microsoft.com/office/drawing/2014/main" id="{69E7020C-67B5-4B70-BF56-0F7CAAB9739B}"/>
               </a:ext>
             </a:extLst>
           </p:cNvPr>
-          <p:cNvSpPr/>
+          <p:cNvSpPr txBox="1"/>
           <p:nvPr/>
         </p:nvSpPr>
         <p:spPr>
           <a:xfrm>
-            <a:off x="5876778" y="3016706"/>
-            <a:ext cx="4702126" cy="2677656"/>
+            <a:off x="899360" y="2026468"/>
+            <a:ext cx="10699082" cy="3359061"/>
           </a:xfrm>
           <a:prstGeom prst="rect">
             <a:avLst/>
           </a:prstGeom>
-          <a:ln>
-            <a:solidFill>
-              <a:schemeClr val="bg1">
-                <a:lumMod val="85000"/>
-              </a:schemeClr>
-            </a:solidFill>
-          </a:ln>
+          <a:noFill/>
         </p:spPr>
         <p:txBody>
-          <a:bodyPr wrap="square">
+          <a:bodyPr wrap="square" rtlCol="0">
             <a:spAutoFit/>
           </a:bodyPr>
           <a:lstStyle/>
           <a:p>
-            <a:pPr lvl="0"/>
-            <a:r>
-              <a:rPr lang="fr-FR" altLang="fr-FR" sz="1600" dirty="0">
-                <a:solidFill>
-                  <a:srgbClr val="1D1E23"/>
-                </a:solidFill>
-                <a:latin typeface="gilmer-web"/>
-              </a:rPr>
-              <a:t>on </a:t>
-            </a:r>
-            <a:r>
-              <a:rPr lang="fr-FR" altLang="fr-FR" sz="1600" dirty="0" err="1">
-                <a:solidFill>
-                  <a:srgbClr val="1D1E23"/>
-                </a:solidFill>
-                <a:latin typeface="gilmer-web"/>
-              </a:rPr>
-              <a:t>project</a:t>
-            </a:r>
-            <a:r>
-              <a:rPr lang="fr-FR" altLang="fr-FR" sz="1600" dirty="0">
-                <a:solidFill>
-                  <a:srgbClr val="1D1E23"/>
-                </a:solidFill>
-                <a:latin typeface="gilmer-web"/>
-              </a:rPr>
-              <a:t> </a:t>
-            </a:r>
-            <a:r>
-              <a:rPr lang="fr-FR" altLang="fr-FR" sz="1600" b="1" dirty="0">
-                <a:solidFill>
-                  <a:srgbClr val="1D1E23"/>
-                </a:solidFill>
-                <a:latin typeface="gilmer-web"/>
-              </a:rPr>
-              <a:t>B</a:t>
-            </a:r>
-            <a:r>
-              <a:rPr lang="fr-FR" altLang="fr-FR" sz="2000" dirty="0">
-                <a:solidFill>
-                  <a:srgbClr val="1D1E23"/>
-                </a:solidFill>
-                <a:latin typeface="gilmer-web"/>
-              </a:rPr>
-              <a:t> :</a:t>
-            </a:r>
-          </a:p>
-          <a:p>
-            <a:pPr lvl="0"/>
-            <a:endParaRPr lang="fr-FR" altLang="fr-FR" dirty="0">
-              <a:solidFill>
-                <a:srgbClr val="5B4EE4"/>
-              </a:solidFill>
-            </a:endParaRPr>
-          </a:p>
-          <a:p>
-            <a:pPr lvl="0"/>
-            <a:r>
-              <a:rPr lang="fr-FR" altLang="fr-FR" sz="1400" dirty="0">
+            <a:pPr>
+              <a:lnSpc>
+                <a:spcPct val="150000"/>
+              </a:lnSpc>
+            </a:pPr>
+            <a:r>
+              <a:rPr lang="en-US" sz="2400" dirty="0"/>
+              <a:t>Terraform stores state about your managed infrastructure and configuration.</a:t>
+            </a:r>
+          </a:p>
+          <a:p>
+            <a:pPr>
+              <a:lnSpc>
+                <a:spcPct val="150000"/>
+              </a:lnSpc>
+            </a:pPr>
+            <a:endParaRPr lang="en-US" sz="2400" dirty="0"/>
+          </a:p>
+          <a:p>
+            <a:r>
+              <a:rPr lang="en-US" sz="2400" dirty="0"/>
+              <a:t>This state is used by Terraform to map real world resources to your configuration, keep track of metadata, and to improve performance for large infrastructures.</a:t>
+            </a:r>
+          </a:p>
+          <a:p>
+            <a:endParaRPr lang="en-US" sz="2400" dirty="0"/>
+          </a:p>
+          <a:p>
+            <a:pPr>
+              <a:lnSpc>
+                <a:spcPct val="150000"/>
+              </a:lnSpc>
+            </a:pPr>
+            <a:r>
+              <a:rPr lang="en-US" sz="2400" dirty="0"/>
+              <a:t>This state is stored by default in a local file named "</a:t>
+            </a:r>
+            <a:r>
+              <a:rPr lang="en-US" sz="2400" b="1" dirty="0" err="1">
                 <a:solidFill>
                   <a:srgbClr val="5B4EE4"/>
                 </a:solidFill>
               </a:rPr>
-              <a:t>data "</a:t>
-            </a:r>
-            <a:r>
-              <a:rPr lang="fr-FR" altLang="fr-FR" sz="1400" dirty="0" err="1">
-                <a:solidFill>
-                  <a:srgbClr val="03A1A4"/>
-                </a:solidFill>
-              </a:rPr>
-              <a:t>terraform_remote_state</a:t>
-            </a:r>
-            <a:r>
-              <a:rPr lang="fr-FR" altLang="fr-FR" sz="1400" dirty="0">
-                <a:solidFill>
-                  <a:srgbClr val="5B4EE4"/>
-                </a:solidFill>
-              </a:rPr>
-              <a:t>" "</a:t>
-            </a:r>
-            <a:r>
-              <a:rPr lang="fr-FR" altLang="fr-FR" sz="1400" dirty="0" err="1">
-                <a:solidFill>
-                  <a:srgbClr val="03A1A4"/>
-                </a:solidFill>
-              </a:rPr>
-              <a:t>global_sg</a:t>
-            </a:r>
-            <a:r>
-              <a:rPr lang="fr-FR" altLang="fr-FR" sz="1400" dirty="0">
-                <a:solidFill>
-                  <a:srgbClr val="5B4EE4"/>
-                </a:solidFill>
-              </a:rPr>
-              <a:t>" {</a:t>
-            </a:r>
-          </a:p>
-          <a:p>
-            <a:pPr lvl="0"/>
-            <a:endParaRPr lang="fr-FR" altLang="fr-FR" sz="1400" dirty="0">
-              <a:solidFill>
-                <a:srgbClr val="5B4EE4"/>
-              </a:solidFill>
-            </a:endParaRPr>
-          </a:p>
-          <a:p>
-            <a:pPr lvl="0"/>
-            <a:r>
-              <a:rPr lang="fr-FR" altLang="fr-FR" dirty="0">
-                <a:solidFill>
-                  <a:srgbClr val="5B4EE4"/>
-                </a:solidFill>
-              </a:rPr>
-              <a:t> </a:t>
-            </a:r>
-            <a:r>
-              <a:rPr lang="fr-FR" altLang="fr-FR" sz="1400" dirty="0">
-                <a:solidFill>
-                  <a:srgbClr val="5B4EE4"/>
-                </a:solidFill>
-              </a:rPr>
-              <a:t>backend = "S3"</a:t>
-            </a:r>
-          </a:p>
-          <a:p>
-            <a:pPr lvl="0"/>
-            <a:r>
-              <a:rPr lang="fr-FR" altLang="fr-FR" sz="1400" dirty="0">
-                <a:solidFill>
-                  <a:srgbClr val="5B4EE4"/>
-                </a:solidFill>
-              </a:rPr>
-              <a:t> config = {</a:t>
-            </a:r>
-          </a:p>
-          <a:p>
-            <a:pPr lvl="0"/>
-            <a:r>
-              <a:rPr lang="fr-FR" altLang="fr-FR" sz="1400" dirty="0">
-                <a:solidFill>
-                  <a:srgbClr val="5B4EE4"/>
-                </a:solidFill>
-              </a:rPr>
-              <a:t>	</a:t>
-            </a:r>
-            <a:r>
-              <a:rPr lang="fr-FR" altLang="fr-FR" sz="1400" dirty="0" err="1">
-                <a:solidFill>
-                  <a:srgbClr val="5B4EE4"/>
-                </a:solidFill>
-              </a:rPr>
-              <a:t>bucket</a:t>
-            </a:r>
-            <a:r>
-              <a:rPr lang="fr-FR" altLang="fr-FR" sz="1400" dirty="0">
-                <a:solidFill>
-                  <a:srgbClr val="5B4EE4"/>
-                </a:solidFill>
-              </a:rPr>
-              <a:t> = "prod-</a:t>
-            </a:r>
-            <a:r>
-              <a:rPr lang="fr-FR" altLang="fr-FR" sz="1400" dirty="0" err="1">
-                <a:solidFill>
-                  <a:srgbClr val="5B4EE4"/>
-                </a:solidFill>
-              </a:rPr>
-              <a:t>terraform</a:t>
-            </a:r>
-            <a:r>
-              <a:rPr lang="fr-FR" altLang="fr-FR" sz="1400" dirty="0">
-                <a:solidFill>
-                  <a:srgbClr val="5B4EE4"/>
-                </a:solidFill>
-              </a:rPr>
-              <a:t>-</a:t>
-            </a:r>
-            <a:r>
-              <a:rPr lang="fr-FR" altLang="fr-FR" sz="1400" dirty="0" err="1">
-                <a:solidFill>
-                  <a:srgbClr val="5B4EE4"/>
-                </a:solidFill>
-              </a:rPr>
-              <a:t>tfstates</a:t>
-            </a:r>
-            <a:r>
-              <a:rPr lang="fr-FR" altLang="fr-FR" sz="1400" dirty="0">
-                <a:solidFill>
-                  <a:srgbClr val="5B4EE4"/>
-                </a:solidFill>
-              </a:rPr>
-              <a:t>"</a:t>
-            </a:r>
-          </a:p>
-          <a:p>
-            <a:pPr lvl="0"/>
-            <a:r>
-              <a:rPr lang="fr-FR" altLang="fr-FR" sz="1400" dirty="0">
-                <a:solidFill>
-                  <a:srgbClr val="5B4EE4"/>
-                </a:solidFill>
-              </a:rPr>
-              <a:t>	key = "A/</a:t>
-            </a:r>
-            <a:r>
-              <a:rPr lang="fr-FR" altLang="fr-FR" sz="1400" dirty="0" err="1">
-                <a:solidFill>
-                  <a:srgbClr val="5B4EE4"/>
-                </a:solidFill>
-              </a:rPr>
               <a:t>terraform.tfstate</a:t>
             </a:r>
             <a:r>
-              <a:rPr lang="fr-FR" altLang="fr-FR" sz="1400" dirty="0">
-                <a:solidFill>
-                  <a:srgbClr val="5B4EE4"/>
-                </a:solidFill>
-              </a:rPr>
-              <a:t>"</a:t>
-            </a:r>
-          </a:p>
-          <a:p>
-            <a:pPr lvl="0"/>
-            <a:r>
-              <a:rPr lang="fr-FR" altLang="fr-FR" sz="1400" dirty="0">
-                <a:solidFill>
-                  <a:srgbClr val="5B4EE4"/>
-                </a:solidFill>
-              </a:rPr>
-              <a:t>	</a:t>
-            </a:r>
-            <a:r>
-              <a:rPr lang="fr-FR" altLang="fr-FR" sz="1400" dirty="0" err="1">
-                <a:solidFill>
-                  <a:srgbClr val="5B4EE4"/>
-                </a:solidFill>
-              </a:rPr>
-              <a:t>region</a:t>
-            </a:r>
-            <a:r>
-              <a:rPr lang="fr-FR" altLang="fr-FR" sz="1400" dirty="0">
-                <a:solidFill>
-                  <a:srgbClr val="5B4EE4"/>
-                </a:solidFill>
-              </a:rPr>
-              <a:t> = "us-east-1"</a:t>
-            </a:r>
-          </a:p>
-          <a:p>
-            <a:pPr lvl="0"/>
-            <a:r>
-              <a:rPr lang="fr-FR" altLang="fr-FR" sz="1400" dirty="0">
-                <a:solidFill>
-                  <a:srgbClr val="5B4EE4"/>
-                </a:solidFill>
-              </a:rPr>
-              <a:t> }</a:t>
-            </a:r>
-          </a:p>
-          <a:p>
-            <a:r>
-              <a:rPr lang="fr-FR" altLang="fr-FR" sz="1400" dirty="0">
-                <a:solidFill>
-                  <a:srgbClr val="5B4EE4"/>
-                </a:solidFill>
-              </a:rPr>
-              <a:t>}</a:t>
-            </a:r>
-          </a:p>
-        </p:txBody>
-      </p:sp>
-      <p:sp>
-        <p:nvSpPr>
-          <p:cNvPr id="9" name="Rectangle 8">
-            <a:extLst>
-              <a:ext uri="{FF2B5EF4-FFF2-40B4-BE49-F238E27FC236}">
-                <a16:creationId xmlns="" xmlns:a16="http://schemas.microsoft.com/office/drawing/2014/main" id="{5C257280-89D5-4E24-974E-DEB6057B449F}"/>
-              </a:ext>
-            </a:extLst>
-          </p:cNvPr>
-          <p:cNvSpPr/>
-          <p:nvPr/>
-        </p:nvSpPr>
-        <p:spPr>
-          <a:xfrm>
-            <a:off x="3047999" y="1297198"/>
-            <a:ext cx="6096000" cy="1415772"/>
-          </a:xfrm>
-          <a:prstGeom prst="rect">
-            <a:avLst/>
-          </a:prstGeom>
-        </p:spPr>
-        <p:txBody>
-          <a:bodyPr>
-            <a:spAutoFit/>
-          </a:bodyPr>
-          <a:lstStyle/>
-          <a:p>
-            <a:pPr lvl="0" algn="ctr" eaLnBrk="0" fontAlgn="base" hangingPunct="0">
-              <a:spcBef>
-                <a:spcPct val="0"/>
-              </a:spcBef>
-              <a:spcAft>
-                <a:spcPct val="0"/>
-              </a:spcAft>
-            </a:pPr>
-            <a:r>
-              <a:rPr lang="fr-FR" altLang="fr-FR" dirty="0" err="1">
-                <a:solidFill>
-                  <a:srgbClr val="5B4EE4"/>
-                </a:solidFill>
-                <a:latin typeface="gilmer-web"/>
-              </a:rPr>
-              <a:t>Accessing</a:t>
-            </a:r>
-            <a:r>
-              <a:rPr lang="fr-FR" altLang="fr-FR" dirty="0">
-                <a:solidFill>
-                  <a:srgbClr val="5B4EE4"/>
-                </a:solidFill>
-                <a:latin typeface="gilmer-web"/>
-              </a:rPr>
-              <a:t> </a:t>
-            </a:r>
-            <a:r>
-              <a:rPr lang="fr-FR" altLang="fr-FR" dirty="0" err="1">
-                <a:solidFill>
-                  <a:srgbClr val="5B4EE4"/>
-                </a:solidFill>
-                <a:latin typeface="gilmer-web"/>
-              </a:rPr>
-              <a:t>remote</a:t>
-            </a:r>
-            <a:r>
-              <a:rPr lang="fr-FR" altLang="fr-FR" dirty="0">
-                <a:solidFill>
-                  <a:srgbClr val="5B4EE4"/>
-                </a:solidFill>
-                <a:latin typeface="gilmer-web"/>
-              </a:rPr>
-              <a:t> state </a:t>
-            </a:r>
-            <a:r>
-              <a:rPr lang="fr-FR" altLang="fr-FR" dirty="0" err="1">
-                <a:solidFill>
-                  <a:srgbClr val="5B4EE4"/>
-                </a:solidFill>
-                <a:latin typeface="gilmer-web"/>
-              </a:rPr>
-              <a:t>projects</a:t>
-            </a:r>
-            <a:r>
-              <a:rPr lang="fr-FR" altLang="fr-FR" dirty="0">
-                <a:solidFill>
-                  <a:srgbClr val="5B4EE4"/>
-                </a:solidFill>
-                <a:latin typeface="gilmer-web"/>
-              </a:rPr>
-              <a:t> Outputs</a:t>
-            </a:r>
-          </a:p>
-          <a:p>
-            <a:pPr lvl="0" algn="ctr" eaLnBrk="0" fontAlgn="base" hangingPunct="0">
-              <a:spcBef>
-                <a:spcPct val="0"/>
-              </a:spcBef>
-              <a:spcAft>
-                <a:spcPct val="0"/>
-              </a:spcAft>
-            </a:pPr>
-            <a:r>
-              <a:rPr lang="fr-FR" altLang="fr-FR" b="1" dirty="0">
-                <a:latin typeface="gilmer-web"/>
-              </a:rPr>
-              <a:t>Outputs are </a:t>
-            </a:r>
-            <a:r>
-              <a:rPr lang="fr-FR" altLang="fr-FR" b="1" dirty="0" err="1">
-                <a:latin typeface="gilmer-web"/>
-              </a:rPr>
-              <a:t>stored</a:t>
-            </a:r>
-            <a:r>
-              <a:rPr lang="fr-FR" altLang="fr-FR" b="1" dirty="0">
-                <a:latin typeface="gilmer-web"/>
-              </a:rPr>
-              <a:t> in </a:t>
-            </a:r>
-            <a:r>
-              <a:rPr lang="fr-FR" altLang="fr-FR" b="1" dirty="0" err="1">
-                <a:latin typeface="gilmer-web"/>
-              </a:rPr>
-              <a:t>terraform</a:t>
-            </a:r>
-            <a:r>
-              <a:rPr lang="fr-FR" altLang="fr-FR" b="1" dirty="0">
-                <a:latin typeface="gilmer-web"/>
-              </a:rPr>
-              <a:t> state files.</a:t>
-            </a:r>
-          </a:p>
-          <a:p>
-            <a:pPr lvl="0" algn="ctr" eaLnBrk="0" fontAlgn="base" hangingPunct="0">
-              <a:spcBef>
-                <a:spcPct val="0"/>
-              </a:spcBef>
-              <a:spcAft>
-                <a:spcPct val="0"/>
-              </a:spcAft>
-            </a:pPr>
-            <a:endParaRPr lang="fr-FR" altLang="fr-FR" b="1" dirty="0">
-              <a:latin typeface="gilmer-web"/>
-            </a:endParaRPr>
-          </a:p>
-          <a:p>
-            <a:pPr lvl="0" algn="ctr" eaLnBrk="0" fontAlgn="base" hangingPunct="0">
-              <a:spcBef>
-                <a:spcPct val="0"/>
-              </a:spcBef>
-              <a:spcAft>
-                <a:spcPct val="0"/>
-              </a:spcAft>
-            </a:pPr>
-            <a:r>
-              <a:rPr lang="fr-FR" altLang="fr-FR" sz="1600" b="1" dirty="0">
-                <a:solidFill>
-                  <a:srgbClr val="1D1E23"/>
-                </a:solidFill>
-                <a:latin typeface="gilmer-web"/>
-              </a:rPr>
-              <a:t>Example</a:t>
-            </a:r>
-            <a:r>
-              <a:rPr lang="fr-FR" altLang="fr-FR" sz="1600" dirty="0">
-                <a:solidFill>
-                  <a:srgbClr val="1D1E23"/>
-                </a:solidFill>
-                <a:latin typeface="gilmer-web"/>
-              </a:rPr>
-              <a:t> :</a:t>
-            </a:r>
-          </a:p>
-          <a:p>
-            <a:pPr lvl="0" algn="ctr" eaLnBrk="0" fontAlgn="base" hangingPunct="0">
-              <a:spcBef>
-                <a:spcPct val="0"/>
-              </a:spcBef>
-              <a:spcAft>
-                <a:spcPct val="0"/>
-              </a:spcAft>
-            </a:pPr>
-            <a:r>
-              <a:rPr lang="fr-FR" altLang="fr-FR" sz="1600" dirty="0">
-                <a:solidFill>
-                  <a:srgbClr val="1D1E23"/>
-                </a:solidFill>
-                <a:latin typeface="gilmer-web"/>
-              </a:rPr>
-              <a:t>Project A stores the </a:t>
-            </a:r>
-            <a:r>
-              <a:rPr lang="fr-FR" altLang="fr-FR" sz="1600" dirty="0" err="1">
-                <a:solidFill>
-                  <a:srgbClr val="1D1E23"/>
-                </a:solidFill>
-                <a:latin typeface="gilmer-web"/>
-              </a:rPr>
-              <a:t>terraform</a:t>
-            </a:r>
-            <a:r>
-              <a:rPr lang="fr-FR" altLang="fr-FR" sz="1600" dirty="0">
-                <a:solidFill>
-                  <a:srgbClr val="1D1E23"/>
-                </a:solidFill>
-                <a:latin typeface="gilmer-web"/>
-              </a:rPr>
-              <a:t> state file </a:t>
-            </a:r>
-            <a:r>
-              <a:rPr lang="fr-FR" altLang="fr-FR" sz="1600" dirty="0" err="1">
-                <a:solidFill>
-                  <a:srgbClr val="1D1E23"/>
-                </a:solidFill>
-                <a:latin typeface="gilmer-web"/>
-              </a:rPr>
-              <a:t>remotely</a:t>
-            </a:r>
-            <a:r>
-              <a:rPr lang="fr-FR" altLang="fr-FR" sz="1600" dirty="0">
-                <a:solidFill>
-                  <a:srgbClr val="1D1E23"/>
-                </a:solidFill>
-                <a:latin typeface="gilmer-web"/>
-              </a:rPr>
-              <a:t> on AWS S3 </a:t>
-            </a:r>
-            <a:r>
-              <a:rPr lang="fr-FR" altLang="fr-FR" sz="1600" dirty="0" err="1">
-                <a:solidFill>
-                  <a:srgbClr val="1D1E23"/>
-                </a:solidFill>
-                <a:latin typeface="gilmer-web"/>
-              </a:rPr>
-              <a:t>bucket</a:t>
-            </a:r>
-            <a:r>
-              <a:rPr lang="fr-FR" altLang="fr-FR" sz="1600" dirty="0">
-                <a:solidFill>
-                  <a:srgbClr val="1D1E23"/>
-                </a:solidFill>
-                <a:latin typeface="gilmer-web"/>
-              </a:rPr>
-              <a:t> :</a:t>
-            </a:r>
-          </a:p>
-        </p:txBody>
-      </p:sp>
-      <p:sp>
-        <p:nvSpPr>
-          <p:cNvPr id="10" name="Rectangle 9">
-            <a:extLst>
-              <a:ext uri="{FF2B5EF4-FFF2-40B4-BE49-F238E27FC236}">
-                <a16:creationId xmlns="" xmlns:a16="http://schemas.microsoft.com/office/drawing/2014/main" id="{2DF4F1AA-DC97-4207-ABDA-CAE20A1B714D}"/>
-              </a:ext>
-            </a:extLst>
-          </p:cNvPr>
-          <p:cNvSpPr/>
-          <p:nvPr/>
-        </p:nvSpPr>
-        <p:spPr>
-          <a:xfrm>
-            <a:off x="1837005" y="5923344"/>
-            <a:ext cx="8517989" cy="584775"/>
-          </a:xfrm>
-          <a:prstGeom prst="rect">
-            <a:avLst/>
-          </a:prstGeom>
-        </p:spPr>
-        <p:txBody>
-          <a:bodyPr wrap="square">
-            <a:spAutoFit/>
-          </a:bodyPr>
-          <a:lstStyle/>
-          <a:p>
-            <a:pPr lvl="0" algn="ctr"/>
-            <a:r>
-              <a:rPr lang="fr-FR" altLang="fr-FR" sz="1600" dirty="0" err="1">
-                <a:solidFill>
-                  <a:srgbClr val="1D1E23"/>
-                </a:solidFill>
-                <a:latin typeface="gilmer-web"/>
-              </a:rPr>
-              <a:t>Now</a:t>
-            </a:r>
-            <a:r>
-              <a:rPr lang="fr-FR" altLang="fr-FR" sz="1600" dirty="0">
-                <a:solidFill>
-                  <a:srgbClr val="1D1E23"/>
-                </a:solidFill>
-                <a:latin typeface="gilmer-web"/>
-              </a:rPr>
-              <a:t> </a:t>
-            </a:r>
-            <a:r>
-              <a:rPr lang="fr-FR" altLang="fr-FR" sz="1600" dirty="0" err="1">
-                <a:solidFill>
-                  <a:srgbClr val="1D1E23"/>
-                </a:solidFill>
-                <a:latin typeface="gilmer-web"/>
-              </a:rPr>
-              <a:t>we</a:t>
-            </a:r>
-            <a:r>
-              <a:rPr lang="fr-FR" altLang="fr-FR" sz="1600" dirty="0">
-                <a:solidFill>
-                  <a:srgbClr val="1D1E23"/>
-                </a:solidFill>
-                <a:latin typeface="gilmer-web"/>
-              </a:rPr>
-              <a:t> can </a:t>
-            </a:r>
-            <a:r>
-              <a:rPr lang="fr-FR" altLang="fr-FR" sz="1600" dirty="0" err="1">
-                <a:solidFill>
-                  <a:srgbClr val="1D1E23"/>
-                </a:solidFill>
-                <a:latin typeface="gilmer-web"/>
-              </a:rPr>
-              <a:t>reference</a:t>
-            </a:r>
-            <a:r>
-              <a:rPr lang="fr-FR" altLang="fr-FR" sz="1600" dirty="0">
-                <a:solidFill>
-                  <a:srgbClr val="1D1E23"/>
-                </a:solidFill>
-                <a:latin typeface="gilmer-web"/>
-              </a:rPr>
-              <a:t> the output </a:t>
-            </a:r>
-            <a:r>
-              <a:rPr lang="fr-FR" altLang="fr-FR" sz="1600" dirty="0" err="1">
-                <a:solidFill>
-                  <a:srgbClr val="1D1E23"/>
-                </a:solidFill>
-                <a:latin typeface="gilmer-web"/>
-              </a:rPr>
-              <a:t>from</a:t>
-            </a:r>
-            <a:r>
-              <a:rPr lang="fr-FR" altLang="fr-FR" sz="1600" dirty="0">
-                <a:solidFill>
-                  <a:srgbClr val="1D1E23"/>
-                </a:solidFill>
-                <a:latin typeface="gilmer-web"/>
-              </a:rPr>
-              <a:t> </a:t>
-            </a:r>
-            <a:r>
-              <a:rPr lang="fr-FR" altLang="fr-FR" sz="1600" dirty="0" err="1">
-                <a:solidFill>
-                  <a:srgbClr val="1D1E23"/>
-                </a:solidFill>
-                <a:latin typeface="gilmer-web"/>
-              </a:rPr>
-              <a:t>project</a:t>
-            </a:r>
-            <a:r>
-              <a:rPr lang="fr-FR" altLang="fr-FR" sz="1600" dirty="0">
-                <a:solidFill>
-                  <a:srgbClr val="1D1E23"/>
-                </a:solidFill>
-                <a:latin typeface="gilmer-web"/>
-              </a:rPr>
-              <a:t> </a:t>
-            </a:r>
-            <a:r>
-              <a:rPr lang="fr-FR" altLang="fr-FR" sz="1600" b="1" dirty="0">
-                <a:solidFill>
-                  <a:srgbClr val="1D1E23"/>
-                </a:solidFill>
-                <a:latin typeface="gilmer-web"/>
-              </a:rPr>
-              <a:t>A</a:t>
-            </a:r>
-            <a:r>
-              <a:rPr lang="fr-FR" altLang="fr-FR" sz="1600" dirty="0">
-                <a:solidFill>
-                  <a:srgbClr val="1D1E23"/>
-                </a:solidFill>
-                <a:latin typeface="gilmer-web"/>
-              </a:rPr>
-              <a:t> on </a:t>
-            </a:r>
-            <a:r>
-              <a:rPr lang="fr-FR" altLang="fr-FR" sz="1600" dirty="0" err="1">
-                <a:solidFill>
-                  <a:srgbClr val="1D1E23"/>
-                </a:solidFill>
-                <a:latin typeface="gilmer-web"/>
-              </a:rPr>
-              <a:t>resources</a:t>
-            </a:r>
-            <a:r>
-              <a:rPr lang="fr-FR" altLang="fr-FR" sz="1600" dirty="0">
-                <a:solidFill>
-                  <a:srgbClr val="1D1E23"/>
-                </a:solidFill>
-                <a:latin typeface="gilmer-web"/>
-              </a:rPr>
-              <a:t> on </a:t>
-            </a:r>
-            <a:r>
-              <a:rPr lang="fr-FR" altLang="fr-FR" sz="1600" dirty="0" err="1">
-                <a:solidFill>
-                  <a:srgbClr val="1D1E23"/>
-                </a:solidFill>
-                <a:latin typeface="gilmer-web"/>
-              </a:rPr>
-              <a:t>project</a:t>
-            </a:r>
-            <a:r>
-              <a:rPr lang="fr-FR" altLang="fr-FR" sz="1600" dirty="0">
-                <a:solidFill>
-                  <a:srgbClr val="1D1E23"/>
-                </a:solidFill>
-                <a:latin typeface="gilmer-web"/>
-              </a:rPr>
-              <a:t> </a:t>
-            </a:r>
-            <a:r>
-              <a:rPr lang="fr-FR" altLang="fr-FR" sz="1600" b="1" dirty="0">
-                <a:solidFill>
-                  <a:srgbClr val="1D1E23"/>
-                </a:solidFill>
-                <a:latin typeface="gilmer-web"/>
-              </a:rPr>
-              <a:t>B</a:t>
-            </a:r>
-            <a:r>
-              <a:rPr lang="fr-FR" altLang="fr-FR" sz="1600" dirty="0">
-                <a:solidFill>
-                  <a:srgbClr val="1D1E23"/>
-                </a:solidFill>
-                <a:latin typeface="gilmer-web"/>
-              </a:rPr>
-              <a:t> :</a:t>
-            </a:r>
-          </a:p>
-          <a:p>
-            <a:pPr lvl="0" algn="ctr"/>
-            <a:r>
-              <a:rPr lang="fr-FR" altLang="fr-FR" sz="1600" dirty="0">
-                <a:solidFill>
-                  <a:srgbClr val="5B4EE4"/>
-                </a:solidFill>
-              </a:rPr>
-              <a:t>${</a:t>
-            </a:r>
-            <a:r>
-              <a:rPr lang="fr-FR" altLang="fr-FR" sz="1600" dirty="0" err="1">
-                <a:solidFill>
-                  <a:srgbClr val="5B4EE4"/>
-                </a:solidFill>
-              </a:rPr>
-              <a:t>data.</a:t>
-            </a:r>
-            <a:r>
-              <a:rPr lang="fr-FR" altLang="fr-FR" sz="1600" dirty="0" err="1">
-                <a:solidFill>
-                  <a:srgbClr val="03A1A4"/>
-                </a:solidFill>
-              </a:rPr>
-              <a:t>terraform_remote_state</a:t>
-            </a:r>
-            <a:r>
-              <a:rPr lang="fr-FR" altLang="fr-FR" sz="1600" dirty="0" err="1">
-                <a:solidFill>
-                  <a:srgbClr val="5B4EE4"/>
-                </a:solidFill>
-              </a:rPr>
-              <a:t>.</a:t>
-            </a:r>
-            <a:r>
-              <a:rPr lang="fr-FR" altLang="fr-FR" sz="1600" dirty="0" err="1">
-                <a:solidFill>
-                  <a:srgbClr val="03A1A4"/>
-                </a:solidFill>
-              </a:rPr>
-              <a:t>global_sg</a:t>
-            </a:r>
-            <a:r>
-              <a:rPr lang="fr-FR" altLang="fr-FR" sz="1600" dirty="0" err="1">
-                <a:solidFill>
-                  <a:srgbClr val="5B4EE4"/>
-                </a:solidFill>
-              </a:rPr>
-              <a:t>.outputs.</a:t>
-            </a:r>
-            <a:r>
-              <a:rPr lang="fr-FR" altLang="fr-FR" sz="1600" dirty="0" err="1">
-                <a:solidFill>
-                  <a:schemeClr val="accent2"/>
-                </a:solidFill>
-              </a:rPr>
-              <a:t>global_sg_id</a:t>
-            </a:r>
-            <a:r>
-              <a:rPr lang="fr-FR" altLang="fr-FR" sz="1600" dirty="0">
-                <a:solidFill>
-                  <a:srgbClr val="5B4EE4"/>
-                </a:solidFill>
-              </a:rPr>
-              <a:t>}</a:t>
-            </a:r>
-          </a:p>
-        </p:txBody>
-      </p:sp>
-      <p:sp>
-        <p:nvSpPr>
-          <p:cNvPr id="11" name="Rectangle 10">
-            <a:extLst>
-              <a:ext uri="{FF2B5EF4-FFF2-40B4-BE49-F238E27FC236}">
-                <a16:creationId xmlns="" xmlns:a16="http://schemas.microsoft.com/office/drawing/2014/main" id="{5E2445AE-D77D-43EE-A16E-5B970A1A4C29}"/>
-              </a:ext>
-            </a:extLst>
-          </p:cNvPr>
-          <p:cNvSpPr/>
-          <p:nvPr/>
-        </p:nvSpPr>
-        <p:spPr>
-          <a:xfrm>
-            <a:off x="1171721" y="3013653"/>
-            <a:ext cx="4591929" cy="2308324"/>
-          </a:xfrm>
-          <a:prstGeom prst="rect">
-            <a:avLst/>
-          </a:prstGeom>
-          <a:ln>
-            <a:solidFill>
-              <a:schemeClr val="bg1">
-                <a:lumMod val="85000"/>
-              </a:schemeClr>
-            </a:solidFill>
-          </a:ln>
-        </p:spPr>
-        <p:txBody>
-          <a:bodyPr wrap="square">
-            <a:spAutoFit/>
-          </a:bodyPr>
-          <a:lstStyle/>
-          <a:p>
-            <a:r>
-              <a:rPr lang="fr-FR" altLang="fr-FR" sz="1600" dirty="0">
-                <a:solidFill>
-                  <a:srgbClr val="1D1E23"/>
-                </a:solidFill>
-                <a:latin typeface="gilmer-web"/>
-              </a:rPr>
-              <a:t>on </a:t>
-            </a:r>
-            <a:r>
-              <a:rPr lang="fr-FR" altLang="fr-FR" sz="1600" dirty="0" err="1">
-                <a:solidFill>
-                  <a:srgbClr val="1D1E23"/>
-                </a:solidFill>
-                <a:latin typeface="gilmer-web"/>
-              </a:rPr>
-              <a:t>project</a:t>
-            </a:r>
-            <a:r>
-              <a:rPr lang="fr-FR" altLang="fr-FR" sz="1600" dirty="0">
-                <a:solidFill>
-                  <a:srgbClr val="1D1E23"/>
-                </a:solidFill>
-                <a:latin typeface="gilmer-web"/>
-              </a:rPr>
-              <a:t> </a:t>
-            </a:r>
-            <a:r>
-              <a:rPr lang="fr-FR" altLang="fr-FR" sz="1600" b="1" dirty="0">
-                <a:solidFill>
-                  <a:srgbClr val="1D1E23"/>
-                </a:solidFill>
-                <a:latin typeface="gilmer-web"/>
-              </a:rPr>
-              <a:t>A</a:t>
-            </a:r>
-            <a:r>
-              <a:rPr lang="fr-FR" altLang="fr-FR" sz="1600" dirty="0">
-                <a:solidFill>
-                  <a:srgbClr val="1D1E23"/>
-                </a:solidFill>
-                <a:latin typeface="gilmer-web"/>
-              </a:rPr>
-              <a:t> :</a:t>
-            </a:r>
-          </a:p>
-          <a:p>
-            <a:endParaRPr lang="fr-FR" altLang="fr-FR" dirty="0">
-              <a:solidFill>
-                <a:srgbClr val="5B4EE4"/>
-              </a:solidFill>
-            </a:endParaRPr>
-          </a:p>
-          <a:p>
-            <a:pPr lvl="1"/>
-            <a:r>
-              <a:rPr lang="fr-FR" altLang="fr-FR" sz="1400" dirty="0">
-                <a:solidFill>
-                  <a:srgbClr val="5B4EE4"/>
-                </a:solidFill>
-              </a:rPr>
-              <a:t>output "</a:t>
-            </a:r>
-            <a:r>
-              <a:rPr lang="fr-FR" altLang="fr-FR" sz="1400" dirty="0" err="1">
-                <a:solidFill>
-                  <a:schemeClr val="accent2"/>
-                </a:solidFill>
-              </a:rPr>
-              <a:t>global_sg_id</a:t>
-            </a:r>
-            <a:r>
-              <a:rPr lang="fr-FR" altLang="fr-FR" sz="1400" dirty="0">
-                <a:solidFill>
-                  <a:srgbClr val="5B4EE4"/>
-                </a:solidFill>
-              </a:rPr>
-              <a:t>" {</a:t>
-            </a:r>
-          </a:p>
-          <a:p>
-            <a:pPr lvl="1"/>
-            <a:r>
-              <a:rPr lang="fr-FR" altLang="fr-FR" sz="1400" dirty="0">
-                <a:solidFill>
-                  <a:srgbClr val="5B4EE4"/>
-                </a:solidFill>
-              </a:rPr>
-              <a:t>	description = "output global </a:t>
-            </a:r>
-            <a:r>
-              <a:rPr lang="fr-FR" altLang="fr-FR" sz="1400" dirty="0" err="1">
-                <a:solidFill>
-                  <a:srgbClr val="5B4EE4"/>
-                </a:solidFill>
-              </a:rPr>
-              <a:t>security</a:t>
-            </a:r>
-            <a:r>
-              <a:rPr lang="fr-FR" altLang="fr-FR" sz="1400" dirty="0">
-                <a:solidFill>
-                  <a:srgbClr val="5B4EE4"/>
-                </a:solidFill>
-              </a:rPr>
-              <a:t> id"</a:t>
-            </a:r>
-          </a:p>
-          <a:p>
-            <a:pPr lvl="1"/>
-            <a:r>
-              <a:rPr lang="fr-FR" altLang="fr-FR" sz="1400" dirty="0">
-                <a:solidFill>
-                  <a:srgbClr val="5B4EE4"/>
-                </a:solidFill>
-              </a:rPr>
-              <a:t>	value = "${aws_security_group.global_sg.id}"</a:t>
-            </a:r>
-          </a:p>
-          <a:p>
-            <a:pPr lvl="1"/>
-            <a:r>
-              <a:rPr lang="fr-FR" altLang="fr-FR" sz="1400" dirty="0">
-                <a:solidFill>
-                  <a:srgbClr val="5B4EE4"/>
-                </a:solidFill>
-              </a:rPr>
-              <a:t>}</a:t>
-            </a:r>
-          </a:p>
-          <a:p>
-            <a:pPr lvl="0"/>
-            <a:endParaRPr lang="fr-FR" altLang="fr-FR" dirty="0">
-              <a:solidFill>
-                <a:srgbClr val="5B4EE4"/>
-              </a:solidFill>
-            </a:endParaRPr>
-          </a:p>
-          <a:p>
-            <a:pPr lvl="0"/>
-            <a:endParaRPr lang="fr-FR" altLang="fr-FR" dirty="0">
-              <a:solidFill>
-                <a:srgbClr val="5B4EE4"/>
-              </a:solidFill>
-            </a:endParaRPr>
-          </a:p>
-          <a:p>
-            <a:pPr lvl="0"/>
-            <a:endParaRPr lang="fr-FR" altLang="fr-FR" dirty="0">
-              <a:solidFill>
-                <a:srgbClr val="5B4EE4"/>
-              </a:solidFill>
-            </a:endParaRPr>
+              <a:rPr lang="en-US" sz="2400" dirty="0"/>
+              <a:t>", but it can also be stored remotely, which works better in a team environment.</a:t>
+            </a:r>
           </a:p>
         </p:txBody>
       </p:sp>
     </p:spTree>
     <p:extLst>
       <p:ext uri="{BB962C8B-B14F-4D97-AF65-F5344CB8AC3E}">
-        <p14:creationId xmlns:p14="http://schemas.microsoft.com/office/powerpoint/2010/main" val="612466816"/>
+        <p14:creationId xmlns:p14="http://schemas.microsoft.com/office/powerpoint/2010/main" val="3076054726"/>
       </p:ext>
     </p:extLst>
   </p:cSld>
@@ -8652,7 +7743,7 @@
           <p:cNvPr id="4" name="TextBox 3">
             <a:extLst>
               <a:ext uri="{FF2B5EF4-FFF2-40B4-BE49-F238E27FC236}">
-                <a16:creationId xmlns="" xmlns:a16="http://schemas.microsoft.com/office/drawing/2014/main" id="{EDBF4371-BEF8-4D12-B9AA-44B7A66650A9}"/>
+                <a16:creationId xmlns:a16="http://schemas.microsoft.com/office/drawing/2014/main" id="{EDBF4371-BEF8-4D12-B9AA-44B7A66650A9}"/>
               </a:ext>
             </a:extLst>
           </p:cNvPr>
@@ -8677,20 +7768,12 @@
           <a:p>
             <a:pPr algn="ctr"/>
             <a:r>
-              <a:rPr lang="fr-FR" sz="4000" b="1" dirty="0" err="1">
+              <a:rPr lang="fr-FR" sz="4000" b="1" dirty="0">
                 <a:solidFill>
                   <a:srgbClr val="5B4EE4"/>
                 </a:solidFill>
               </a:rPr>
-              <a:t>Terraform</a:t>
-            </a:r>
-            <a:r>
-              <a:rPr lang="fr-FR" sz="4000" b="1" dirty="0">
-                <a:solidFill>
-                  <a:srgbClr val="5B4EE4"/>
-                </a:solidFill>
-              </a:rPr>
-              <a:t> state</a:t>
+              <a:t>Stockage fichier State</a:t>
             </a:r>
             <a:endParaRPr lang="fr-FR" b="1" dirty="0">
               <a:solidFill>
@@ -8705,7 +7788,7 @@
           <p:cNvPr id="2" name="TextBox 1">
             <a:extLst>
               <a:ext uri="{FF2B5EF4-FFF2-40B4-BE49-F238E27FC236}">
-                <a16:creationId xmlns="" xmlns:a16="http://schemas.microsoft.com/office/drawing/2014/main" id="{69E7020C-67B5-4B70-BF56-0F7CAAB9739B}"/>
+                <a16:creationId xmlns:a16="http://schemas.microsoft.com/office/drawing/2014/main" id="{69E7020C-67B5-4B70-BF56-0F7CAAB9739B}"/>
               </a:ext>
             </a:extLst>
           </p:cNvPr>
@@ -8714,8 +7797,8 @@
         </p:nvSpPr>
         <p:spPr>
           <a:xfrm>
-            <a:off x="899360" y="2026468"/>
-            <a:ext cx="10699082" cy="3359061"/>
+            <a:off x="746459" y="1767388"/>
+            <a:ext cx="10699082" cy="1531445"/>
           </a:xfrm>
           <a:prstGeom prst="rect">
             <a:avLst/>
@@ -8734,8 +7817,12 @@
               </a:lnSpc>
             </a:pPr>
             <a:r>
-              <a:rPr lang="en-US" sz="2400" dirty="0"/>
-              <a:t>Terraform stores state about your managed infrastructure and configuration.</a:t>
+              <a:rPr lang="en-US" sz="1600" b="1" dirty="0"/>
+              <a:t>Backends</a:t>
+            </a:r>
+            <a:r>
+              <a:rPr lang="en-US" sz="1600" dirty="0"/>
+              <a:t> determine where state is stored. For example, the local (default) backend stores state in a local JSON file on disk.</a:t>
             </a:r>
           </a:p>
           <a:p>
@@ -8744,46 +7831,113 @@
                 <a:spcPct val="150000"/>
               </a:lnSpc>
             </a:pPr>
-            <a:endParaRPr lang="en-US" sz="2400" dirty="0"/>
-          </a:p>
-          <a:p>
-            <a:r>
-              <a:rPr lang="en-US" sz="2400" dirty="0"/>
-              <a:t>This state is used by Terraform to map real world resources to your configuration, keep track of metadata, and to improve performance for large infrastructures.</a:t>
-            </a:r>
-          </a:p>
-          <a:p>
-            <a:endParaRPr lang="en-US" sz="2400" dirty="0"/>
-          </a:p>
-          <a:p>
-            <a:pPr>
-              <a:lnSpc>
-                <a:spcPct val="150000"/>
-              </a:lnSpc>
-            </a:pPr>
-            <a:r>
-              <a:rPr lang="en-US" sz="2400" dirty="0"/>
-              <a:t>This state is stored by default in a local file named "</a:t>
-            </a:r>
-            <a:r>
-              <a:rPr lang="en-US" sz="2400" b="1" dirty="0" err="1">
-                <a:solidFill>
-                  <a:srgbClr val="5B4EE4"/>
-                </a:solidFill>
-              </a:rPr>
-              <a:t>terraform.tfstate</a:t>
-            </a:r>
-            <a:r>
-              <a:rPr lang="en-US" sz="2400" dirty="0"/>
-              <a:t>", but it can also be stored remotely, which works better in a team environment.</a:t>
+            <a:r>
+              <a:rPr lang="en-US" sz="1600" dirty="0"/>
+              <a:t>When using a remote backend, In the case of an error persisting the state to the backend, Terraform will write the state locally. This is to prevent data loss. If this happens the end user must manually push the state to the remote backend once the error is resolved.</a:t>
             </a:r>
           </a:p>
         </p:txBody>
       </p:sp>
+      <p:sp>
+        <p:nvSpPr>
+          <p:cNvPr id="5" name="TextBox 4">
+            <a:extLst>
+              <a:ext uri="{FF2B5EF4-FFF2-40B4-BE49-F238E27FC236}">
+                <a16:creationId xmlns:a16="http://schemas.microsoft.com/office/drawing/2014/main" id="{511BD908-9742-42FA-B403-3154F9A5D355}"/>
+              </a:ext>
+            </a:extLst>
+          </p:cNvPr>
+          <p:cNvSpPr txBox="1"/>
+          <p:nvPr/>
+        </p:nvSpPr>
+        <p:spPr>
+          <a:xfrm>
+            <a:off x="4884588" y="3678812"/>
+            <a:ext cx="1341421" cy="338554"/>
+          </a:xfrm>
+          <a:prstGeom prst="rect">
+            <a:avLst/>
+          </a:prstGeom>
+          <a:noFill/>
+        </p:spPr>
+        <p:txBody>
+          <a:bodyPr wrap="square" rtlCol="0">
+            <a:spAutoFit/>
+          </a:bodyPr>
+          <a:lstStyle/>
+          <a:p>
+            <a:r>
+              <a:rPr lang="fr-FR" sz="1600" b="1" dirty="0">
+                <a:solidFill>
+                  <a:srgbClr val="5B4EE4"/>
+                </a:solidFill>
+              </a:rPr>
+              <a:t>Backend.tf:</a:t>
+            </a:r>
+          </a:p>
+        </p:txBody>
+      </p:sp>
+      <p:pic>
+        <p:nvPicPr>
+          <p:cNvPr id="5122" name="Picture 2"/>
+          <p:cNvPicPr>
+            <a:picLocks noChangeAspect="1" noChangeArrowheads="1"/>
+          </p:cNvPicPr>
+          <p:nvPr/>
+        </p:nvPicPr>
+        <p:blipFill rotWithShape="1">
+          <a:blip r:embed="rId2">
+            <a:extLst>
+              <a:ext uri="{28A0092B-C50C-407E-A947-70E740481C1C}">
+                <a14:useLocalDpi xmlns:a14="http://schemas.microsoft.com/office/drawing/2010/main" val="0"/>
+              </a:ext>
+            </a:extLst>
+          </a:blip>
+          <a:srcRect r="31749"/>
+          <a:stretch/>
+        </p:blipFill>
+        <p:spPr bwMode="auto">
+          <a:xfrm>
+            <a:off x="2851843" y="4079735"/>
+            <a:ext cx="5604094" cy="2235270"/>
+          </a:xfrm>
+          <a:prstGeom prst="rect">
+            <a:avLst/>
+          </a:prstGeom>
+          <a:noFill/>
+          <a:ln w="9525">
+            <a:solidFill>
+              <a:schemeClr val="tx1"/>
+            </a:solidFill>
+            <a:miter lim="800000"/>
+            <a:headEnd/>
+            <a:tailEnd/>
+          </a:ln>
+          <a:effectLst/>
+          <a:extLst>
+            <a:ext uri="{909E8E84-426E-40DD-AFC4-6F175D3DCCD1}">
+              <a14:hiddenFill xmlns:a14="http://schemas.microsoft.com/office/drawing/2010/main">
+                <a:solidFill>
+                  <a:schemeClr val="accent1"/>
+                </a:solidFill>
+              </a14:hiddenFill>
+            </a:ext>
+            <a:ext uri="{AF507438-7753-43E0-B8FC-AC1667EBCBE1}">
+              <a14:hiddenEffects xmlns:a14="http://schemas.microsoft.com/office/drawing/2010/main">
+                <a:effectLst>
+                  <a:outerShdw dist="35921" dir="2700000" algn="ctr" rotWithShape="0">
+                    <a:schemeClr val="bg2"/>
+                  </a:outerShdw>
+                </a:effectLst>
+              </a14:hiddenEffects>
+            </a:ext>
+          </a:extLst>
+        </p:spPr>
+      </p:pic>
     </p:spTree>
     <p:extLst>
       <p:ext uri="{BB962C8B-B14F-4D97-AF65-F5344CB8AC3E}">
-        <p14:creationId xmlns:p14="http://schemas.microsoft.com/office/powerpoint/2010/main" val="3076054726"/>
+        <p14:creationId xmlns:p14="http://schemas.microsoft.com/office/powerpoint/2010/main" val="1653651491"/>
       </p:ext>
     </p:extLst>
   </p:cSld>
@@ -8827,7 +7981,7 @@
           <p:cNvPr id="4" name="TextBox 3">
             <a:extLst>
               <a:ext uri="{FF2B5EF4-FFF2-40B4-BE49-F238E27FC236}">
-                <a16:creationId xmlns="" xmlns:a16="http://schemas.microsoft.com/office/drawing/2014/main" id="{EDBF4371-BEF8-4D12-B9AA-44B7A66650A9}"/>
+                <a16:creationId xmlns:a16="http://schemas.microsoft.com/office/drawing/2014/main" id="{EDBF4371-BEF8-4D12-B9AA-44B7A66650A9}"/>
               </a:ext>
             </a:extLst>
           </p:cNvPr>
@@ -8836,7 +7990,7 @@
         </p:nvSpPr>
         <p:spPr>
           <a:xfrm>
-            <a:off x="0" y="701040"/>
+            <a:off x="0" y="214532"/>
             <a:ext cx="12192000" cy="707886"/>
           </a:xfrm>
           <a:prstGeom prst="rect">
@@ -8857,7 +8011,7 @@
                   <a:srgbClr val="5B4EE4"/>
                 </a:solidFill>
               </a:rPr>
-              <a:t>Stockage fichier State</a:t>
+              <a:t>Data sources</a:t>
             </a:r>
             <a:endParaRPr lang="fr-FR" b="1" dirty="0">
               <a:solidFill>
@@ -8869,159 +8023,212 @@
       </p:sp>
       <p:sp>
         <p:nvSpPr>
-          <p:cNvPr id="2" name="TextBox 1">
+          <p:cNvPr id="2" name="Rectangle 1">
             <a:extLst>
               <a:ext uri="{FF2B5EF4-FFF2-40B4-BE49-F238E27FC236}">
-                <a16:creationId xmlns="" xmlns:a16="http://schemas.microsoft.com/office/drawing/2014/main" id="{69E7020C-67B5-4B70-BF56-0F7CAAB9739B}"/>
+                <a16:creationId xmlns:a16="http://schemas.microsoft.com/office/drawing/2014/main" id="{926CF6BB-E3AB-41D8-8736-12BE31BE6C29}"/>
               </a:ext>
             </a:extLst>
           </p:cNvPr>
-          <p:cNvSpPr txBox="1"/>
+          <p:cNvSpPr/>
           <p:nvPr/>
         </p:nvSpPr>
         <p:spPr>
           <a:xfrm>
-            <a:off x="746459" y="1767388"/>
-            <a:ext cx="10699082" cy="1531445"/>
+            <a:off x="707366" y="1190446"/>
+            <a:ext cx="11346611" cy="923330"/>
           </a:xfrm>
           <a:prstGeom prst="rect">
             <a:avLst/>
           </a:prstGeom>
-          <a:noFill/>
         </p:spPr>
         <p:txBody>
-          <a:bodyPr wrap="square" rtlCol="0">
+          <a:bodyPr wrap="square">
             <a:spAutoFit/>
           </a:bodyPr>
           <a:lstStyle/>
           <a:p>
-            <a:pPr>
-              <a:lnSpc>
-                <a:spcPct val="150000"/>
-              </a:lnSpc>
-            </a:pPr>
-            <a:r>
-              <a:rPr lang="en-US" sz="1600" b="1" dirty="0"/>
-              <a:t>Backends</a:t>
-            </a:r>
-            <a:r>
-              <a:rPr lang="en-US" sz="1600" dirty="0"/>
-              <a:t> determine where state is stored. For example, the local (default) backend stores state in a local JSON file on disk.</a:t>
-            </a:r>
-          </a:p>
-          <a:p>
-            <a:pPr>
-              <a:lnSpc>
-                <a:spcPct val="150000"/>
-              </a:lnSpc>
-            </a:pPr>
-            <a:r>
-              <a:rPr lang="en-US" sz="1600" dirty="0"/>
-              <a:t>When using a remote backend, In the case of an error persisting the state to the backend, Terraform will write the state locally. This is to prevent data loss. If this happens the end user must manually push the state to the remote backend once the error is resolved.</a:t>
-            </a:r>
+            <a:r>
+              <a:rPr lang="en-US" i="1" dirty="0">
+                <a:solidFill>
+                  <a:srgbClr val="1D1E23"/>
+                </a:solidFill>
+                <a:latin typeface="metro-web"/>
+              </a:rPr>
+              <a:t>Data sources</a:t>
+            </a:r>
+            <a:r>
+              <a:rPr lang="en-US" dirty="0">
+                <a:solidFill>
+                  <a:srgbClr val="1D1E23"/>
+                </a:solidFill>
+                <a:latin typeface="metro-web"/>
+              </a:rPr>
+              <a:t> allow data to be fetched or computed for use elsewhere in Terraform configuration. Use of data sources allows a Terraform configuration to make use of information defined outside of Terraform, or defined by another separate Terraform configuration.</a:t>
+            </a:r>
+            <a:endParaRPr lang="fr-FR" dirty="0"/>
           </a:p>
         </p:txBody>
       </p:sp>
-      <p:sp>
-        <p:nvSpPr>
-          <p:cNvPr id="5" name="TextBox 4">
+      <p:pic>
+        <p:nvPicPr>
+          <p:cNvPr id="5" name="Picture 4">
             <a:extLst>
               <a:ext uri="{FF2B5EF4-FFF2-40B4-BE49-F238E27FC236}">
-                <a16:creationId xmlns="" xmlns:a16="http://schemas.microsoft.com/office/drawing/2014/main" id="{511BD908-9742-42FA-B403-3154F9A5D355}"/>
+                <a16:creationId xmlns:a16="http://schemas.microsoft.com/office/drawing/2014/main" id="{8D453FE9-3F47-4006-B6FB-33FEBCD3CC20}"/>
               </a:ext>
             </a:extLst>
           </p:cNvPr>
-          <p:cNvSpPr txBox="1"/>
+          <p:cNvPicPr>
+            <a:picLocks noChangeAspect="1"/>
+          </p:cNvPicPr>
+          <p:nvPr/>
+        </p:nvPicPr>
+        <p:blipFill>
+          <a:blip r:embed="rId2"/>
+          <a:stretch>
+            <a:fillRect/>
+          </a:stretch>
+        </p:blipFill>
+        <p:spPr>
+          <a:xfrm>
+            <a:off x="1275271" y="2429249"/>
+            <a:ext cx="10210800" cy="1304925"/>
+          </a:xfrm>
+          <a:prstGeom prst="rect">
+            <a:avLst/>
+          </a:prstGeom>
+        </p:spPr>
+      </p:pic>
+      <p:sp>
+        <p:nvSpPr>
+          <p:cNvPr id="7" name="Rectangle 6">
+            <a:extLst>
+              <a:ext uri="{FF2B5EF4-FFF2-40B4-BE49-F238E27FC236}">
+                <a16:creationId xmlns:a16="http://schemas.microsoft.com/office/drawing/2014/main" id="{747D67C1-E209-4BB9-99AC-0DDE069180BC}"/>
+              </a:ext>
+            </a:extLst>
+          </p:cNvPr>
+          <p:cNvSpPr/>
           <p:nvPr/>
         </p:nvSpPr>
         <p:spPr>
           <a:xfrm>
-            <a:off x="4884588" y="3678812"/>
-            <a:ext cx="1341421" cy="338554"/>
+            <a:off x="707366" y="4240751"/>
+            <a:ext cx="10619997" cy="1477328"/>
           </a:xfrm>
           <a:prstGeom prst="rect">
             <a:avLst/>
           </a:prstGeom>
-          <a:noFill/>
         </p:spPr>
         <p:txBody>
-          <a:bodyPr wrap="square" rtlCol="0">
+          <a:bodyPr wrap="square">
             <a:spAutoFit/>
           </a:bodyPr>
           <a:lstStyle/>
           <a:p>
-            <a:r>
-              <a:rPr lang="fr-FR" sz="1600" b="1" dirty="0">
-                <a:solidFill>
-                  <a:srgbClr val="5B4EE4"/>
-                </a:solidFill>
-              </a:rPr>
-              <a:t>Backend.tf:</a:t>
-            </a:r>
+            <a:pPr>
+              <a:buFont typeface="Arial" panose="020B0604020202020204" pitchFamily="34" charset="0"/>
+              <a:buChar char="•"/>
+            </a:pPr>
+            <a:r>
+              <a:rPr lang="fr-FR" b="1" dirty="0">
+                <a:solidFill>
+                  <a:srgbClr val="C7254E"/>
+                </a:solidFill>
+                <a:latin typeface="Consolas" panose="020B0609020204030204" pitchFamily="49" charset="0"/>
+              </a:rPr>
+              <a:t>DATA_SOURCE_NAME</a:t>
+            </a:r>
+            <a:r>
+              <a:rPr lang="fr-FR" dirty="0">
+                <a:solidFill>
+                  <a:srgbClr val="2C2C2C"/>
+                </a:solidFill>
+                <a:latin typeface="Montserrat" panose="00000500000000000000" pitchFamily="2" charset="0"/>
+              </a:rPr>
+              <a:t> : correspond à la ressource sur laquelle vous souhaitez récupérer des informations</a:t>
+            </a:r>
+          </a:p>
+          <a:p>
+            <a:pPr>
+              <a:buFont typeface="Arial" panose="020B0604020202020204" pitchFamily="34" charset="0"/>
+              <a:buChar char="•"/>
+            </a:pPr>
+            <a:r>
+              <a:rPr lang="fr-FR" b="1" dirty="0">
+                <a:solidFill>
+                  <a:srgbClr val="C7254E"/>
+                </a:solidFill>
+                <a:latin typeface="Consolas" panose="020B0609020204030204" pitchFamily="49" charset="0"/>
+              </a:rPr>
+              <a:t>NAME</a:t>
+            </a:r>
+            <a:r>
+              <a:rPr lang="fr-FR" dirty="0">
+                <a:solidFill>
+                  <a:srgbClr val="2C2C2C"/>
+                </a:solidFill>
+                <a:latin typeface="Montserrat" panose="00000500000000000000" pitchFamily="2" charset="0"/>
+              </a:rPr>
+              <a:t> : identifiant que vous pouvez utiliser dans le code </a:t>
+            </a:r>
+            <a:r>
+              <a:rPr lang="fr-FR" dirty="0" err="1">
+                <a:solidFill>
+                  <a:srgbClr val="2C2C2C"/>
+                </a:solidFill>
+                <a:latin typeface="Montserrat" panose="00000500000000000000" pitchFamily="2" charset="0"/>
+              </a:rPr>
+              <a:t>Terraform</a:t>
+            </a:r>
+            <a:r>
+              <a:rPr lang="fr-FR" dirty="0">
+                <a:solidFill>
+                  <a:srgbClr val="2C2C2C"/>
+                </a:solidFill>
+                <a:latin typeface="Montserrat" panose="00000500000000000000" pitchFamily="2" charset="0"/>
+              </a:rPr>
+              <a:t> pour faire référence à cette source de données.</a:t>
+            </a:r>
+          </a:p>
+          <a:p>
+            <a:pPr>
+              <a:buFont typeface="Arial" panose="020B0604020202020204" pitchFamily="34" charset="0"/>
+              <a:buChar char="•"/>
+            </a:pPr>
+            <a:r>
+              <a:rPr lang="fr-FR" b="1" dirty="0">
+                <a:solidFill>
+                  <a:srgbClr val="C7254E"/>
+                </a:solidFill>
+                <a:latin typeface="Consolas" panose="020B0609020204030204" pitchFamily="49" charset="0"/>
+              </a:rPr>
+              <a:t>CONFIG</a:t>
+            </a:r>
+            <a:r>
+              <a:rPr lang="fr-FR" dirty="0">
+                <a:solidFill>
+                  <a:srgbClr val="2C2C2C"/>
+                </a:solidFill>
+                <a:latin typeface="Montserrat" panose="00000500000000000000" pitchFamily="2" charset="0"/>
+              </a:rPr>
+              <a:t> : un ou plusieurs arguments qui sont spécifiques à cette Data Source.</a:t>
+            </a:r>
+            <a:endParaRPr lang="fr-FR" b="0" i="0" dirty="0">
+              <a:solidFill>
+                <a:srgbClr val="2C2C2C"/>
+              </a:solidFill>
+              <a:effectLst/>
+              <a:latin typeface="Montserrat" panose="00000500000000000000" pitchFamily="2" charset="0"/>
+            </a:endParaRPr>
           </a:p>
         </p:txBody>
       </p:sp>
-      <p:pic>
-        <p:nvPicPr>
-          <p:cNvPr id="5122" name="Picture 2"/>
-          <p:cNvPicPr>
-            <a:picLocks noChangeAspect="1" noChangeArrowheads="1"/>
-          </p:cNvPicPr>
-          <p:nvPr/>
-        </p:nvPicPr>
-        <p:blipFill rotWithShape="1">
-          <a:blip r:embed="rId2">
-            <a:extLst>
-              <a:ext uri="{28A0092B-C50C-407E-A947-70E740481C1C}">
-                <a14:useLocalDpi xmlns:a14="http://schemas.microsoft.com/office/drawing/2010/main" val="0"/>
-              </a:ext>
-            </a:extLst>
-          </a:blip>
-          <a:srcRect r="31749"/>
-          <a:stretch/>
-        </p:blipFill>
-        <p:spPr bwMode="auto">
-          <a:xfrm>
-            <a:off x="2851843" y="4079735"/>
-            <a:ext cx="5604094" cy="2235270"/>
-          </a:xfrm>
-          <a:prstGeom prst="rect">
-            <a:avLst/>
-          </a:prstGeom>
-          <a:noFill/>
-          <a:ln w="9525">
-            <a:solidFill>
-              <a:schemeClr val="tx1"/>
-            </a:solidFill>
-            <a:miter lim="800000"/>
-            <a:headEnd/>
-            <a:tailEnd/>
-          </a:ln>
-          <a:effectLst/>
-          <a:extLst>
-            <a:ext uri="{909E8E84-426E-40DD-AFC4-6F175D3DCCD1}">
-              <a14:hiddenFill xmlns:a14="http://schemas.microsoft.com/office/drawing/2010/main">
-                <a:solidFill>
-                  <a:schemeClr val="accent1"/>
-                </a:solidFill>
-              </a14:hiddenFill>
-            </a:ext>
-            <a:ext uri="{AF507438-7753-43E0-B8FC-AC1667EBCBE1}">
-              <a14:hiddenEffects xmlns:a14="http://schemas.microsoft.com/office/drawing/2010/main">
-                <a:effectLst>
-                  <a:outerShdw dist="35921" dir="2700000" algn="ctr" rotWithShape="0">
-                    <a:schemeClr val="bg2"/>
-                  </a:outerShdw>
-                </a:effectLst>
-              </a14:hiddenEffects>
-            </a:ext>
-          </a:extLst>
-        </p:spPr>
-      </p:pic>
     </p:spTree>
     <p:extLst>
       <p:ext uri="{BB962C8B-B14F-4D97-AF65-F5344CB8AC3E}">
-        <p14:creationId xmlns:p14="http://schemas.microsoft.com/office/powerpoint/2010/main" val="1653651491"/>
+        <p14:creationId xmlns:p14="http://schemas.microsoft.com/office/powerpoint/2010/main" val="3364702748"/>
       </p:ext>
     </p:extLst>
   </p:cSld>
@@ -9065,7 +8272,7 @@
           <p:cNvPr id="4" name="TextBox 3">
             <a:extLst>
               <a:ext uri="{FF2B5EF4-FFF2-40B4-BE49-F238E27FC236}">
-                <a16:creationId xmlns="" xmlns:a16="http://schemas.microsoft.com/office/drawing/2014/main" id="{EDBF4371-BEF8-4D12-B9AA-44B7A66650A9}"/>
+                <a16:creationId xmlns:a16="http://schemas.microsoft.com/office/drawing/2014/main" id="{EDBF4371-BEF8-4D12-B9AA-44B7A66650A9}"/>
               </a:ext>
             </a:extLst>
           </p:cNvPr>
@@ -9105,61 +8312,12 @@
           </a:p>
         </p:txBody>
       </p:sp>
-      <p:sp>
-        <p:nvSpPr>
-          <p:cNvPr id="2" name="Rectangle 1">
+      <p:pic>
+        <p:nvPicPr>
+          <p:cNvPr id="3" name="Picture 2">
             <a:extLst>
               <a:ext uri="{FF2B5EF4-FFF2-40B4-BE49-F238E27FC236}">
-                <a16:creationId xmlns="" xmlns:a16="http://schemas.microsoft.com/office/drawing/2014/main" id="{926CF6BB-E3AB-41D8-8736-12BE31BE6C29}"/>
-              </a:ext>
-            </a:extLst>
-          </p:cNvPr>
-          <p:cNvSpPr/>
-          <p:nvPr/>
-        </p:nvSpPr>
-        <p:spPr>
-          <a:xfrm>
-            <a:off x="707366" y="1190446"/>
-            <a:ext cx="11346611" cy="923330"/>
-          </a:xfrm>
-          <a:prstGeom prst="rect">
-            <a:avLst/>
-          </a:prstGeom>
-        </p:spPr>
-        <p:txBody>
-          <a:bodyPr wrap="square">
-            <a:spAutoFit/>
-          </a:bodyPr>
-          <a:lstStyle/>
-          <a:p>
-            <a:r>
-              <a:rPr lang="en-US" i="1" dirty="0">
-                <a:solidFill>
-                  <a:srgbClr val="1D1E23"/>
-                </a:solidFill>
-                <a:latin typeface="metro-web"/>
-              </a:rPr>
-              <a:t>Data sources</a:t>
-            </a:r>
-            <a:r>
-              <a:rPr lang="en-US" dirty="0">
-                <a:solidFill>
-                  <a:srgbClr val="1D1E23"/>
-                </a:solidFill>
-                <a:latin typeface="metro-web"/>
-              </a:rPr>
-              <a:t> allow data to be fetched or computed for use elsewhere in Terraform configuration. Use of data sources allows a Terraform configuration to make use of information defined outside of Terraform, or defined by another separate Terraform configuration.</a:t>
-            </a:r>
-            <a:endParaRPr lang="fr-FR" dirty="0"/>
-          </a:p>
-        </p:txBody>
-      </p:sp>
-      <p:pic>
-        <p:nvPicPr>
-          <p:cNvPr id="5" name="Picture 4">
-            <a:extLst>
-              <a:ext uri="{FF2B5EF4-FFF2-40B4-BE49-F238E27FC236}">
-                <a16:creationId xmlns="" xmlns:a16="http://schemas.microsoft.com/office/drawing/2014/main" id="{8D453FE9-3F47-4006-B6FB-33FEBCD3CC20}"/>
+                <a16:creationId xmlns:a16="http://schemas.microsoft.com/office/drawing/2014/main" id="{FFD9B880-4FE6-4F51-9B19-C036D4E03655}"/>
               </a:ext>
             </a:extLst>
           </p:cNvPr>
@@ -9176,143 +8334,18 @@
         </p:blipFill>
         <p:spPr>
           <a:xfrm>
-            <a:off x="1275271" y="2429249"/>
-            <a:ext cx="10210800" cy="1304925"/>
+            <a:off x="2831929" y="1394319"/>
+            <a:ext cx="6063201" cy="4661402"/>
           </a:xfrm>
           <a:prstGeom prst="rect">
             <a:avLst/>
           </a:prstGeom>
         </p:spPr>
       </p:pic>
-      <p:sp>
-        <p:nvSpPr>
-          <p:cNvPr id="7" name="Rectangle 6">
-            <a:extLst>
-              <a:ext uri="{FF2B5EF4-FFF2-40B4-BE49-F238E27FC236}">
-                <a16:creationId xmlns="" xmlns:a16="http://schemas.microsoft.com/office/drawing/2014/main" id="{747D67C1-E209-4BB9-99AC-0DDE069180BC}"/>
-              </a:ext>
-            </a:extLst>
-          </p:cNvPr>
-          <p:cNvSpPr/>
-          <p:nvPr/>
-        </p:nvSpPr>
-        <p:spPr>
-          <a:xfrm>
-            <a:off x="707366" y="4240751"/>
-            <a:ext cx="10619997" cy="1477328"/>
-          </a:xfrm>
-          <a:prstGeom prst="rect">
-            <a:avLst/>
-          </a:prstGeom>
-        </p:spPr>
-        <p:txBody>
-          <a:bodyPr wrap="square">
-            <a:spAutoFit/>
-          </a:bodyPr>
-          <a:lstStyle/>
-          <a:p>
-            <a:pPr>
-              <a:buFont typeface="Arial" panose="020B0604020202020204" pitchFamily="34" charset="0"/>
-              <a:buChar char="•"/>
-            </a:pPr>
-            <a:r>
-              <a:rPr lang="fr-FR" b="1" dirty="0">
-                <a:solidFill>
-                  <a:srgbClr val="C7254E"/>
-                </a:solidFill>
-                <a:latin typeface="Consolas" panose="020B0609020204030204" pitchFamily="49" charset="0"/>
-              </a:rPr>
-              <a:t>DATA_SOURCE_NAME</a:t>
-            </a:r>
-            <a:r>
-              <a:rPr lang="fr-FR" dirty="0">
-                <a:solidFill>
-                  <a:srgbClr val="2C2C2C"/>
-                </a:solidFill>
-                <a:latin typeface="Montserrat" panose="00000500000000000000" pitchFamily="2" charset="0"/>
-              </a:rPr>
-              <a:t> : correspond à la ressource sur laquelle vous souhaitez récupérer des informations</a:t>
-            </a:r>
-          </a:p>
-          <a:p>
-            <a:pPr>
-              <a:buFont typeface="Arial" panose="020B0604020202020204" pitchFamily="34" charset="0"/>
-              <a:buChar char="•"/>
-            </a:pPr>
-            <a:r>
-              <a:rPr lang="fr-FR" b="1" dirty="0">
-                <a:solidFill>
-                  <a:srgbClr val="C7254E"/>
-                </a:solidFill>
-                <a:latin typeface="Consolas" panose="020B0609020204030204" pitchFamily="49" charset="0"/>
-              </a:rPr>
-              <a:t>NAME</a:t>
-            </a:r>
-            <a:r>
-              <a:rPr lang="fr-FR" dirty="0">
-                <a:solidFill>
-                  <a:srgbClr val="2C2C2C"/>
-                </a:solidFill>
-                <a:latin typeface="Montserrat" panose="00000500000000000000" pitchFamily="2" charset="0"/>
-              </a:rPr>
-              <a:t> : identifiant que vous pouvez utiliser dans le code </a:t>
-            </a:r>
-            <a:r>
-              <a:rPr lang="fr-FR" dirty="0" err="1">
-                <a:solidFill>
-                  <a:srgbClr val="2C2C2C"/>
-                </a:solidFill>
-                <a:latin typeface="Montserrat" panose="00000500000000000000" pitchFamily="2" charset="0"/>
-              </a:rPr>
-              <a:t>Terraform</a:t>
-            </a:r>
-            <a:r>
-              <a:rPr lang="fr-FR" dirty="0">
-                <a:solidFill>
-                  <a:srgbClr val="2C2C2C"/>
-                </a:solidFill>
-                <a:latin typeface="Montserrat" panose="00000500000000000000" pitchFamily="2" charset="0"/>
-              </a:rPr>
-              <a:t> pour faire référence à cette source de données.</a:t>
-            </a:r>
-          </a:p>
-          <a:p>
-            <a:pPr>
-              <a:buFont typeface="Arial" panose="020B0604020202020204" pitchFamily="34" charset="0"/>
-              <a:buChar char="•"/>
-            </a:pPr>
-            <a:r>
-              <a:rPr lang="fr-FR" b="1" dirty="0">
-                <a:solidFill>
-                  <a:srgbClr val="C7254E"/>
-                </a:solidFill>
-                <a:latin typeface="Consolas" panose="020B0609020204030204" pitchFamily="49" charset="0"/>
-              </a:rPr>
-              <a:t>CONFIG</a:t>
-            </a:r>
-            <a:r>
-              <a:rPr lang="fr-FR" dirty="0">
-                <a:solidFill>
-                  <a:srgbClr val="2C2C2C"/>
-                </a:solidFill>
-                <a:latin typeface="Montserrat" panose="00000500000000000000" pitchFamily="2" charset="0"/>
-              </a:rPr>
-              <a:t> : un ou plusieurs arguments qui sont spécifiques à cette Data Source.</a:t>
-            </a:r>
-            <a:endParaRPr lang="fr-FR" b="0" i="0" dirty="0">
-              <a:solidFill>
-                <a:srgbClr val="2C2C2C"/>
-              </a:solidFill>
-              <a:effectLst/>
-              <a:latin typeface="Montserrat" panose="00000500000000000000" pitchFamily="2" charset="0"/>
-            </a:endParaRPr>
-          </a:p>
-        </p:txBody>
-      </p:sp>
     </p:spTree>
     <p:extLst>
       <p:ext uri="{BB962C8B-B14F-4D97-AF65-F5344CB8AC3E}">
-        <p14:creationId xmlns:p14="http://schemas.microsoft.com/office/powerpoint/2010/main" val="3364702748"/>
+        <p14:creationId xmlns:p14="http://schemas.microsoft.com/office/powerpoint/2010/main" val="2722421774"/>
       </p:ext>
     </p:extLst>
   </p:cSld>
@@ -9356,7 +8389,7 @@
           <p:cNvPr id="2" name="Rectangle 1">
             <a:extLst>
               <a:ext uri="{FF2B5EF4-FFF2-40B4-BE49-F238E27FC236}">
-                <a16:creationId xmlns="" xmlns:a16="http://schemas.microsoft.com/office/drawing/2014/main" id="{A5127B09-76D4-46AC-A43F-04DF27EDD0A5}"/>
+                <a16:creationId xmlns:a16="http://schemas.microsoft.com/office/drawing/2014/main" id="{A5127B09-76D4-46AC-A43F-04DF27EDD0A5}"/>
               </a:ext>
             </a:extLst>
           </p:cNvPr>
@@ -9427,7 +8460,7 @@
           <p:cNvPr id="3" name="Rectangle 2">
             <a:extLst>
               <a:ext uri="{FF2B5EF4-FFF2-40B4-BE49-F238E27FC236}">
-                <a16:creationId xmlns="" xmlns:a16="http://schemas.microsoft.com/office/drawing/2014/main" id="{3F8B2C05-119C-4431-B523-DFB6ED3AE719}"/>
+                <a16:creationId xmlns:a16="http://schemas.microsoft.com/office/drawing/2014/main" id="{3F8B2C05-119C-4431-B523-DFB6ED3AE719}"/>
               </a:ext>
             </a:extLst>
           </p:cNvPr>
@@ -9522,7 +8555,7 @@
           <p:cNvPr id="4" name="TextBox 3">
             <a:extLst>
               <a:ext uri="{FF2B5EF4-FFF2-40B4-BE49-F238E27FC236}">
-                <a16:creationId xmlns="" xmlns:a16="http://schemas.microsoft.com/office/drawing/2014/main" id="{EDBF4371-BEF8-4D12-B9AA-44B7A66650A9}"/>
+                <a16:creationId xmlns:a16="http://schemas.microsoft.com/office/drawing/2014/main" id="{EDBF4371-BEF8-4D12-B9AA-44B7A66650A9}"/>
               </a:ext>
             </a:extLst>
           </p:cNvPr>
@@ -9531,7 +8564,7 @@
         </p:nvSpPr>
         <p:spPr>
           <a:xfrm>
-            <a:off x="0" y="214532"/>
+            <a:off x="0" y="701040"/>
             <a:ext cx="12192000" cy="707886"/>
           </a:xfrm>
           <a:prstGeom prst="rect">
@@ -9552,7 +8585,7 @@
                   <a:srgbClr val="5B4EE4"/>
                 </a:solidFill>
               </a:rPr>
-              <a:t>Data sources</a:t>
+              <a:t>Conditions</a:t>
             </a:r>
             <a:endParaRPr lang="fr-FR" b="1" dirty="0">
               <a:solidFill>
@@ -9567,7 +8600,7 @@
           <p:cNvPr id="3" name="Picture 2">
             <a:extLst>
               <a:ext uri="{FF2B5EF4-FFF2-40B4-BE49-F238E27FC236}">
-                <a16:creationId xmlns="" xmlns:a16="http://schemas.microsoft.com/office/drawing/2014/main" id="{FFD9B880-4FE6-4F51-9B19-C036D4E03655}"/>
+                <a16:creationId xmlns:a16="http://schemas.microsoft.com/office/drawing/2014/main" id="{CF60BF40-F3B7-40B3-B68B-4B9E85BC287E}"/>
               </a:ext>
             </a:extLst>
           </p:cNvPr>
@@ -9584,18 +8617,611 @@
         </p:blipFill>
         <p:spPr>
           <a:xfrm>
-            <a:off x="2831929" y="1394319"/>
-            <a:ext cx="6063201" cy="4661402"/>
+            <a:off x="1224654" y="1730328"/>
+            <a:ext cx="9348796" cy="2768844"/>
           </a:xfrm>
           <a:prstGeom prst="rect">
             <a:avLst/>
           </a:prstGeom>
         </p:spPr>
       </p:pic>
+      <p:sp>
+        <p:nvSpPr>
+          <p:cNvPr id="5" name="Rectangle 1">
+            <a:extLst>
+              <a:ext uri="{FF2B5EF4-FFF2-40B4-BE49-F238E27FC236}">
+                <a16:creationId xmlns:a16="http://schemas.microsoft.com/office/drawing/2014/main" id="{D07FF8B9-27CC-474C-8015-5247D211DB13}"/>
+              </a:ext>
+            </a:extLst>
+          </p:cNvPr>
+          <p:cNvSpPr>
+            <a:spLocks noChangeArrowheads="1"/>
+          </p:cNvSpPr>
+          <p:nvPr/>
+        </p:nvSpPr>
+        <p:spPr bwMode="auto">
+          <a:xfrm>
+            <a:off x="1407535" y="4872200"/>
+            <a:ext cx="4825218" cy="1567067"/>
+          </a:xfrm>
+          <a:prstGeom prst="rect">
+            <a:avLst/>
+          </a:prstGeom>
+          <a:noFill/>
+          <a:ln>
+            <a:noFill/>
+          </a:ln>
+          <a:effectLst/>
+        </p:spPr>
+        <p:txBody>
+          <a:bodyPr vert="horz" wrap="square" lIns="91440" tIns="0" rIns="91440" bIns="88872" numCol="1" anchor="ctr" anchorCtr="0" compatLnSpc="1">
+            <a:prstTxWarp prst="textNoShape">
+              <a:avLst/>
+            </a:prstTxWarp>
+            <a:spAutoFit/>
+          </a:bodyPr>
+          <a:lstStyle/>
+          <a:p>
+            <a:pPr marL="0" marR="0" lvl="0" indent="0" algn="l" defTabSz="914400" rtl="0" eaLnBrk="0" fontAlgn="base" latinLnBrk="0" hangingPunct="0">
+              <a:lnSpc>
+                <a:spcPct val="100000"/>
+              </a:lnSpc>
+              <a:spcBef>
+                <a:spcPct val="0"/>
+              </a:spcBef>
+              <a:spcAft>
+                <a:spcPct val="0"/>
+              </a:spcAft>
+              <a:buClrTx/>
+              <a:buSzTx/>
+              <a:buFontTx/>
+              <a:buNone/>
+              <a:tabLst/>
+            </a:pPr>
+            <a:r>
+              <a:rPr kumimoji="0" lang="fr-FR" altLang="fr-FR" b="0" i="0" u="none" strike="noStrike" cap="none" normalizeH="0" baseline="0" dirty="0">
+                <a:ln>
+                  <a:noFill/>
+                </a:ln>
+                <a:solidFill>
+                  <a:srgbClr val="1D1E23"/>
+                </a:solidFill>
+                <a:effectLst/>
+                <a:latin typeface="metro-web"/>
+              </a:rPr>
+              <a:t>The </a:t>
+            </a:r>
+            <a:r>
+              <a:rPr kumimoji="0" lang="fr-FR" altLang="fr-FR" b="0" i="0" u="none" strike="noStrike" cap="none" normalizeH="0" baseline="0" dirty="0" err="1">
+                <a:ln>
+                  <a:noFill/>
+                </a:ln>
+                <a:solidFill>
+                  <a:srgbClr val="1D1E23"/>
+                </a:solidFill>
+                <a:effectLst/>
+                <a:latin typeface="metro-web"/>
+              </a:rPr>
+              <a:t>supported</a:t>
+            </a:r>
+            <a:r>
+              <a:rPr kumimoji="0" lang="fr-FR" altLang="fr-FR" b="0" i="0" u="none" strike="noStrike" cap="none" normalizeH="0" baseline="0" dirty="0">
+                <a:ln>
+                  <a:noFill/>
+                </a:ln>
+                <a:solidFill>
+                  <a:srgbClr val="1D1E23"/>
+                </a:solidFill>
+                <a:effectLst/>
+                <a:latin typeface="metro-web"/>
+              </a:rPr>
+              <a:t> </a:t>
+            </a:r>
+            <a:r>
+              <a:rPr kumimoji="0" lang="fr-FR" altLang="fr-FR" b="0" i="0" u="none" strike="noStrike" cap="none" normalizeH="0" baseline="0" dirty="0" err="1">
+                <a:ln>
+                  <a:noFill/>
+                </a:ln>
+                <a:solidFill>
+                  <a:srgbClr val="1D1E23"/>
+                </a:solidFill>
+                <a:effectLst/>
+                <a:latin typeface="metro-web"/>
+              </a:rPr>
+              <a:t>operators</a:t>
+            </a:r>
+            <a:r>
+              <a:rPr kumimoji="0" lang="fr-FR" altLang="fr-FR" b="0" i="0" u="none" strike="noStrike" cap="none" normalizeH="0" baseline="0" dirty="0">
+                <a:ln>
+                  <a:noFill/>
+                </a:ln>
+                <a:solidFill>
+                  <a:srgbClr val="1D1E23"/>
+                </a:solidFill>
+                <a:effectLst/>
+                <a:latin typeface="metro-web"/>
+              </a:rPr>
+              <a:t> are:</a:t>
+            </a:r>
+            <a:endParaRPr kumimoji="0" lang="fr-FR" altLang="fr-FR" b="0" i="0" u="none" strike="noStrike" cap="none" normalizeH="0" baseline="0" dirty="0">
+              <a:ln>
+                <a:noFill/>
+              </a:ln>
+              <a:solidFill>
+                <a:schemeClr val="tx1"/>
+              </a:solidFill>
+              <a:effectLst/>
+            </a:endParaRPr>
+          </a:p>
+          <a:p>
+            <a:pPr marL="0" marR="0" lvl="0" indent="0" algn="l" defTabSz="914400" rtl="0" eaLnBrk="0" fontAlgn="base" latinLnBrk="0" hangingPunct="0">
+              <a:lnSpc>
+                <a:spcPct val="100000"/>
+              </a:lnSpc>
+              <a:spcBef>
+                <a:spcPct val="0"/>
+              </a:spcBef>
+              <a:spcAft>
+                <a:spcPct val="0"/>
+              </a:spcAft>
+              <a:buClrTx/>
+              <a:buSzTx/>
+              <a:buFontTx/>
+              <a:buChar char="•"/>
+              <a:tabLst/>
+            </a:pPr>
+            <a:r>
+              <a:rPr kumimoji="0" lang="fr-FR" altLang="fr-FR" sz="1600" b="0" i="0" u="none" strike="noStrike" cap="none" normalizeH="0" baseline="0" dirty="0" err="1">
+                <a:ln>
+                  <a:noFill/>
+                </a:ln>
+                <a:solidFill>
+                  <a:srgbClr val="5B4EE4"/>
+                </a:solidFill>
+                <a:effectLst/>
+                <a:latin typeface="metro-web"/>
+              </a:rPr>
+              <a:t>Equality</a:t>
+            </a:r>
+            <a:r>
+              <a:rPr kumimoji="0" lang="fr-FR" altLang="fr-FR" sz="1600" b="0" i="0" u="none" strike="noStrike" cap="none" normalizeH="0" baseline="0" dirty="0">
+                <a:ln>
+                  <a:noFill/>
+                </a:ln>
+                <a:solidFill>
+                  <a:srgbClr val="5B4EE4"/>
+                </a:solidFill>
+                <a:effectLst/>
+                <a:latin typeface="metro-web"/>
+              </a:rPr>
+              <a:t>: </a:t>
+            </a:r>
+            <a:r>
+              <a:rPr kumimoji="0" lang="fr-FR" altLang="fr-FR" sz="1400" b="0" i="0" u="none" strike="noStrike" cap="none" normalizeH="0" baseline="0" dirty="0">
+                <a:ln>
+                  <a:noFill/>
+                </a:ln>
+                <a:solidFill>
+                  <a:srgbClr val="5B4EE4"/>
+                </a:solidFill>
+                <a:effectLst/>
+                <a:latin typeface="dejavu-sans-mono-web"/>
+              </a:rPr>
+              <a:t>==</a:t>
+            </a:r>
+            <a:r>
+              <a:rPr kumimoji="0" lang="fr-FR" altLang="fr-FR" sz="2000" b="0" i="0" u="none" strike="noStrike" cap="none" normalizeH="0" baseline="0" dirty="0">
+                <a:ln>
+                  <a:noFill/>
+                </a:ln>
+                <a:solidFill>
+                  <a:srgbClr val="5B4EE4"/>
+                </a:solidFill>
+                <a:effectLst/>
+                <a:latin typeface="metro-web"/>
+              </a:rPr>
+              <a:t> </a:t>
+            </a:r>
+            <a:r>
+              <a:rPr kumimoji="0" lang="fr-FR" altLang="fr-FR" sz="1600" b="0" i="0" u="none" strike="noStrike" cap="none" normalizeH="0" baseline="0" dirty="0">
+                <a:ln>
+                  <a:noFill/>
+                </a:ln>
+                <a:solidFill>
+                  <a:srgbClr val="5B4EE4"/>
+                </a:solidFill>
+                <a:effectLst/>
+                <a:latin typeface="metro-web"/>
+              </a:rPr>
+              <a:t>and </a:t>
+            </a:r>
+            <a:r>
+              <a:rPr kumimoji="0" lang="fr-FR" altLang="fr-FR" sz="1400" b="0" i="0" u="none" strike="noStrike" cap="none" normalizeH="0" baseline="0" dirty="0">
+                <a:ln>
+                  <a:noFill/>
+                </a:ln>
+                <a:solidFill>
+                  <a:srgbClr val="5B4EE4"/>
+                </a:solidFill>
+                <a:effectLst/>
+                <a:latin typeface="dejavu-sans-mono-web"/>
+              </a:rPr>
+              <a:t>!=</a:t>
+            </a:r>
+            <a:endParaRPr kumimoji="0" lang="fr-FR" altLang="fr-FR" sz="2000" b="0" i="0" u="none" strike="noStrike" cap="none" normalizeH="0" baseline="0" dirty="0">
+              <a:ln>
+                <a:noFill/>
+              </a:ln>
+              <a:solidFill>
+                <a:srgbClr val="5B4EE4"/>
+              </a:solidFill>
+              <a:effectLst/>
+              <a:latin typeface="metro-web"/>
+            </a:endParaRPr>
+          </a:p>
+          <a:p>
+            <a:pPr marL="0" marR="0" lvl="0" indent="0" algn="l" defTabSz="914400" rtl="0" eaLnBrk="0" fontAlgn="base" latinLnBrk="0" hangingPunct="0">
+              <a:lnSpc>
+                <a:spcPct val="100000"/>
+              </a:lnSpc>
+              <a:spcBef>
+                <a:spcPct val="0"/>
+              </a:spcBef>
+              <a:spcAft>
+                <a:spcPct val="0"/>
+              </a:spcAft>
+              <a:buClrTx/>
+              <a:buSzTx/>
+              <a:buFontTx/>
+              <a:buChar char="•"/>
+              <a:tabLst/>
+            </a:pPr>
+            <a:r>
+              <a:rPr kumimoji="0" lang="fr-FR" altLang="fr-FR" sz="1600" b="0" i="0" u="none" strike="noStrike" cap="none" normalizeH="0" baseline="0" dirty="0" err="1">
+                <a:ln>
+                  <a:noFill/>
+                </a:ln>
+                <a:solidFill>
+                  <a:srgbClr val="5B4EE4"/>
+                </a:solidFill>
+                <a:effectLst/>
+                <a:latin typeface="metro-web"/>
+              </a:rPr>
+              <a:t>Numerical</a:t>
+            </a:r>
+            <a:r>
+              <a:rPr kumimoji="0" lang="fr-FR" altLang="fr-FR" sz="1600" b="0" i="0" u="none" strike="noStrike" cap="none" normalizeH="0" baseline="0" dirty="0">
+                <a:ln>
+                  <a:noFill/>
+                </a:ln>
+                <a:solidFill>
+                  <a:srgbClr val="5B4EE4"/>
+                </a:solidFill>
+                <a:effectLst/>
+                <a:latin typeface="metro-web"/>
+              </a:rPr>
+              <a:t> </a:t>
+            </a:r>
+            <a:r>
+              <a:rPr kumimoji="0" lang="fr-FR" altLang="fr-FR" sz="1600" b="0" i="0" u="none" strike="noStrike" cap="none" normalizeH="0" baseline="0" dirty="0" err="1">
+                <a:ln>
+                  <a:noFill/>
+                </a:ln>
+                <a:solidFill>
+                  <a:srgbClr val="5B4EE4"/>
+                </a:solidFill>
+                <a:effectLst/>
+                <a:latin typeface="metro-web"/>
+              </a:rPr>
+              <a:t>comparison</a:t>
+            </a:r>
+            <a:r>
+              <a:rPr kumimoji="0" lang="fr-FR" altLang="fr-FR" sz="1600" b="0" i="0" u="none" strike="noStrike" cap="none" normalizeH="0" baseline="0" dirty="0">
+                <a:ln>
+                  <a:noFill/>
+                </a:ln>
+                <a:solidFill>
+                  <a:srgbClr val="5B4EE4"/>
+                </a:solidFill>
+                <a:effectLst/>
+                <a:latin typeface="metro-web"/>
+              </a:rPr>
+              <a:t>: </a:t>
+            </a:r>
+            <a:r>
+              <a:rPr kumimoji="0" lang="fr-FR" altLang="fr-FR" sz="1400" b="0" i="0" u="none" strike="noStrike" cap="none" normalizeH="0" baseline="0" dirty="0">
+                <a:ln>
+                  <a:noFill/>
+                </a:ln>
+                <a:solidFill>
+                  <a:srgbClr val="5B4EE4"/>
+                </a:solidFill>
+                <a:effectLst/>
+                <a:latin typeface="dejavu-sans-mono-web"/>
+              </a:rPr>
+              <a:t>&gt;</a:t>
+            </a:r>
+            <a:r>
+              <a:rPr kumimoji="0" lang="fr-FR" altLang="fr-FR" sz="2000" b="0" i="0" u="none" strike="noStrike" cap="none" normalizeH="0" baseline="0" dirty="0">
+                <a:ln>
+                  <a:noFill/>
+                </a:ln>
+                <a:solidFill>
+                  <a:srgbClr val="5B4EE4"/>
+                </a:solidFill>
+                <a:effectLst/>
+                <a:latin typeface="metro-web"/>
+              </a:rPr>
+              <a:t>, </a:t>
+            </a:r>
+            <a:r>
+              <a:rPr kumimoji="0" lang="fr-FR" altLang="fr-FR" sz="1400" b="0" i="0" u="none" strike="noStrike" cap="none" normalizeH="0" baseline="0" dirty="0">
+                <a:ln>
+                  <a:noFill/>
+                </a:ln>
+                <a:solidFill>
+                  <a:srgbClr val="5B4EE4"/>
+                </a:solidFill>
+                <a:effectLst/>
+                <a:latin typeface="dejavu-sans-mono-web"/>
+              </a:rPr>
+              <a:t>&lt;</a:t>
+            </a:r>
+            <a:r>
+              <a:rPr kumimoji="0" lang="fr-FR" altLang="fr-FR" sz="2000" b="0" i="0" u="none" strike="noStrike" cap="none" normalizeH="0" baseline="0" dirty="0">
+                <a:ln>
+                  <a:noFill/>
+                </a:ln>
+                <a:solidFill>
+                  <a:srgbClr val="5B4EE4"/>
+                </a:solidFill>
+                <a:effectLst/>
+                <a:latin typeface="metro-web"/>
+              </a:rPr>
+              <a:t>, </a:t>
+            </a:r>
+            <a:r>
+              <a:rPr kumimoji="0" lang="fr-FR" altLang="fr-FR" sz="1400" b="0" i="0" u="none" strike="noStrike" cap="none" normalizeH="0" baseline="0" dirty="0">
+                <a:ln>
+                  <a:noFill/>
+                </a:ln>
+                <a:solidFill>
+                  <a:srgbClr val="5B4EE4"/>
+                </a:solidFill>
+                <a:effectLst/>
+                <a:latin typeface="dejavu-sans-mono-web"/>
+              </a:rPr>
+              <a:t>&gt;=</a:t>
+            </a:r>
+            <a:r>
+              <a:rPr kumimoji="0" lang="fr-FR" altLang="fr-FR" sz="2000" b="0" i="0" u="none" strike="noStrike" cap="none" normalizeH="0" baseline="0" dirty="0">
+                <a:ln>
+                  <a:noFill/>
+                </a:ln>
+                <a:solidFill>
+                  <a:srgbClr val="5B4EE4"/>
+                </a:solidFill>
+                <a:effectLst/>
+                <a:latin typeface="metro-web"/>
+              </a:rPr>
+              <a:t>, </a:t>
+            </a:r>
+            <a:r>
+              <a:rPr kumimoji="0" lang="fr-FR" altLang="fr-FR" sz="1400" b="0" i="0" u="none" strike="noStrike" cap="none" normalizeH="0" baseline="0" dirty="0">
+                <a:ln>
+                  <a:noFill/>
+                </a:ln>
+                <a:solidFill>
+                  <a:srgbClr val="5B4EE4"/>
+                </a:solidFill>
+                <a:effectLst/>
+                <a:latin typeface="dejavu-sans-mono-web"/>
+              </a:rPr>
+              <a:t>&lt;=</a:t>
+            </a:r>
+            <a:endParaRPr kumimoji="0" lang="fr-FR" altLang="fr-FR" sz="2000" b="0" i="0" u="none" strike="noStrike" cap="none" normalizeH="0" baseline="0" dirty="0">
+              <a:ln>
+                <a:noFill/>
+              </a:ln>
+              <a:solidFill>
+                <a:srgbClr val="5B4EE4"/>
+              </a:solidFill>
+              <a:effectLst/>
+              <a:latin typeface="metro-web"/>
+            </a:endParaRPr>
+          </a:p>
+          <a:p>
+            <a:pPr marL="0" marR="0" lvl="0" indent="0" algn="l" defTabSz="914400" rtl="0" eaLnBrk="0" fontAlgn="base" latinLnBrk="0" hangingPunct="0">
+              <a:lnSpc>
+                <a:spcPct val="100000"/>
+              </a:lnSpc>
+              <a:spcBef>
+                <a:spcPct val="0"/>
+              </a:spcBef>
+              <a:spcAft>
+                <a:spcPct val="0"/>
+              </a:spcAft>
+              <a:buClrTx/>
+              <a:buSzTx/>
+              <a:buFontTx/>
+              <a:buChar char="•"/>
+              <a:tabLst/>
+            </a:pPr>
+            <a:r>
+              <a:rPr kumimoji="0" lang="fr-FR" altLang="fr-FR" sz="1600" b="0" i="0" u="none" strike="noStrike" cap="none" normalizeH="0" baseline="0" dirty="0">
+                <a:ln>
+                  <a:noFill/>
+                </a:ln>
+                <a:solidFill>
+                  <a:srgbClr val="5B4EE4"/>
+                </a:solidFill>
+                <a:effectLst/>
+                <a:latin typeface="metro-web"/>
+              </a:rPr>
+              <a:t>Boolean </a:t>
+            </a:r>
+            <a:r>
+              <a:rPr kumimoji="0" lang="fr-FR" altLang="fr-FR" sz="1600" b="0" i="0" u="none" strike="noStrike" cap="none" normalizeH="0" baseline="0" dirty="0" err="1">
+                <a:ln>
+                  <a:noFill/>
+                </a:ln>
+                <a:solidFill>
+                  <a:srgbClr val="5B4EE4"/>
+                </a:solidFill>
+                <a:effectLst/>
+                <a:latin typeface="metro-web"/>
+              </a:rPr>
+              <a:t>logic</a:t>
+            </a:r>
+            <a:r>
+              <a:rPr kumimoji="0" lang="fr-FR" altLang="fr-FR" sz="1600" b="0" i="0" u="none" strike="noStrike" cap="none" normalizeH="0" baseline="0" dirty="0">
+                <a:ln>
+                  <a:noFill/>
+                </a:ln>
+                <a:solidFill>
+                  <a:srgbClr val="5B4EE4"/>
+                </a:solidFill>
+                <a:effectLst/>
+                <a:latin typeface="metro-web"/>
+              </a:rPr>
+              <a:t>: </a:t>
+            </a:r>
+            <a:r>
+              <a:rPr kumimoji="0" lang="fr-FR" altLang="fr-FR" sz="1400" b="0" i="0" u="none" strike="noStrike" cap="none" normalizeH="0" baseline="0" dirty="0">
+                <a:ln>
+                  <a:noFill/>
+                </a:ln>
+                <a:solidFill>
+                  <a:srgbClr val="5B4EE4"/>
+                </a:solidFill>
+                <a:effectLst/>
+                <a:latin typeface="dejavu-sans-mono-web"/>
+              </a:rPr>
+              <a:t>&amp;&amp;</a:t>
+            </a:r>
+            <a:r>
+              <a:rPr kumimoji="0" lang="fr-FR" altLang="fr-FR" sz="2000" b="0" i="0" u="none" strike="noStrike" cap="none" normalizeH="0" baseline="0" dirty="0">
+                <a:ln>
+                  <a:noFill/>
+                </a:ln>
+                <a:solidFill>
+                  <a:srgbClr val="5B4EE4"/>
+                </a:solidFill>
+                <a:effectLst/>
+                <a:latin typeface="metro-web"/>
+              </a:rPr>
+              <a:t>, </a:t>
+            </a:r>
+            <a:r>
+              <a:rPr kumimoji="0" lang="fr-FR" altLang="fr-FR" sz="1400" b="0" i="0" u="none" strike="noStrike" cap="none" normalizeH="0" baseline="0" dirty="0">
+                <a:ln>
+                  <a:noFill/>
+                </a:ln>
+                <a:solidFill>
+                  <a:srgbClr val="5B4EE4"/>
+                </a:solidFill>
+                <a:effectLst/>
+                <a:latin typeface="dejavu-sans-mono-web"/>
+              </a:rPr>
+              <a:t>||</a:t>
+            </a:r>
+            <a:r>
+              <a:rPr kumimoji="0" lang="fr-FR" altLang="fr-FR" sz="2000" b="0" i="0" u="none" strike="noStrike" cap="none" normalizeH="0" baseline="0" dirty="0">
+                <a:ln>
+                  <a:noFill/>
+                </a:ln>
+                <a:solidFill>
+                  <a:srgbClr val="5B4EE4"/>
+                </a:solidFill>
+                <a:effectLst/>
+                <a:latin typeface="metro-web"/>
+              </a:rPr>
+              <a:t>, </a:t>
+            </a:r>
+            <a:r>
+              <a:rPr kumimoji="0" lang="fr-FR" altLang="fr-FR" sz="1600" b="0" i="0" u="none" strike="noStrike" cap="none" normalizeH="0" baseline="0" dirty="0" err="1">
+                <a:ln>
+                  <a:noFill/>
+                </a:ln>
+                <a:solidFill>
+                  <a:srgbClr val="5B4EE4"/>
+                </a:solidFill>
+                <a:effectLst/>
+                <a:latin typeface="metro-web"/>
+              </a:rPr>
+              <a:t>Negation</a:t>
+            </a:r>
+            <a:r>
+              <a:rPr kumimoji="0" lang="fr-FR" altLang="fr-FR" b="0" i="0" u="none" strike="noStrike" cap="none" normalizeH="0" baseline="0" dirty="0">
+                <a:ln>
+                  <a:noFill/>
+                </a:ln>
+                <a:solidFill>
+                  <a:srgbClr val="5B4EE4"/>
+                </a:solidFill>
+                <a:effectLst/>
+                <a:latin typeface="metro-web"/>
+              </a:rPr>
+              <a:t> </a:t>
+            </a:r>
+            <a:r>
+              <a:rPr kumimoji="0" lang="fr-FR" altLang="fr-FR" sz="1200" b="0" i="0" u="none" strike="noStrike" cap="none" normalizeH="0" baseline="0" dirty="0">
+                <a:ln>
+                  <a:noFill/>
+                </a:ln>
+                <a:solidFill>
+                  <a:srgbClr val="5B4EE4"/>
+                </a:solidFill>
+                <a:effectLst/>
+                <a:latin typeface="dejavu-sans-mono-web"/>
+              </a:rPr>
+              <a:t>!</a:t>
+            </a:r>
+            <a:endParaRPr kumimoji="0" lang="fr-FR" altLang="fr-FR" b="0" i="0" u="none" strike="noStrike" cap="none" normalizeH="0" baseline="0" dirty="0">
+              <a:ln>
+                <a:noFill/>
+              </a:ln>
+              <a:solidFill>
+                <a:srgbClr val="5B4EE4"/>
+              </a:solidFill>
+              <a:effectLst/>
+              <a:latin typeface="metro-web"/>
+            </a:endParaRPr>
+          </a:p>
+          <a:p>
+            <a:pPr marL="0" marR="0" lvl="0" indent="0" algn="l" defTabSz="914400" rtl="0" eaLnBrk="0" fontAlgn="base" latinLnBrk="0" hangingPunct="0">
+              <a:lnSpc>
+                <a:spcPct val="100000"/>
+              </a:lnSpc>
+              <a:spcBef>
+                <a:spcPct val="0"/>
+              </a:spcBef>
+              <a:spcAft>
+                <a:spcPct val="0"/>
+              </a:spcAft>
+              <a:buClrTx/>
+              <a:buSzTx/>
+              <a:buFontTx/>
+              <a:buNone/>
+              <a:tabLst/>
+            </a:pPr>
+            <a:endParaRPr kumimoji="0" lang="fr-FR" altLang="fr-FR" b="0" i="0" u="none" strike="noStrike" cap="none" normalizeH="0" baseline="0" dirty="0">
+              <a:ln>
+                <a:noFill/>
+              </a:ln>
+              <a:solidFill>
+                <a:schemeClr val="tx1"/>
+              </a:solidFill>
+              <a:effectLst/>
+              <a:latin typeface="Arial" panose="020B0604020202020204" pitchFamily="34" charset="0"/>
+            </a:endParaRPr>
+          </a:p>
+        </p:txBody>
+      </p:sp>
     </p:spTree>
     <p:extLst>
       <p:ext uri="{BB962C8B-B14F-4D97-AF65-F5344CB8AC3E}">
-        <p14:creationId xmlns:p14="http://schemas.microsoft.com/office/powerpoint/2010/main" val="2722421774"/>
+        <p14:creationId xmlns:p14="http://schemas.microsoft.com/office/powerpoint/2010/main" val="2636718087"/>
       </p:ext>
     </p:extLst>
   </p:cSld>
@@ -9639,717 +9265,7 @@
           <p:cNvPr id="4" name="TextBox 3">
             <a:extLst>
               <a:ext uri="{FF2B5EF4-FFF2-40B4-BE49-F238E27FC236}">
-                <a16:creationId xmlns="" xmlns:a16="http://schemas.microsoft.com/office/drawing/2014/main" id="{EDBF4371-BEF8-4D12-B9AA-44B7A66650A9}"/>
-              </a:ext>
-            </a:extLst>
-          </p:cNvPr>
-          <p:cNvSpPr txBox="1"/>
-          <p:nvPr/>
-        </p:nvSpPr>
-        <p:spPr>
-          <a:xfrm>
-            <a:off x="0" y="701040"/>
-            <a:ext cx="12192000" cy="707886"/>
-          </a:xfrm>
-          <a:prstGeom prst="rect">
-            <a:avLst/>
-          </a:prstGeom>
-          <a:noFill/>
-        </p:spPr>
-        <p:txBody>
-          <a:bodyPr wrap="square" rtlCol="0">
-            <a:spAutoFit/>
-          </a:bodyPr>
-          <a:lstStyle/>
-          <a:p>
-            <a:pPr algn="ctr"/>
-            <a:r>
-              <a:rPr lang="fr-FR" sz="4000" b="1" dirty="0">
-                <a:solidFill>
-                  <a:srgbClr val="5B4EE4"/>
-                </a:solidFill>
-              </a:rPr>
-              <a:t>Conditions</a:t>
-            </a:r>
-            <a:endParaRPr lang="fr-FR" b="1" dirty="0">
-              <a:solidFill>
-                <a:srgbClr val="5B4EE4"/>
-              </a:solidFill>
-            </a:endParaRPr>
-          </a:p>
-        </p:txBody>
-      </p:sp>
-      <p:pic>
-        <p:nvPicPr>
-          <p:cNvPr id="3" name="Picture 2">
-            <a:extLst>
-              <a:ext uri="{FF2B5EF4-FFF2-40B4-BE49-F238E27FC236}">
-                <a16:creationId xmlns="" xmlns:a16="http://schemas.microsoft.com/office/drawing/2014/main" id="{CF60BF40-F3B7-40B3-B68B-4B9E85BC287E}"/>
-              </a:ext>
-            </a:extLst>
-          </p:cNvPr>
-          <p:cNvPicPr>
-            <a:picLocks noChangeAspect="1"/>
-          </p:cNvPicPr>
-          <p:nvPr/>
-        </p:nvPicPr>
-        <p:blipFill>
-          <a:blip r:embed="rId2"/>
-          <a:stretch>
-            <a:fillRect/>
-          </a:stretch>
-        </p:blipFill>
-        <p:spPr>
-          <a:xfrm>
-            <a:off x="1224654" y="1730328"/>
-            <a:ext cx="9348796" cy="2768844"/>
-          </a:xfrm>
-          <a:prstGeom prst="rect">
-            <a:avLst/>
-          </a:prstGeom>
-        </p:spPr>
-      </p:pic>
-      <p:sp>
-        <p:nvSpPr>
-          <p:cNvPr id="5" name="Rectangle 1">
-            <a:extLst>
-              <a:ext uri="{FF2B5EF4-FFF2-40B4-BE49-F238E27FC236}">
-                <a16:creationId xmlns="" xmlns:a16="http://schemas.microsoft.com/office/drawing/2014/main" id="{D07FF8B9-27CC-474C-8015-5247D211DB13}"/>
-              </a:ext>
-            </a:extLst>
-          </p:cNvPr>
-          <p:cNvSpPr>
-            <a:spLocks noChangeArrowheads="1"/>
-          </p:cNvSpPr>
-          <p:nvPr/>
-        </p:nvSpPr>
-        <p:spPr bwMode="auto">
-          <a:xfrm>
-            <a:off x="1407535" y="4872200"/>
-            <a:ext cx="4825218" cy="1567067"/>
-          </a:xfrm>
-          <a:prstGeom prst="rect">
-            <a:avLst/>
-          </a:prstGeom>
-          <a:noFill/>
-          <a:ln>
-            <a:noFill/>
-          </a:ln>
-          <a:effectLst/>
-        </p:spPr>
-        <p:txBody>
-          <a:bodyPr vert="horz" wrap="square" lIns="91440" tIns="0" rIns="91440" bIns="88872" numCol="1" anchor="ctr" anchorCtr="0" compatLnSpc="1">
-            <a:prstTxWarp prst="textNoShape">
-              <a:avLst/>
-            </a:prstTxWarp>
-            <a:spAutoFit/>
-          </a:bodyPr>
-          <a:lstStyle/>
-          <a:p>
-            <a:pPr marL="0" marR="0" lvl="0" indent="0" algn="l" defTabSz="914400" rtl="0" eaLnBrk="0" fontAlgn="base" latinLnBrk="0" hangingPunct="0">
-              <a:lnSpc>
-                <a:spcPct val="100000"/>
-              </a:lnSpc>
-              <a:spcBef>
-                <a:spcPct val="0"/>
-              </a:spcBef>
-              <a:spcAft>
-                <a:spcPct val="0"/>
-              </a:spcAft>
-              <a:buClrTx/>
-              <a:buSzTx/>
-              <a:buFontTx/>
-              <a:buNone/>
-              <a:tabLst/>
-            </a:pPr>
-            <a:r>
-              <a:rPr kumimoji="0" lang="fr-FR" altLang="fr-FR" b="0" i="0" u="none" strike="noStrike" cap="none" normalizeH="0" baseline="0" dirty="0">
-                <a:ln>
-                  <a:noFill/>
-                </a:ln>
-                <a:solidFill>
-                  <a:srgbClr val="1D1E23"/>
-                </a:solidFill>
-                <a:effectLst/>
-                <a:latin typeface="metro-web"/>
-              </a:rPr>
-              <a:t>The </a:t>
-            </a:r>
-            <a:r>
-              <a:rPr kumimoji="0" lang="fr-FR" altLang="fr-FR" b="0" i="0" u="none" strike="noStrike" cap="none" normalizeH="0" baseline="0" dirty="0" err="1">
-                <a:ln>
-                  <a:noFill/>
-                </a:ln>
-                <a:solidFill>
-                  <a:srgbClr val="1D1E23"/>
-                </a:solidFill>
-                <a:effectLst/>
-                <a:latin typeface="metro-web"/>
-              </a:rPr>
-              <a:t>supported</a:t>
-            </a:r>
-            <a:r>
-              <a:rPr kumimoji="0" lang="fr-FR" altLang="fr-FR" b="0" i="0" u="none" strike="noStrike" cap="none" normalizeH="0" baseline="0" dirty="0">
-                <a:ln>
-                  <a:noFill/>
-                </a:ln>
-                <a:solidFill>
-                  <a:srgbClr val="1D1E23"/>
-                </a:solidFill>
-                <a:effectLst/>
-                <a:latin typeface="metro-web"/>
-              </a:rPr>
-              <a:t> </a:t>
-            </a:r>
-            <a:r>
-              <a:rPr kumimoji="0" lang="fr-FR" altLang="fr-FR" b="0" i="0" u="none" strike="noStrike" cap="none" normalizeH="0" baseline="0" dirty="0" err="1">
-                <a:ln>
-                  <a:noFill/>
-                </a:ln>
-                <a:solidFill>
-                  <a:srgbClr val="1D1E23"/>
-                </a:solidFill>
-                <a:effectLst/>
-                <a:latin typeface="metro-web"/>
-              </a:rPr>
-              <a:t>operators</a:t>
-            </a:r>
-            <a:r>
-              <a:rPr kumimoji="0" lang="fr-FR" altLang="fr-FR" b="0" i="0" u="none" strike="noStrike" cap="none" normalizeH="0" baseline="0" dirty="0">
-                <a:ln>
-                  <a:noFill/>
-                </a:ln>
-                <a:solidFill>
-                  <a:srgbClr val="1D1E23"/>
-                </a:solidFill>
-                <a:effectLst/>
-                <a:latin typeface="metro-web"/>
-              </a:rPr>
-              <a:t> are:</a:t>
-            </a:r>
-            <a:endParaRPr kumimoji="0" lang="fr-FR" altLang="fr-FR" b="0" i="0" u="none" strike="noStrike" cap="none" normalizeH="0" baseline="0" dirty="0">
-              <a:ln>
-                <a:noFill/>
-              </a:ln>
-              <a:solidFill>
-                <a:schemeClr val="tx1"/>
-              </a:solidFill>
-              <a:effectLst/>
-            </a:endParaRPr>
-          </a:p>
-          <a:p>
-            <a:pPr marL="0" marR="0" lvl="0" indent="0" algn="l" defTabSz="914400" rtl="0" eaLnBrk="0" fontAlgn="base" latinLnBrk="0" hangingPunct="0">
-              <a:lnSpc>
-                <a:spcPct val="100000"/>
-              </a:lnSpc>
-              <a:spcBef>
-                <a:spcPct val="0"/>
-              </a:spcBef>
-              <a:spcAft>
-                <a:spcPct val="0"/>
-              </a:spcAft>
-              <a:buClrTx/>
-              <a:buSzTx/>
-              <a:buFontTx/>
-              <a:buChar char="•"/>
-              <a:tabLst/>
-            </a:pPr>
-            <a:r>
-              <a:rPr kumimoji="0" lang="fr-FR" altLang="fr-FR" sz="1600" b="0" i="0" u="none" strike="noStrike" cap="none" normalizeH="0" baseline="0" dirty="0" err="1">
-                <a:ln>
-                  <a:noFill/>
-                </a:ln>
-                <a:solidFill>
-                  <a:srgbClr val="5B4EE4"/>
-                </a:solidFill>
-                <a:effectLst/>
-                <a:latin typeface="metro-web"/>
-              </a:rPr>
-              <a:t>Equality</a:t>
-            </a:r>
-            <a:r>
-              <a:rPr kumimoji="0" lang="fr-FR" altLang="fr-FR" sz="1600" b="0" i="0" u="none" strike="noStrike" cap="none" normalizeH="0" baseline="0" dirty="0">
-                <a:ln>
-                  <a:noFill/>
-                </a:ln>
-                <a:solidFill>
-                  <a:srgbClr val="5B4EE4"/>
-                </a:solidFill>
-                <a:effectLst/>
-                <a:latin typeface="metro-web"/>
-              </a:rPr>
-              <a:t>: </a:t>
-            </a:r>
-            <a:r>
-              <a:rPr kumimoji="0" lang="fr-FR" altLang="fr-FR" sz="1400" b="0" i="0" u="none" strike="noStrike" cap="none" normalizeH="0" baseline="0" dirty="0">
-                <a:ln>
-                  <a:noFill/>
-                </a:ln>
-                <a:solidFill>
-                  <a:srgbClr val="5B4EE4"/>
-                </a:solidFill>
-                <a:effectLst/>
-                <a:latin typeface="dejavu-sans-mono-web"/>
-              </a:rPr>
-              <a:t>==</a:t>
-            </a:r>
-            <a:r>
-              <a:rPr kumimoji="0" lang="fr-FR" altLang="fr-FR" sz="2000" b="0" i="0" u="none" strike="noStrike" cap="none" normalizeH="0" baseline="0" dirty="0">
-                <a:ln>
-                  <a:noFill/>
-                </a:ln>
-                <a:solidFill>
-                  <a:srgbClr val="5B4EE4"/>
-                </a:solidFill>
-                <a:effectLst/>
-                <a:latin typeface="metro-web"/>
-              </a:rPr>
-              <a:t> </a:t>
-            </a:r>
-            <a:r>
-              <a:rPr kumimoji="0" lang="fr-FR" altLang="fr-FR" sz="1600" b="0" i="0" u="none" strike="noStrike" cap="none" normalizeH="0" baseline="0" dirty="0">
-                <a:ln>
-                  <a:noFill/>
-                </a:ln>
-                <a:solidFill>
-                  <a:srgbClr val="5B4EE4"/>
-                </a:solidFill>
-                <a:effectLst/>
-                <a:latin typeface="metro-web"/>
-              </a:rPr>
-              <a:t>and </a:t>
-            </a:r>
-            <a:r>
-              <a:rPr kumimoji="0" lang="fr-FR" altLang="fr-FR" sz="1400" b="0" i="0" u="none" strike="noStrike" cap="none" normalizeH="0" baseline="0" dirty="0">
-                <a:ln>
-                  <a:noFill/>
-                </a:ln>
-                <a:solidFill>
-                  <a:srgbClr val="5B4EE4"/>
-                </a:solidFill>
-                <a:effectLst/>
-                <a:latin typeface="dejavu-sans-mono-web"/>
-              </a:rPr>
-              <a:t>!=</a:t>
-            </a:r>
-            <a:endParaRPr kumimoji="0" lang="fr-FR" altLang="fr-FR" sz="2000" b="0" i="0" u="none" strike="noStrike" cap="none" normalizeH="0" baseline="0" dirty="0">
-              <a:ln>
-                <a:noFill/>
-              </a:ln>
-              <a:solidFill>
-                <a:srgbClr val="5B4EE4"/>
-              </a:solidFill>
-              <a:effectLst/>
-              <a:latin typeface="metro-web"/>
-            </a:endParaRPr>
-          </a:p>
-          <a:p>
-            <a:pPr marL="0" marR="0" lvl="0" indent="0" algn="l" defTabSz="914400" rtl="0" eaLnBrk="0" fontAlgn="base" latinLnBrk="0" hangingPunct="0">
-              <a:lnSpc>
-                <a:spcPct val="100000"/>
-              </a:lnSpc>
-              <a:spcBef>
-                <a:spcPct val="0"/>
-              </a:spcBef>
-              <a:spcAft>
-                <a:spcPct val="0"/>
-              </a:spcAft>
-              <a:buClrTx/>
-              <a:buSzTx/>
-              <a:buFontTx/>
-              <a:buChar char="•"/>
-              <a:tabLst/>
-            </a:pPr>
-            <a:r>
-              <a:rPr kumimoji="0" lang="fr-FR" altLang="fr-FR" sz="1600" b="0" i="0" u="none" strike="noStrike" cap="none" normalizeH="0" baseline="0" dirty="0" err="1">
-                <a:ln>
-                  <a:noFill/>
-                </a:ln>
-                <a:solidFill>
-                  <a:srgbClr val="5B4EE4"/>
-                </a:solidFill>
-                <a:effectLst/>
-                <a:latin typeface="metro-web"/>
-              </a:rPr>
-              <a:t>Numerical</a:t>
-            </a:r>
-            <a:r>
-              <a:rPr kumimoji="0" lang="fr-FR" altLang="fr-FR" sz="1600" b="0" i="0" u="none" strike="noStrike" cap="none" normalizeH="0" baseline="0" dirty="0">
-                <a:ln>
-                  <a:noFill/>
-                </a:ln>
-                <a:solidFill>
-                  <a:srgbClr val="5B4EE4"/>
-                </a:solidFill>
-                <a:effectLst/>
-                <a:latin typeface="metro-web"/>
-              </a:rPr>
-              <a:t> </a:t>
-            </a:r>
-            <a:r>
-              <a:rPr kumimoji="0" lang="fr-FR" altLang="fr-FR" sz="1600" b="0" i="0" u="none" strike="noStrike" cap="none" normalizeH="0" baseline="0" dirty="0" err="1">
-                <a:ln>
-                  <a:noFill/>
-                </a:ln>
-                <a:solidFill>
-                  <a:srgbClr val="5B4EE4"/>
-                </a:solidFill>
-                <a:effectLst/>
-                <a:latin typeface="metro-web"/>
-              </a:rPr>
-              <a:t>comparison</a:t>
-            </a:r>
-            <a:r>
-              <a:rPr kumimoji="0" lang="fr-FR" altLang="fr-FR" sz="1600" b="0" i="0" u="none" strike="noStrike" cap="none" normalizeH="0" baseline="0" dirty="0">
-                <a:ln>
-                  <a:noFill/>
-                </a:ln>
-                <a:solidFill>
-                  <a:srgbClr val="5B4EE4"/>
-                </a:solidFill>
-                <a:effectLst/>
-                <a:latin typeface="metro-web"/>
-              </a:rPr>
-              <a:t>: </a:t>
-            </a:r>
-            <a:r>
-              <a:rPr kumimoji="0" lang="fr-FR" altLang="fr-FR" sz="1400" b="0" i="0" u="none" strike="noStrike" cap="none" normalizeH="0" baseline="0" dirty="0">
-                <a:ln>
-                  <a:noFill/>
-                </a:ln>
-                <a:solidFill>
-                  <a:srgbClr val="5B4EE4"/>
-                </a:solidFill>
-                <a:effectLst/>
-                <a:latin typeface="dejavu-sans-mono-web"/>
-              </a:rPr>
-              <a:t>&gt;</a:t>
-            </a:r>
-            <a:r>
-              <a:rPr kumimoji="0" lang="fr-FR" altLang="fr-FR" sz="2000" b="0" i="0" u="none" strike="noStrike" cap="none" normalizeH="0" baseline="0" dirty="0">
-                <a:ln>
-                  <a:noFill/>
-                </a:ln>
-                <a:solidFill>
-                  <a:srgbClr val="5B4EE4"/>
-                </a:solidFill>
-                <a:effectLst/>
-                <a:latin typeface="metro-web"/>
-              </a:rPr>
-              <a:t>, </a:t>
-            </a:r>
-            <a:r>
-              <a:rPr kumimoji="0" lang="fr-FR" altLang="fr-FR" sz="1400" b="0" i="0" u="none" strike="noStrike" cap="none" normalizeH="0" baseline="0" dirty="0">
-                <a:ln>
-                  <a:noFill/>
-                </a:ln>
-                <a:solidFill>
-                  <a:srgbClr val="5B4EE4"/>
-                </a:solidFill>
-                <a:effectLst/>
-                <a:latin typeface="dejavu-sans-mono-web"/>
-              </a:rPr>
-              <a:t>&lt;</a:t>
-            </a:r>
-            <a:r>
-              <a:rPr kumimoji="0" lang="fr-FR" altLang="fr-FR" sz="2000" b="0" i="0" u="none" strike="noStrike" cap="none" normalizeH="0" baseline="0" dirty="0">
-                <a:ln>
-                  <a:noFill/>
-                </a:ln>
-                <a:solidFill>
-                  <a:srgbClr val="5B4EE4"/>
-                </a:solidFill>
-                <a:effectLst/>
-                <a:latin typeface="metro-web"/>
-              </a:rPr>
-              <a:t>, </a:t>
-            </a:r>
-            <a:r>
-              <a:rPr kumimoji="0" lang="fr-FR" altLang="fr-FR" sz="1400" b="0" i="0" u="none" strike="noStrike" cap="none" normalizeH="0" baseline="0" dirty="0">
-                <a:ln>
-                  <a:noFill/>
-                </a:ln>
-                <a:solidFill>
-                  <a:srgbClr val="5B4EE4"/>
-                </a:solidFill>
-                <a:effectLst/>
-                <a:latin typeface="dejavu-sans-mono-web"/>
-              </a:rPr>
-              <a:t>&gt;=</a:t>
-            </a:r>
-            <a:r>
-              <a:rPr kumimoji="0" lang="fr-FR" altLang="fr-FR" sz="2000" b="0" i="0" u="none" strike="noStrike" cap="none" normalizeH="0" baseline="0" dirty="0">
-                <a:ln>
-                  <a:noFill/>
-                </a:ln>
-                <a:solidFill>
-                  <a:srgbClr val="5B4EE4"/>
-                </a:solidFill>
-                <a:effectLst/>
-                <a:latin typeface="metro-web"/>
-              </a:rPr>
-              <a:t>, </a:t>
-            </a:r>
-            <a:r>
-              <a:rPr kumimoji="0" lang="fr-FR" altLang="fr-FR" sz="1400" b="0" i="0" u="none" strike="noStrike" cap="none" normalizeH="0" baseline="0" dirty="0">
-                <a:ln>
-                  <a:noFill/>
-                </a:ln>
-                <a:solidFill>
-                  <a:srgbClr val="5B4EE4"/>
-                </a:solidFill>
-                <a:effectLst/>
-                <a:latin typeface="dejavu-sans-mono-web"/>
-              </a:rPr>
-              <a:t>&lt;=</a:t>
-            </a:r>
-            <a:endParaRPr kumimoji="0" lang="fr-FR" altLang="fr-FR" sz="2000" b="0" i="0" u="none" strike="noStrike" cap="none" normalizeH="0" baseline="0" dirty="0">
-              <a:ln>
-                <a:noFill/>
-              </a:ln>
-              <a:solidFill>
-                <a:srgbClr val="5B4EE4"/>
-              </a:solidFill>
-              <a:effectLst/>
-              <a:latin typeface="metro-web"/>
-            </a:endParaRPr>
-          </a:p>
-          <a:p>
-            <a:pPr marL="0" marR="0" lvl="0" indent="0" algn="l" defTabSz="914400" rtl="0" eaLnBrk="0" fontAlgn="base" latinLnBrk="0" hangingPunct="0">
-              <a:lnSpc>
-                <a:spcPct val="100000"/>
-              </a:lnSpc>
-              <a:spcBef>
-                <a:spcPct val="0"/>
-              </a:spcBef>
-              <a:spcAft>
-                <a:spcPct val="0"/>
-              </a:spcAft>
-              <a:buClrTx/>
-              <a:buSzTx/>
-              <a:buFontTx/>
-              <a:buChar char="•"/>
-              <a:tabLst/>
-            </a:pPr>
-            <a:r>
-              <a:rPr kumimoji="0" lang="fr-FR" altLang="fr-FR" sz="1600" b="0" i="0" u="none" strike="noStrike" cap="none" normalizeH="0" baseline="0" dirty="0">
-                <a:ln>
-                  <a:noFill/>
-                </a:ln>
-                <a:solidFill>
-                  <a:srgbClr val="5B4EE4"/>
-                </a:solidFill>
-                <a:effectLst/>
-                <a:latin typeface="metro-web"/>
-              </a:rPr>
-              <a:t>Boolean </a:t>
-            </a:r>
-            <a:r>
-              <a:rPr kumimoji="0" lang="fr-FR" altLang="fr-FR" sz="1600" b="0" i="0" u="none" strike="noStrike" cap="none" normalizeH="0" baseline="0" dirty="0" err="1">
-                <a:ln>
-                  <a:noFill/>
-                </a:ln>
-                <a:solidFill>
-                  <a:srgbClr val="5B4EE4"/>
-                </a:solidFill>
-                <a:effectLst/>
-                <a:latin typeface="metro-web"/>
-              </a:rPr>
-              <a:t>logic</a:t>
-            </a:r>
-            <a:r>
-              <a:rPr kumimoji="0" lang="fr-FR" altLang="fr-FR" sz="1600" b="0" i="0" u="none" strike="noStrike" cap="none" normalizeH="0" baseline="0" dirty="0">
-                <a:ln>
-                  <a:noFill/>
-                </a:ln>
-                <a:solidFill>
-                  <a:srgbClr val="5B4EE4"/>
-                </a:solidFill>
-                <a:effectLst/>
-                <a:latin typeface="metro-web"/>
-              </a:rPr>
-              <a:t>: </a:t>
-            </a:r>
-            <a:r>
-              <a:rPr kumimoji="0" lang="fr-FR" altLang="fr-FR" sz="1400" b="0" i="0" u="none" strike="noStrike" cap="none" normalizeH="0" baseline="0" dirty="0">
-                <a:ln>
-                  <a:noFill/>
-                </a:ln>
-                <a:solidFill>
-                  <a:srgbClr val="5B4EE4"/>
-                </a:solidFill>
-                <a:effectLst/>
-                <a:latin typeface="dejavu-sans-mono-web"/>
-              </a:rPr>
-              <a:t>&amp;&amp;</a:t>
-            </a:r>
-            <a:r>
-              <a:rPr kumimoji="0" lang="fr-FR" altLang="fr-FR" sz="2000" b="0" i="0" u="none" strike="noStrike" cap="none" normalizeH="0" baseline="0" dirty="0">
-                <a:ln>
-                  <a:noFill/>
-                </a:ln>
-                <a:solidFill>
-                  <a:srgbClr val="5B4EE4"/>
-                </a:solidFill>
-                <a:effectLst/>
-                <a:latin typeface="metro-web"/>
-              </a:rPr>
-              <a:t>, </a:t>
-            </a:r>
-            <a:r>
-              <a:rPr kumimoji="0" lang="fr-FR" altLang="fr-FR" sz="1400" b="0" i="0" u="none" strike="noStrike" cap="none" normalizeH="0" baseline="0" dirty="0">
-                <a:ln>
-                  <a:noFill/>
-                </a:ln>
-                <a:solidFill>
-                  <a:srgbClr val="5B4EE4"/>
-                </a:solidFill>
-                <a:effectLst/>
-                <a:latin typeface="dejavu-sans-mono-web"/>
-              </a:rPr>
-              <a:t>||</a:t>
-            </a:r>
-            <a:r>
-              <a:rPr kumimoji="0" lang="fr-FR" altLang="fr-FR" sz="2000" b="0" i="0" u="none" strike="noStrike" cap="none" normalizeH="0" baseline="0" dirty="0">
-                <a:ln>
-                  <a:noFill/>
-                </a:ln>
-                <a:solidFill>
-                  <a:srgbClr val="5B4EE4"/>
-                </a:solidFill>
-                <a:effectLst/>
-                <a:latin typeface="metro-web"/>
-              </a:rPr>
-              <a:t>, </a:t>
-            </a:r>
-            <a:r>
-              <a:rPr kumimoji="0" lang="fr-FR" altLang="fr-FR" sz="1600" b="0" i="0" u="none" strike="noStrike" cap="none" normalizeH="0" baseline="0" dirty="0" err="1">
-                <a:ln>
-                  <a:noFill/>
-                </a:ln>
-                <a:solidFill>
-                  <a:srgbClr val="5B4EE4"/>
-                </a:solidFill>
-                <a:effectLst/>
-                <a:latin typeface="metro-web"/>
-              </a:rPr>
-              <a:t>Negation</a:t>
-            </a:r>
-            <a:r>
-              <a:rPr kumimoji="0" lang="fr-FR" altLang="fr-FR" b="0" i="0" u="none" strike="noStrike" cap="none" normalizeH="0" baseline="0" dirty="0">
-                <a:ln>
-                  <a:noFill/>
-                </a:ln>
-                <a:solidFill>
-                  <a:srgbClr val="5B4EE4"/>
-                </a:solidFill>
-                <a:effectLst/>
-                <a:latin typeface="metro-web"/>
-              </a:rPr>
-              <a:t> </a:t>
-            </a:r>
-            <a:r>
-              <a:rPr kumimoji="0" lang="fr-FR" altLang="fr-FR" sz="1200" b="0" i="0" u="none" strike="noStrike" cap="none" normalizeH="0" baseline="0" dirty="0">
-                <a:ln>
-                  <a:noFill/>
-                </a:ln>
-                <a:solidFill>
-                  <a:srgbClr val="5B4EE4"/>
-                </a:solidFill>
-                <a:effectLst/>
-                <a:latin typeface="dejavu-sans-mono-web"/>
-              </a:rPr>
-              <a:t>!</a:t>
-            </a:r>
-            <a:endParaRPr kumimoji="0" lang="fr-FR" altLang="fr-FR" b="0" i="0" u="none" strike="noStrike" cap="none" normalizeH="0" baseline="0" dirty="0">
-              <a:ln>
-                <a:noFill/>
-              </a:ln>
-              <a:solidFill>
-                <a:srgbClr val="5B4EE4"/>
-              </a:solidFill>
-              <a:effectLst/>
-              <a:latin typeface="metro-web"/>
-            </a:endParaRPr>
-          </a:p>
-          <a:p>
-            <a:pPr marL="0" marR="0" lvl="0" indent="0" algn="l" defTabSz="914400" rtl="0" eaLnBrk="0" fontAlgn="base" latinLnBrk="0" hangingPunct="0">
-              <a:lnSpc>
-                <a:spcPct val="100000"/>
-              </a:lnSpc>
-              <a:spcBef>
-                <a:spcPct val="0"/>
-              </a:spcBef>
-              <a:spcAft>
-                <a:spcPct val="0"/>
-              </a:spcAft>
-              <a:buClrTx/>
-              <a:buSzTx/>
-              <a:buFontTx/>
-              <a:buNone/>
-              <a:tabLst/>
-            </a:pPr>
-            <a:endParaRPr kumimoji="0" lang="fr-FR" altLang="fr-FR" b="0" i="0" u="none" strike="noStrike" cap="none" normalizeH="0" baseline="0" dirty="0">
-              <a:ln>
-                <a:noFill/>
-              </a:ln>
-              <a:solidFill>
-                <a:schemeClr val="tx1"/>
-              </a:solidFill>
-              <a:effectLst/>
-              <a:latin typeface="Arial" panose="020B0604020202020204" pitchFamily="34" charset="0"/>
-            </a:endParaRPr>
-          </a:p>
-        </p:txBody>
-      </p:sp>
-    </p:spTree>
-    <p:extLst>
-      <p:ext uri="{BB962C8B-B14F-4D97-AF65-F5344CB8AC3E}">
-        <p14:creationId xmlns:p14="http://schemas.microsoft.com/office/powerpoint/2010/main" val="2636718087"/>
-      </p:ext>
-    </p:extLst>
-  </p:cSld>
-  <p:clrMapOvr>
-    <a:masterClrMapping/>
-  </p:clrMapOvr>
-  <mc:AlternateContent xmlns:mc="http://schemas.openxmlformats.org/markup-compatibility/2006" xmlns:p14="http://schemas.microsoft.com/office/powerpoint/2010/main">
-    <mc:Choice Requires="p14">
-      <p:transition spd="med" p14:dur="700">
-        <p:fade/>
-      </p:transition>
-    </mc:Choice>
-    <mc:Fallback xmlns="">
-      <p:transition spd="med">
-        <p:fade/>
-      </p:transition>
-    </mc:Fallback>
-  </mc:AlternateContent>
-</p:sld>
-</file>
-
-<file path=ppt/slides/slide22.xml><?xml version="1.0" encoding="utf-8"?>
-<p:sld xmlns:a="http://schemas.openxmlformats.org/drawingml/2006/main" xmlns:r="http://schemas.openxmlformats.org/officeDocument/2006/relationships" xmlns:p="http://schemas.openxmlformats.org/presentationml/2006/main">
-  <p:cSld>
-    <p:spTree>
-      <p:nvGrpSpPr>
-        <p:cNvPr id="1" name=""/>
-        <p:cNvGrpSpPr/>
-        <p:nvPr/>
-      </p:nvGrpSpPr>
-      <p:grpSpPr>
-        <a:xfrm>
-          <a:off x="0" y="0"/>
-          <a:ext cx="0" cy="0"/>
-          <a:chOff x="0" y="0"/>
-          <a:chExt cx="0" cy="0"/>
-        </a:xfrm>
-      </p:grpSpPr>
-      <p:sp>
-        <p:nvSpPr>
-          <p:cNvPr id="4" name="TextBox 3">
-            <a:extLst>
-              <a:ext uri="{FF2B5EF4-FFF2-40B4-BE49-F238E27FC236}">
-                <a16:creationId xmlns="" xmlns:a16="http://schemas.microsoft.com/office/drawing/2014/main" id="{EDBF4371-BEF8-4D12-B9AA-44B7A66650A9}"/>
+                <a16:creationId xmlns:a16="http://schemas.microsoft.com/office/drawing/2014/main" id="{EDBF4371-BEF8-4D12-B9AA-44B7A66650A9}"/>
               </a:ext>
             </a:extLst>
           </p:cNvPr>
@@ -10394,7 +9310,7 @@
           <p:cNvPr id="6" name="Rectangle 5">
             <a:extLst>
               <a:ext uri="{FF2B5EF4-FFF2-40B4-BE49-F238E27FC236}">
-                <a16:creationId xmlns="" xmlns:a16="http://schemas.microsoft.com/office/drawing/2014/main" id="{136BD27A-5A8B-4237-B6F9-3B8D1C191838}"/>
+                <a16:creationId xmlns:a16="http://schemas.microsoft.com/office/drawing/2014/main" id="{136BD27A-5A8B-4237-B6F9-3B8D1C191838}"/>
               </a:ext>
             </a:extLst>
           </p:cNvPr>
@@ -10592,7 +9508,7 @@
           <p:cNvPr id="8" name="Picture 7">
             <a:extLst>
               <a:ext uri="{FF2B5EF4-FFF2-40B4-BE49-F238E27FC236}">
-                <a16:creationId xmlns="" xmlns:a16="http://schemas.microsoft.com/office/drawing/2014/main" id="{A5ADF219-864E-4B48-902C-8DC9626459D3}"/>
+                <a16:creationId xmlns:a16="http://schemas.microsoft.com/office/drawing/2014/main" id="{A5ADF219-864E-4B48-902C-8DC9626459D3}"/>
               </a:ext>
             </a:extLst>
           </p:cNvPr>
@@ -10622,7 +9538,7 @@
           <p:cNvPr id="9" name="Picture 8">
             <a:extLst>
               <a:ext uri="{FF2B5EF4-FFF2-40B4-BE49-F238E27FC236}">
-                <a16:creationId xmlns="" xmlns:a16="http://schemas.microsoft.com/office/drawing/2014/main" id="{4699D852-B1B7-425B-9FF5-AD34381497AB}"/>
+                <a16:creationId xmlns:a16="http://schemas.microsoft.com/office/drawing/2014/main" id="{4699D852-B1B7-425B-9FF5-AD34381497AB}"/>
               </a:ext>
             </a:extLst>
           </p:cNvPr>
@@ -10664,7 +9580,7 @@
           <p:cNvPr id="10" name="Picture 9">
             <a:extLst>
               <a:ext uri="{FF2B5EF4-FFF2-40B4-BE49-F238E27FC236}">
-                <a16:creationId xmlns="" xmlns:a16="http://schemas.microsoft.com/office/drawing/2014/main" id="{101FFE1D-9ED5-459F-B343-1873786B89C0}"/>
+                <a16:creationId xmlns:a16="http://schemas.microsoft.com/office/drawing/2014/main" id="{101FFE1D-9ED5-459F-B343-1873786B89C0}"/>
               </a:ext>
             </a:extLst>
           </p:cNvPr>
@@ -10714,7 +9630,7 @@
 </p:sld>
 </file>
 
-<file path=ppt/slides/slide23.xml><?xml version="1.0" encoding="utf-8"?>
+<file path=ppt/slides/slide22.xml><?xml version="1.0" encoding="utf-8"?>
 <p:sld xmlns:a="http://schemas.openxmlformats.org/drawingml/2006/main" xmlns:r="http://schemas.openxmlformats.org/officeDocument/2006/relationships" xmlns:p="http://schemas.openxmlformats.org/presentationml/2006/main">
   <p:cSld>
     <p:spTree>
@@ -10736,7 +9652,7 @@
           <p:cNvPr id="4" name="TextBox 3">
             <a:extLst>
               <a:ext uri="{FF2B5EF4-FFF2-40B4-BE49-F238E27FC236}">
-                <a16:creationId xmlns="" xmlns:a16="http://schemas.microsoft.com/office/drawing/2014/main" id="{EDBF4371-BEF8-4D12-B9AA-44B7A66650A9}"/>
+                <a16:creationId xmlns:a16="http://schemas.microsoft.com/office/drawing/2014/main" id="{EDBF4371-BEF8-4D12-B9AA-44B7A66650A9}"/>
               </a:ext>
             </a:extLst>
           </p:cNvPr>
@@ -10761,7 +9677,7 @@
           <a:p>
             <a:pPr algn="ctr"/>
             <a:r>
-              <a:rPr lang="fr-FR" sz="4000" b="1" dirty="0" err="1" smtClean="0">
+              <a:rPr lang="fr-FR" sz="4000" b="1" dirty="0" err="1">
                 <a:solidFill>
                   <a:srgbClr val="5B4EE4"/>
                 </a:solidFill>
@@ -11035,7 +9951,7 @@
 </p:sld>
 </file>
 
-<file path=ppt/slides/slide24.xml><?xml version="1.0" encoding="utf-8"?>
+<file path=ppt/slides/slide23.xml><?xml version="1.0" encoding="utf-8"?>
 <p:sld xmlns:a="http://schemas.openxmlformats.org/drawingml/2006/main" xmlns:r="http://schemas.openxmlformats.org/officeDocument/2006/relationships" xmlns:p="http://schemas.openxmlformats.org/presentationml/2006/main">
   <p:cSld>
     <p:spTree>
@@ -11057,7 +9973,7 @@
           <p:cNvPr id="4" name="TextBox 3">
             <a:extLst>
               <a:ext uri="{FF2B5EF4-FFF2-40B4-BE49-F238E27FC236}">
-                <a16:creationId xmlns="" xmlns:a16="http://schemas.microsoft.com/office/drawing/2014/main" id="{EDBF4371-BEF8-4D12-B9AA-44B7A66650A9}"/>
+                <a16:creationId xmlns:a16="http://schemas.microsoft.com/office/drawing/2014/main" id="{EDBF4371-BEF8-4D12-B9AA-44B7A66650A9}"/>
               </a:ext>
             </a:extLst>
           </p:cNvPr>
@@ -11082,7 +9998,7 @@
           <a:p>
             <a:pPr algn="ctr"/>
             <a:r>
-              <a:rPr lang="fr-FR" sz="4000" b="1" dirty="0" err="1" smtClean="0">
+              <a:rPr lang="fr-FR" sz="4000" b="1" dirty="0" err="1">
                 <a:solidFill>
                   <a:srgbClr val="5B4EE4"/>
                 </a:solidFill>
@@ -11147,25 +10063,18 @@
           <a:lstStyle/>
           <a:p>
             <a:r>
-              <a:rPr lang="en-US" sz="1400" b="1" dirty="0" err="1" smtClean="0">
+              <a:rPr lang="en-US" sz="1400" b="1" dirty="0" err="1">
                 <a:latin typeface="Times New Roman" pitchFamily="18" charset="0"/>
                 <a:cs typeface="Times New Roman" pitchFamily="18" charset="0"/>
               </a:rPr>
               <a:t>dirname</a:t>
-            </a:r>
-            <a:r>
-              <a:rPr lang="en-US" sz="1400" b="1" dirty="0" smtClean="0">
-                <a:latin typeface="Times New Roman" pitchFamily="18" charset="0"/>
-                <a:cs typeface="Times New Roman" pitchFamily="18" charset="0"/>
-              </a:rPr>
-              <a:t>(path</a:t>
             </a:r>
             <a:r>
               <a:rPr lang="en-US" sz="1400" b="1" dirty="0">
                 <a:latin typeface="Times New Roman" pitchFamily="18" charset="0"/>
                 <a:cs typeface="Times New Roman" pitchFamily="18" charset="0"/>
               </a:rPr>
-              <a:t>) - </a:t>
+              <a:t>(path) - </a:t>
             </a:r>
             <a:r>
               <a:rPr lang="en-US" sz="1400" dirty="0">
@@ -11548,7 +10457,7 @@
 </p:sld>
 </file>
 
-<file path=ppt/slides/slide25.xml><?xml version="1.0" encoding="utf-8"?>
+<file path=ppt/slides/slide24.xml><?xml version="1.0" encoding="utf-8"?>
 <p:sld xmlns:a="http://schemas.openxmlformats.org/drawingml/2006/main" xmlns:r="http://schemas.openxmlformats.org/officeDocument/2006/relationships" xmlns:p="http://schemas.openxmlformats.org/presentationml/2006/main">
   <p:cSld>
     <p:spTree>
@@ -11570,7 +10479,7 @@
           <p:cNvPr id="4" name="TextBox 3">
             <a:extLst>
               <a:ext uri="{FF2B5EF4-FFF2-40B4-BE49-F238E27FC236}">
-                <a16:creationId xmlns="" xmlns:a16="http://schemas.microsoft.com/office/drawing/2014/main" id="{EDBF4371-BEF8-4D12-B9AA-44B7A66650A9}"/>
+                <a16:creationId xmlns:a16="http://schemas.microsoft.com/office/drawing/2014/main" id="{EDBF4371-BEF8-4D12-B9AA-44B7A66650A9}"/>
               </a:ext>
             </a:extLst>
           </p:cNvPr>
@@ -11615,7 +10524,7 @@
           <p:cNvPr id="8" name="TextBox 7">
             <a:extLst>
               <a:ext uri="{FF2B5EF4-FFF2-40B4-BE49-F238E27FC236}">
-                <a16:creationId xmlns="" xmlns:a16="http://schemas.microsoft.com/office/drawing/2014/main" id="{78C443D4-B032-49CF-9D6F-8120D41C5CD4}"/>
+                <a16:creationId xmlns:a16="http://schemas.microsoft.com/office/drawing/2014/main" id="{78C443D4-B032-49CF-9D6F-8120D41C5CD4}"/>
               </a:ext>
             </a:extLst>
           </p:cNvPr>
@@ -11668,7 +10577,7 @@
           <p:cNvPr id="9" name="TextBox 8">
             <a:extLst>
               <a:ext uri="{FF2B5EF4-FFF2-40B4-BE49-F238E27FC236}">
-                <a16:creationId xmlns="" xmlns:a16="http://schemas.microsoft.com/office/drawing/2014/main" id="{85385ED4-4D68-4951-ADC7-034125E56F52}"/>
+                <a16:creationId xmlns:a16="http://schemas.microsoft.com/office/drawing/2014/main" id="{85385ED4-4D68-4951-ADC7-034125E56F52}"/>
               </a:ext>
             </a:extLst>
           </p:cNvPr>
@@ -11713,7 +10622,7 @@
           <p:cNvPr id="10" name="TextBox 9">
             <a:extLst>
               <a:ext uri="{FF2B5EF4-FFF2-40B4-BE49-F238E27FC236}">
-                <a16:creationId xmlns="" xmlns:a16="http://schemas.microsoft.com/office/drawing/2014/main" id="{144E8E36-E383-49E7-B5BF-B6B1E9BCA0DA}"/>
+                <a16:creationId xmlns:a16="http://schemas.microsoft.com/office/drawing/2014/main" id="{144E8E36-E383-49E7-B5BF-B6B1E9BCA0DA}"/>
               </a:ext>
             </a:extLst>
           </p:cNvPr>
@@ -11753,7 +10662,7 @@
           <p:cNvPr id="11" name="Rectangle 10">
             <a:extLst>
               <a:ext uri="{FF2B5EF4-FFF2-40B4-BE49-F238E27FC236}">
-                <a16:creationId xmlns="" xmlns:a16="http://schemas.microsoft.com/office/drawing/2014/main" id="{8B387555-02FD-416F-9B9B-07E983D25ED9}"/>
+                <a16:creationId xmlns:a16="http://schemas.microsoft.com/office/drawing/2014/main" id="{8B387555-02FD-416F-9B9B-07E983D25ED9}"/>
               </a:ext>
             </a:extLst>
           </p:cNvPr>
@@ -11794,7 +10703,7 @@
           <p:cNvPr id="12" name="Rectangle 11">
             <a:extLst>
               <a:ext uri="{FF2B5EF4-FFF2-40B4-BE49-F238E27FC236}">
-                <a16:creationId xmlns="" xmlns:a16="http://schemas.microsoft.com/office/drawing/2014/main" id="{CB53738D-23DF-46BF-99DA-1AD3C795F39E}"/>
+                <a16:creationId xmlns:a16="http://schemas.microsoft.com/office/drawing/2014/main" id="{CB53738D-23DF-46BF-99DA-1AD3C795F39E}"/>
               </a:ext>
             </a:extLst>
           </p:cNvPr>
@@ -11831,7 +10740,7 @@
           <p:cNvPr id="14" name="Rectangle 2">
             <a:extLst>
               <a:ext uri="{FF2B5EF4-FFF2-40B4-BE49-F238E27FC236}">
-                <a16:creationId xmlns="" xmlns:a16="http://schemas.microsoft.com/office/drawing/2014/main" id="{77049387-EE76-427E-BD1E-5A7C46924122}"/>
+                <a16:creationId xmlns:a16="http://schemas.microsoft.com/office/drawing/2014/main" id="{77049387-EE76-427E-BD1E-5A7C46924122}"/>
               </a:ext>
             </a:extLst>
           </p:cNvPr>
@@ -13401,7 +12310,7 @@
           <p:cNvPr id="21" name="Rectangle 20">
             <a:extLst>
               <a:ext uri="{FF2B5EF4-FFF2-40B4-BE49-F238E27FC236}">
-                <a16:creationId xmlns="" xmlns:a16="http://schemas.microsoft.com/office/drawing/2014/main" id="{C3333FD4-2201-4BD6-AF29-8E6119E4885A}"/>
+                <a16:creationId xmlns:a16="http://schemas.microsoft.com/office/drawing/2014/main" id="{C3333FD4-2201-4BD6-AF29-8E6119E4885A}"/>
               </a:ext>
             </a:extLst>
           </p:cNvPr>
@@ -14145,7 +13054,7 @@
           <p:cNvPr id="22" name="Rectangle 21">
             <a:extLst>
               <a:ext uri="{FF2B5EF4-FFF2-40B4-BE49-F238E27FC236}">
-                <a16:creationId xmlns="" xmlns:a16="http://schemas.microsoft.com/office/drawing/2014/main" id="{906505D0-48F8-476C-93E3-D16660D3D725}"/>
+                <a16:creationId xmlns:a16="http://schemas.microsoft.com/office/drawing/2014/main" id="{906505D0-48F8-476C-93E3-D16660D3D725}"/>
               </a:ext>
             </a:extLst>
           </p:cNvPr>
@@ -14220,7 +13129,7 @@
               <a:t>“</a:t>
             </a:r>
             <a:r>
-              <a:rPr lang="en-US" sz="1050" dirty="0" err="1" smtClean="0">
+              <a:rPr lang="en-US" sz="1050" dirty="0" err="1">
                 <a:solidFill>
                   <a:srgbClr val="DD1144"/>
                 </a:solidFill>
@@ -14231,7 +13140,7 @@
               <a:t>null_resource</a:t>
             </a:r>
             <a:r>
-              <a:rPr lang="en-US" sz="1050" dirty="0" smtClean="0">
+              <a:rPr lang="en-US" sz="1050" dirty="0">
                 <a:solidFill>
                   <a:srgbClr val="DD1144"/>
                 </a:solidFill>
@@ -14242,7 +13151,7 @@
               <a:t>"</a:t>
             </a:r>
             <a:r>
-              <a:rPr lang="en-US" sz="1050" dirty="0" smtClean="0">
+              <a:rPr lang="en-US" sz="1050" dirty="0">
                 <a:solidFill>
                   <a:srgbClr val="333333"/>
                 </a:solidFill>
@@ -14253,7 +13162,7 @@
               <a:t> </a:t>
             </a:r>
             <a:r>
-              <a:rPr lang="en-US" sz="1050" dirty="0" smtClean="0">
+              <a:rPr lang="en-US" sz="1050" dirty="0">
                 <a:solidFill>
                   <a:srgbClr val="DD1144"/>
                 </a:solidFill>
@@ -14264,7 +13173,7 @@
               <a:t>“</a:t>
             </a:r>
             <a:r>
-              <a:rPr lang="en-US" sz="1050" smtClean="0">
+              <a:rPr lang="en-US" sz="1050">
                 <a:solidFill>
                   <a:srgbClr val="DD1144"/>
                 </a:solidFill>
@@ -14275,7 +13184,7 @@
               <a:t>remotesrv"</a:t>
             </a:r>
             <a:r>
-              <a:rPr lang="en-US" sz="1050" smtClean="0">
+              <a:rPr lang="en-US" sz="1050">
                 <a:solidFill>
                   <a:srgbClr val="333333"/>
                 </a:solidFill>
@@ -14865,7 +13774,7 @@
 </p:sld>
 </file>
 
-<file path=ppt/slides/slide26.xml><?xml version="1.0" encoding="utf-8"?>
+<file path=ppt/slides/slide25.xml><?xml version="1.0" encoding="utf-8"?>
 <p:sld xmlns:a="http://schemas.openxmlformats.org/drawingml/2006/main" xmlns:r="http://schemas.openxmlformats.org/officeDocument/2006/relationships" xmlns:p="http://schemas.openxmlformats.org/presentationml/2006/main">
   <p:cSld>
     <p:spTree>
@@ -14887,7 +13796,7 @@
           <p:cNvPr id="4" name="TextBox 3">
             <a:extLst>
               <a:ext uri="{FF2B5EF4-FFF2-40B4-BE49-F238E27FC236}">
-                <a16:creationId xmlns="" xmlns:a16="http://schemas.microsoft.com/office/drawing/2014/main" id="{EDBF4371-BEF8-4D12-B9AA-44B7A66650A9}"/>
+                <a16:creationId xmlns:a16="http://schemas.microsoft.com/office/drawing/2014/main" id="{EDBF4371-BEF8-4D12-B9AA-44B7A66650A9}"/>
               </a:ext>
             </a:extLst>
           </p:cNvPr>
@@ -14912,7 +13821,7 @@
           <a:p>
             <a:pPr algn="ctr"/>
             <a:r>
-              <a:rPr lang="fr-FR" sz="4000" b="1" dirty="0" err="1" smtClean="0">
+              <a:rPr lang="fr-FR" sz="4000" b="1" dirty="0" err="1">
                 <a:solidFill>
                   <a:srgbClr val="5B4EE4"/>
                 </a:solidFill>
@@ -14920,7 +13829,7 @@
               <a:t>Terraform</a:t>
             </a:r>
             <a:r>
-              <a:rPr lang="fr-FR" sz="4000" b="1" dirty="0" smtClean="0">
+              <a:rPr lang="fr-FR" sz="4000" b="1" dirty="0">
                 <a:solidFill>
                   <a:srgbClr val="5B4EE4"/>
                 </a:solidFill>
@@ -15021,17 +13930,17 @@
           <a:lstStyle/>
           <a:p>
             <a:r>
-              <a:rPr lang="en-US" smtClean="0"/>
+              <a:rPr lang="en-US"/>
               <a:t>The current implementation of Terraform import can only import resources into the </a:t>
             </a:r>
             <a:r>
-              <a:rPr lang="en-US" smtClean="0">
+              <a:rPr lang="en-US">
                 <a:hlinkClick r:id="rId3"/>
               </a:rPr>
               <a:t>state</a:t>
             </a:r>
             <a:r>
-              <a:rPr lang="en-US" smtClean="0"/>
+              <a:rPr lang="en-US"/>
               <a:t>. It does not generate configuration. A future version of Terraform will also generate configuration.</a:t>
             </a:r>
             <a:endParaRPr lang="fr-FR" dirty="0"/>
@@ -15126,7 +14035,7 @@
           <p:cNvPr id="2" name="Picture 1">
             <a:extLst>
               <a:ext uri="{FF2B5EF4-FFF2-40B4-BE49-F238E27FC236}">
-                <a16:creationId xmlns="" xmlns:a16="http://schemas.microsoft.com/office/drawing/2014/main" id="{44764AFF-1B05-4E96-85BF-2C3ACA2A216B}"/>
+                <a16:creationId xmlns:a16="http://schemas.microsoft.com/office/drawing/2014/main" id="{44764AFF-1B05-4E96-85BF-2C3ACA2A216B}"/>
               </a:ext>
             </a:extLst>
           </p:cNvPr>
@@ -15155,7 +14064,7 @@
           <p:cNvPr id="3" name="Rectangle 2">
             <a:extLst>
               <a:ext uri="{FF2B5EF4-FFF2-40B4-BE49-F238E27FC236}">
-                <a16:creationId xmlns="" xmlns:a16="http://schemas.microsoft.com/office/drawing/2014/main" id="{402DD146-BC82-4487-B7A8-C930699764EC}"/>
+                <a16:creationId xmlns:a16="http://schemas.microsoft.com/office/drawing/2014/main" id="{402DD146-BC82-4487-B7A8-C930699764EC}"/>
               </a:ext>
             </a:extLst>
           </p:cNvPr>
@@ -15199,7 +14108,7 @@
           <p:cNvPr id="4" name="Rectangle 3">
             <a:extLst>
               <a:ext uri="{FF2B5EF4-FFF2-40B4-BE49-F238E27FC236}">
-                <a16:creationId xmlns="" xmlns:a16="http://schemas.microsoft.com/office/drawing/2014/main" id="{91B23CED-EB00-4E78-A42C-429AACEC7007}"/>
+                <a16:creationId xmlns:a16="http://schemas.microsoft.com/office/drawing/2014/main" id="{91B23CED-EB00-4E78-A42C-429AACEC7007}"/>
               </a:ext>
             </a:extLst>
           </p:cNvPr>
@@ -15293,7 +14202,7 @@
           <p:cNvPr id="2" name="Rectangle 1">
             <a:extLst>
               <a:ext uri="{FF2B5EF4-FFF2-40B4-BE49-F238E27FC236}">
-                <a16:creationId xmlns="" xmlns:a16="http://schemas.microsoft.com/office/drawing/2014/main" id="{9D663FE5-3221-44FC-A657-F694F49888C9}"/>
+                <a16:creationId xmlns:a16="http://schemas.microsoft.com/office/drawing/2014/main" id="{9D663FE5-3221-44FC-A657-F694F49888C9}"/>
               </a:ext>
             </a:extLst>
           </p:cNvPr>
@@ -15373,7 +14282,7 @@
           <p:cNvPr id="3" name="Rectangle 2">
             <a:extLst>
               <a:ext uri="{FF2B5EF4-FFF2-40B4-BE49-F238E27FC236}">
-                <a16:creationId xmlns="" xmlns:a16="http://schemas.microsoft.com/office/drawing/2014/main" id="{24C6ED59-43DC-421D-94E7-0D4B06F6C954}"/>
+                <a16:creationId xmlns:a16="http://schemas.microsoft.com/office/drawing/2014/main" id="{24C6ED59-43DC-421D-94E7-0D4B06F6C954}"/>
               </a:ext>
             </a:extLst>
           </p:cNvPr>
@@ -15417,7 +14326,7 @@
           <p:cNvPr id="4" name="Picture 3">
             <a:extLst>
               <a:ext uri="{FF2B5EF4-FFF2-40B4-BE49-F238E27FC236}">
-                <a16:creationId xmlns="" xmlns:a16="http://schemas.microsoft.com/office/drawing/2014/main" id="{9940F54F-EBB8-4401-8DD3-010497A9A95C}"/>
+                <a16:creationId xmlns:a16="http://schemas.microsoft.com/office/drawing/2014/main" id="{9940F54F-EBB8-4401-8DD3-010497A9A95C}"/>
               </a:ext>
             </a:extLst>
           </p:cNvPr>
@@ -15489,7 +14398,7 @@
           <p:cNvPr id="4" name="TextBox 3">
             <a:extLst>
               <a:ext uri="{FF2B5EF4-FFF2-40B4-BE49-F238E27FC236}">
-                <a16:creationId xmlns="" xmlns:a16="http://schemas.microsoft.com/office/drawing/2014/main" id="{EDBF4371-BEF8-4D12-B9AA-44B7A66650A9}"/>
+                <a16:creationId xmlns:a16="http://schemas.microsoft.com/office/drawing/2014/main" id="{EDBF4371-BEF8-4D12-B9AA-44B7A66650A9}"/>
               </a:ext>
             </a:extLst>
           </p:cNvPr>
@@ -15514,7 +14423,7 @@
           <a:p>
             <a:pPr algn="ctr"/>
             <a:r>
-              <a:rPr lang="fr-FR" sz="4000" b="1" dirty="0" smtClean="0">
+              <a:rPr lang="fr-FR" sz="4000" b="1" dirty="0">
                 <a:solidFill>
                   <a:srgbClr val="5B4EE4"/>
                 </a:solidFill>
@@ -15534,7 +14443,7 @@
           <p:cNvPr id="9" name="TextBox 8">
             <a:extLst>
               <a:ext uri="{FF2B5EF4-FFF2-40B4-BE49-F238E27FC236}">
-                <a16:creationId xmlns="" xmlns:a16="http://schemas.microsoft.com/office/drawing/2014/main" id="{2465AA07-70ED-46D3-98A7-7164EA111710}"/>
+                <a16:creationId xmlns:a16="http://schemas.microsoft.com/office/drawing/2014/main" id="{2465AA07-70ED-46D3-98A7-7164EA111710}"/>
               </a:ext>
             </a:extLst>
           </p:cNvPr>
@@ -15543,8 +14452,8 @@
         </p:nvSpPr>
         <p:spPr>
           <a:xfrm>
-            <a:off x="777240" y="1847879"/>
-            <a:ext cx="10134600" cy="1477328"/>
+            <a:off x="777239" y="1472889"/>
+            <a:ext cx="10134600" cy="1200329"/>
           </a:xfrm>
           <a:prstGeom prst="rect">
             <a:avLst/>
@@ -15567,53 +14476,13 @@
             </a:r>
             <a:r>
               <a:rPr lang="fr-FR" dirty="0"/>
-              <a:t> provider au niveau d’un fichier provider.tf</a:t>
-            </a:r>
-          </a:p>
-          <a:p>
-            <a:r>
+              <a:t> provider et spécifier les informations d’authentification</a:t>
+            </a:r>
+            <a:endParaRPr lang="fr-FR" b="1" dirty="0"/>
+          </a:p>
+          <a:p>
+            <a:br>
               <a:rPr lang="fr-FR" dirty="0"/>
-              <a:t>Y spécifier les informations d’authentification (for </a:t>
-            </a:r>
-            <a:r>
-              <a:rPr lang="fr-FR" dirty="0" err="1"/>
-              <a:t>example</a:t>
-            </a:r>
-            <a:r>
-              <a:rPr lang="fr-FR" dirty="0"/>
-              <a:t> : service </a:t>
-            </a:r>
-            <a:r>
-              <a:rPr lang="fr-FR" dirty="0" err="1"/>
-              <a:t>account’s</a:t>
-            </a:r>
-            <a:r>
-              <a:rPr lang="fr-FR" dirty="0"/>
-              <a:t> </a:t>
-            </a:r>
-            <a:r>
-              <a:rPr lang="fr-FR" dirty="0" err="1"/>
-              <a:t>private</a:t>
-            </a:r>
-            <a:r>
-              <a:rPr lang="fr-FR" dirty="0"/>
-              <a:t> key for GCP Project)</a:t>
-            </a:r>
-          </a:p>
-          <a:p>
-            <a:endParaRPr lang="fr-FR" b="1" dirty="0"/>
-          </a:p>
-          <a:p>
-            <a:r>
-              <a:rPr lang="fr-FR" b="1" dirty="0"/>
-              <a:t>provider.tf </a:t>
-            </a:r>
-            <a:r>
-              <a:rPr lang="fr-FR" dirty="0" smtClean="0"/>
-              <a:t>:</a:t>
-            </a:r>
-            <a:br>
-              <a:rPr lang="fr-FR" dirty="0" smtClean="0"/>
             </a:br>
             <a:endParaRPr lang="fr-FR" dirty="0"/>
           </a:p>
@@ -15627,7 +14496,7 @@
         </p:nvSpPr>
         <p:spPr>
           <a:xfrm>
-            <a:off x="777239" y="6002944"/>
+            <a:off x="2312741" y="6167935"/>
             <a:ext cx="8140423" cy="646331"/>
           </a:xfrm>
           <a:prstGeom prst="rect">
@@ -15644,18 +14513,12 @@
               <a:rPr lang="fr-FR" dirty="0">
                 <a:hlinkClick r:id="rId2"/>
               </a:rPr>
-              <a:t>https://</a:t>
-            </a:r>
-            <a:r>
-              <a:rPr lang="fr-FR" dirty="0" smtClean="0">
-                <a:hlinkClick r:id="rId2"/>
-              </a:rPr>
-              <a:t>registry.terraform.io/providers/hashicorp/azurerm/latest/docs</a:t>
-            </a:r>
-            <a:endParaRPr lang="fr-FR" dirty="0" smtClean="0"/>
-          </a:p>
-          <a:p>
-            <a:endParaRPr lang="fr-FR" dirty="0" smtClean="0"/>
+              <a:t>https://registry.terraform.io/providers/hashicorp/azurerm/latest/docs</a:t>
+            </a:r>
+            <a:endParaRPr lang="fr-FR" dirty="0"/>
+          </a:p>
+          <a:p>
+            <a:endParaRPr lang="fr-FR" dirty="0"/>
           </a:p>
         </p:txBody>
       </p:sp>
@@ -15682,8 +14545,8 @@
         </p:blipFill>
         <p:spPr bwMode="auto">
           <a:xfrm>
-            <a:off x="3074548" y="2840040"/>
-            <a:ext cx="4313080" cy="2658900"/>
+            <a:off x="3131607" y="2448043"/>
+            <a:ext cx="5425865" cy="3344903"/>
           </a:xfrm>
           <a:prstGeom prst="rect">
             <a:avLst/>
@@ -15765,7 +14628,7 @@
           <p:cNvPr id="4" name="TextBox 3">
             <a:extLst>
               <a:ext uri="{FF2B5EF4-FFF2-40B4-BE49-F238E27FC236}">
-                <a16:creationId xmlns="" xmlns:a16="http://schemas.microsoft.com/office/drawing/2014/main" id="{EDBF4371-BEF8-4D12-B9AA-44B7A66650A9}"/>
+                <a16:creationId xmlns:a16="http://schemas.microsoft.com/office/drawing/2014/main" id="{EDBF4371-BEF8-4D12-B9AA-44B7A66650A9}"/>
               </a:ext>
             </a:extLst>
           </p:cNvPr>
@@ -15919,7 +14782,7 @@
           <p:cNvPr id="4" name="TextBox 3">
             <a:extLst>
               <a:ext uri="{FF2B5EF4-FFF2-40B4-BE49-F238E27FC236}">
-                <a16:creationId xmlns="" xmlns:a16="http://schemas.microsoft.com/office/drawing/2014/main" id="{EDBF4371-BEF8-4D12-B9AA-44B7A66650A9}"/>
+                <a16:creationId xmlns:a16="http://schemas.microsoft.com/office/drawing/2014/main" id="{EDBF4371-BEF8-4D12-B9AA-44B7A66650A9}"/>
               </a:ext>
             </a:extLst>
           </p:cNvPr>
@@ -15980,7 +14843,7 @@
           <p:cNvPr id="2" name="TextBox 1">
             <a:extLst>
               <a:ext uri="{FF2B5EF4-FFF2-40B4-BE49-F238E27FC236}">
-                <a16:creationId xmlns="" xmlns:a16="http://schemas.microsoft.com/office/drawing/2014/main" id="{69E7020C-67B5-4B70-BF56-0F7CAAB9739B}"/>
+                <a16:creationId xmlns:a16="http://schemas.microsoft.com/office/drawing/2014/main" id="{69E7020C-67B5-4B70-BF56-0F7CAAB9739B}"/>
               </a:ext>
             </a:extLst>
           </p:cNvPr>
@@ -16355,7 +15218,7 @@
           <p:cNvPr id="4" name="TextBox 3">
             <a:extLst>
               <a:ext uri="{FF2B5EF4-FFF2-40B4-BE49-F238E27FC236}">
-                <a16:creationId xmlns="" xmlns:a16="http://schemas.microsoft.com/office/drawing/2014/main" id="{EDBF4371-BEF8-4D12-B9AA-44B7A66650A9}"/>
+                <a16:creationId xmlns:a16="http://schemas.microsoft.com/office/drawing/2014/main" id="{EDBF4371-BEF8-4D12-B9AA-44B7A66650A9}"/>
               </a:ext>
             </a:extLst>
           </p:cNvPr>
@@ -16522,7 +15385,7 @@
           <p:cNvPr id="4" name="TextBox 3">
             <a:extLst>
               <a:ext uri="{FF2B5EF4-FFF2-40B4-BE49-F238E27FC236}">
-                <a16:creationId xmlns="" xmlns:a16="http://schemas.microsoft.com/office/drawing/2014/main" id="{EDBF4371-BEF8-4D12-B9AA-44B7A66650A9}"/>
+                <a16:creationId xmlns:a16="http://schemas.microsoft.com/office/drawing/2014/main" id="{EDBF4371-BEF8-4D12-B9AA-44B7A66650A9}"/>
               </a:ext>
             </a:extLst>
           </p:cNvPr>
@@ -16583,7 +15446,7 @@
           <p:cNvPr id="10242" name="Picture 2" descr="TERRAFORM COMMANDS&#10;$ terraform&#10;Usage: terraform [--version] [--help] &lt;command&gt; [args]&#10;Common commands:&#10;apply Builds or cha...">
             <a:extLst>
               <a:ext uri="{FF2B5EF4-FFF2-40B4-BE49-F238E27FC236}">
-                <a16:creationId xmlns="" xmlns:a16="http://schemas.microsoft.com/office/drawing/2014/main" id="{65DFF741-E550-49C0-AA23-4E3A66A0A41F}"/>
+                <a16:creationId xmlns:a16="http://schemas.microsoft.com/office/drawing/2014/main" id="{65DFF741-E550-49C0-AA23-4E3A66A0A41F}"/>
               </a:ext>
             </a:extLst>
           </p:cNvPr>
@@ -16843,7 +15706,7 @@
   <a:extraClrSchemeLst/>
   <a:extLst>
     <a:ext uri="{05A4C25C-085E-4340-85A3-A5531E510DB2}">
-      <thm15:themeFamily xmlns="" xmlns:thm15="http://schemas.microsoft.com/office/thememl/2012/main" name="Office Theme" id="{62F939B6-93AF-4DB8-9C6B-D6C7DFDC589F}" vid="{4A3C46E8-61CC-4603-A589-7422A47A8E4A}"/>
+      <thm15:themeFamily xmlns:thm15="http://schemas.microsoft.com/office/thememl/2012/main" name="Office Theme" id="{62F939B6-93AF-4DB8-9C6B-D6C7DFDC589F}" vid="{4A3C46E8-61CC-4603-A589-7422A47A8E4A}"/>
     </a:ext>
   </a:extLst>
 </a:theme>

--- a/Slide TERRAFORM Z.pptx
+++ b/Slide TERRAFORM Z.pptx
@@ -20,16 +20,17 @@
     <p:sldId id="289" r:id="rId14"/>
     <p:sldId id="267" r:id="rId15"/>
     <p:sldId id="266" r:id="rId16"/>
-    <p:sldId id="262" r:id="rId17"/>
-    <p:sldId id="269" r:id="rId18"/>
-    <p:sldId id="284" r:id="rId19"/>
-    <p:sldId id="285" r:id="rId20"/>
-    <p:sldId id="263" r:id="rId21"/>
-    <p:sldId id="273" r:id="rId22"/>
-    <p:sldId id="288" r:id="rId23"/>
-    <p:sldId id="290" r:id="rId24"/>
-    <p:sldId id="276" r:id="rId25"/>
-    <p:sldId id="287" r:id="rId26"/>
+    <p:sldId id="284" r:id="rId17"/>
+    <p:sldId id="285" r:id="rId18"/>
+    <p:sldId id="262" r:id="rId19"/>
+    <p:sldId id="269" r:id="rId20"/>
+    <p:sldId id="291" r:id="rId21"/>
+    <p:sldId id="263" r:id="rId22"/>
+    <p:sldId id="273" r:id="rId23"/>
+    <p:sldId id="288" r:id="rId24"/>
+    <p:sldId id="290" r:id="rId25"/>
+    <p:sldId id="276" r:id="rId26"/>
+    <p:sldId id="287" r:id="rId27"/>
   </p:sldIdLst>
   <p:sldSz cx="12192000" cy="6858000"/>
   <p:notesSz cx="6858000" cy="9144000"/>
@@ -307,7 +308,7 @@
             <a:fld id="{4630115F-65E7-4948-BBBD-A84F05213A84}" type="datetimeFigureOut">
               <a:rPr lang="en-US" smtClean="0"/>
               <a:pPr/>
-              <a:t>10/18/2021</a:t>
+              <a:t>10/20/2021</a:t>
             </a:fld>
             <a:endParaRPr lang="en-US"/>
           </a:p>
@@ -362,7 +363,7 @@
             <a:fld id="{D601DDA6-1DBC-4F4A-8EE5-258398DC1DCD}" type="slidenum">
               <a:rPr lang="en-US" smtClean="0"/>
               <a:pPr/>
-              <a:t>‹#›</a:t>
+              <a:t>‹N°›</a:t>
             </a:fld>
             <a:endParaRPr lang="en-US"/>
           </a:p>
@@ -519,7 +520,7 @@
             <a:fld id="{4630115F-65E7-4948-BBBD-A84F05213A84}" type="datetimeFigureOut">
               <a:rPr lang="en-US" smtClean="0"/>
               <a:pPr/>
-              <a:t>10/18/2021</a:t>
+              <a:t>10/20/2021</a:t>
             </a:fld>
             <a:endParaRPr lang="en-US"/>
           </a:p>
@@ -574,7 +575,7 @@
             <a:fld id="{D601DDA6-1DBC-4F4A-8EE5-258398DC1DCD}" type="slidenum">
               <a:rPr lang="en-US" smtClean="0"/>
               <a:pPr/>
-              <a:t>‹#›</a:t>
+              <a:t>‹N°›</a:t>
             </a:fld>
             <a:endParaRPr lang="en-US"/>
           </a:p>
@@ -741,7 +742,7 @@
             <a:fld id="{4630115F-65E7-4948-BBBD-A84F05213A84}" type="datetimeFigureOut">
               <a:rPr lang="en-US" smtClean="0"/>
               <a:pPr/>
-              <a:t>10/18/2021</a:t>
+              <a:t>10/20/2021</a:t>
             </a:fld>
             <a:endParaRPr lang="en-US"/>
           </a:p>
@@ -796,7 +797,7 @@
             <a:fld id="{D601DDA6-1DBC-4F4A-8EE5-258398DC1DCD}" type="slidenum">
               <a:rPr lang="en-US" smtClean="0"/>
               <a:pPr/>
-              <a:t>‹#›</a:t>
+              <a:t>‹N°›</a:t>
             </a:fld>
             <a:endParaRPr lang="en-US"/>
           </a:p>
@@ -953,7 +954,7 @@
             <a:fld id="{4630115F-65E7-4948-BBBD-A84F05213A84}" type="datetimeFigureOut">
               <a:rPr lang="en-US" smtClean="0"/>
               <a:pPr/>
-              <a:t>10/18/2021</a:t>
+              <a:t>10/20/2021</a:t>
             </a:fld>
             <a:endParaRPr lang="en-US"/>
           </a:p>
@@ -1008,7 +1009,7 @@
             <a:fld id="{D601DDA6-1DBC-4F4A-8EE5-258398DC1DCD}" type="slidenum">
               <a:rPr lang="en-US" smtClean="0"/>
               <a:pPr/>
-              <a:t>‹#›</a:t>
+              <a:t>‹N°›</a:t>
             </a:fld>
             <a:endParaRPr lang="en-US"/>
           </a:p>
@@ -1242,7 +1243,7 @@
             <a:fld id="{4630115F-65E7-4948-BBBD-A84F05213A84}" type="datetimeFigureOut">
               <a:rPr lang="en-US" smtClean="0"/>
               <a:pPr/>
-              <a:t>10/18/2021</a:t>
+              <a:t>10/20/2021</a:t>
             </a:fld>
             <a:endParaRPr lang="en-US"/>
           </a:p>
@@ -1297,7 +1298,7 @@
             <a:fld id="{D601DDA6-1DBC-4F4A-8EE5-258398DC1DCD}" type="slidenum">
               <a:rPr lang="en-US" smtClean="0"/>
               <a:pPr/>
-              <a:t>‹#›</a:t>
+              <a:t>‹N°›</a:t>
             </a:fld>
             <a:endParaRPr lang="en-US"/>
           </a:p>
@@ -1521,7 +1522,7 @@
             <a:fld id="{4630115F-65E7-4948-BBBD-A84F05213A84}" type="datetimeFigureOut">
               <a:rPr lang="en-US" smtClean="0"/>
               <a:pPr/>
-              <a:t>10/18/2021</a:t>
+              <a:t>10/20/2021</a:t>
             </a:fld>
             <a:endParaRPr lang="en-US"/>
           </a:p>
@@ -1576,7 +1577,7 @@
             <a:fld id="{D601DDA6-1DBC-4F4A-8EE5-258398DC1DCD}" type="slidenum">
               <a:rPr lang="en-US" smtClean="0"/>
               <a:pPr/>
-              <a:t>‹#›</a:t>
+              <a:t>‹N°›</a:t>
             </a:fld>
             <a:endParaRPr lang="en-US"/>
           </a:p>
@@ -1947,7 +1948,7 @@
             <a:fld id="{4630115F-65E7-4948-BBBD-A84F05213A84}" type="datetimeFigureOut">
               <a:rPr lang="en-US" smtClean="0"/>
               <a:pPr/>
-              <a:t>10/18/2021</a:t>
+              <a:t>10/20/2021</a:t>
             </a:fld>
             <a:endParaRPr lang="en-US"/>
           </a:p>
@@ -2002,7 +2003,7 @@
             <a:fld id="{D601DDA6-1DBC-4F4A-8EE5-258398DC1DCD}" type="slidenum">
               <a:rPr lang="en-US" smtClean="0"/>
               <a:pPr/>
-              <a:t>‹#›</a:t>
+              <a:t>‹N°›</a:t>
             </a:fld>
             <a:endParaRPr lang="en-US"/>
           </a:p>
@@ -2102,7 +2103,7 @@
             <a:fld id="{4630115F-65E7-4948-BBBD-A84F05213A84}" type="datetimeFigureOut">
               <a:rPr lang="en-US" smtClean="0"/>
               <a:pPr/>
-              <a:t>10/18/2021</a:t>
+              <a:t>10/20/2021</a:t>
             </a:fld>
             <a:endParaRPr lang="en-US"/>
           </a:p>
@@ -2157,7 +2158,7 @@
             <a:fld id="{D601DDA6-1DBC-4F4A-8EE5-258398DC1DCD}" type="slidenum">
               <a:rPr lang="en-US" smtClean="0"/>
               <a:pPr/>
-              <a:t>‹#›</a:t>
+              <a:t>‹N°›</a:t>
             </a:fld>
             <a:endParaRPr lang="en-US"/>
           </a:p>
@@ -2229,7 +2230,7 @@
             <a:fld id="{4630115F-65E7-4948-BBBD-A84F05213A84}" type="datetimeFigureOut">
               <a:rPr lang="en-US" smtClean="0"/>
               <a:pPr/>
-              <a:t>10/18/2021</a:t>
+              <a:t>10/20/2021</a:t>
             </a:fld>
             <a:endParaRPr lang="en-US"/>
           </a:p>
@@ -2284,7 +2285,7 @@
             <a:fld id="{D601DDA6-1DBC-4F4A-8EE5-258398DC1DCD}" type="slidenum">
               <a:rPr lang="en-US" smtClean="0"/>
               <a:pPr/>
-              <a:t>‹#›</a:t>
+              <a:t>‹N°›</a:t>
             </a:fld>
             <a:endParaRPr lang="en-US"/>
           </a:p>
@@ -2554,7 +2555,7 @@
             <a:fld id="{4630115F-65E7-4948-BBBD-A84F05213A84}" type="datetimeFigureOut">
               <a:rPr lang="en-US" smtClean="0"/>
               <a:pPr/>
-              <a:t>10/18/2021</a:t>
+              <a:t>10/20/2021</a:t>
             </a:fld>
             <a:endParaRPr lang="en-US"/>
           </a:p>
@@ -2609,7 +2610,7 @@
             <a:fld id="{D601DDA6-1DBC-4F4A-8EE5-258398DC1DCD}" type="slidenum">
               <a:rPr lang="en-US" smtClean="0"/>
               <a:pPr/>
-              <a:t>‹#›</a:t>
+              <a:t>‹N°›</a:t>
             </a:fld>
             <a:endParaRPr lang="en-US"/>
           </a:p>
@@ -2856,7 +2857,7 @@
             <a:fld id="{4630115F-65E7-4948-BBBD-A84F05213A84}" type="datetimeFigureOut">
               <a:rPr lang="en-US" smtClean="0"/>
               <a:pPr/>
-              <a:t>10/18/2021</a:t>
+              <a:t>10/20/2021</a:t>
             </a:fld>
             <a:endParaRPr lang="en-US"/>
           </a:p>
@@ -2911,7 +2912,7 @@
             <a:fld id="{D601DDA6-1DBC-4F4A-8EE5-258398DC1DCD}" type="slidenum">
               <a:rPr lang="en-US" smtClean="0"/>
               <a:pPr/>
-              <a:t>‹#›</a:t>
+              <a:t>‹N°›</a:t>
             </a:fld>
             <a:endParaRPr lang="en-US"/>
           </a:p>
@@ -3114,7 +3115,7 @@
             <a:fld id="{4630115F-65E7-4948-BBBD-A84F05213A84}" type="datetimeFigureOut">
               <a:rPr lang="en-US" smtClean="0"/>
               <a:pPr/>
-              <a:t>10/18/2021</a:t>
+              <a:t>10/20/2021</a:t>
             </a:fld>
             <a:endParaRPr lang="en-US"/>
           </a:p>
@@ -3205,7 +3206,7 @@
             <a:fld id="{D601DDA6-1DBC-4F4A-8EE5-258398DC1DCD}" type="slidenum">
               <a:rPr lang="en-US" smtClean="0"/>
               <a:pPr/>
-              <a:t>‹#›</a:t>
+              <a:t>‹N°›</a:t>
             </a:fld>
             <a:endParaRPr lang="en-US"/>
           </a:p>
@@ -7577,419 +7578,6 @@
         </p:nvSpPr>
         <p:spPr>
           <a:xfrm>
-            <a:off x="0" y="701040"/>
-            <a:ext cx="12192000" cy="707886"/>
-          </a:xfrm>
-          <a:prstGeom prst="rect">
-            <a:avLst/>
-          </a:prstGeom>
-          <a:noFill/>
-        </p:spPr>
-        <p:txBody>
-          <a:bodyPr wrap="square" rtlCol="0">
-            <a:spAutoFit/>
-          </a:bodyPr>
-          <a:lstStyle/>
-          <a:p>
-            <a:pPr algn="ctr"/>
-            <a:r>
-              <a:rPr lang="fr-FR" sz="4000" b="1" dirty="0" err="1">
-                <a:solidFill>
-                  <a:srgbClr val="5B4EE4"/>
-                </a:solidFill>
-              </a:rPr>
-              <a:t>Terraform</a:t>
-            </a:r>
-            <a:r>
-              <a:rPr lang="fr-FR" sz="4000" b="1" dirty="0">
-                <a:solidFill>
-                  <a:srgbClr val="5B4EE4"/>
-                </a:solidFill>
-              </a:rPr>
-              <a:t> state</a:t>
-            </a:r>
-            <a:endParaRPr lang="fr-FR" b="1" dirty="0">
-              <a:solidFill>
-                <a:srgbClr val="5B4EE4"/>
-              </a:solidFill>
-            </a:endParaRPr>
-          </a:p>
-        </p:txBody>
-      </p:sp>
-      <p:sp>
-        <p:nvSpPr>
-          <p:cNvPr id="2" name="TextBox 1">
-            <a:extLst>
-              <a:ext uri="{FF2B5EF4-FFF2-40B4-BE49-F238E27FC236}">
-                <a16:creationId xmlns:a16="http://schemas.microsoft.com/office/drawing/2014/main" id="{69E7020C-67B5-4B70-BF56-0F7CAAB9739B}"/>
-              </a:ext>
-            </a:extLst>
-          </p:cNvPr>
-          <p:cNvSpPr txBox="1"/>
-          <p:nvPr/>
-        </p:nvSpPr>
-        <p:spPr>
-          <a:xfrm>
-            <a:off x="899360" y="2026468"/>
-            <a:ext cx="10699082" cy="3359061"/>
-          </a:xfrm>
-          <a:prstGeom prst="rect">
-            <a:avLst/>
-          </a:prstGeom>
-          <a:noFill/>
-        </p:spPr>
-        <p:txBody>
-          <a:bodyPr wrap="square" rtlCol="0">
-            <a:spAutoFit/>
-          </a:bodyPr>
-          <a:lstStyle/>
-          <a:p>
-            <a:pPr>
-              <a:lnSpc>
-                <a:spcPct val="150000"/>
-              </a:lnSpc>
-            </a:pPr>
-            <a:r>
-              <a:rPr lang="en-US" sz="2400" dirty="0"/>
-              <a:t>Terraform stores state about your managed infrastructure and configuration.</a:t>
-            </a:r>
-          </a:p>
-          <a:p>
-            <a:pPr>
-              <a:lnSpc>
-                <a:spcPct val="150000"/>
-              </a:lnSpc>
-            </a:pPr>
-            <a:endParaRPr lang="en-US" sz="2400" dirty="0"/>
-          </a:p>
-          <a:p>
-            <a:r>
-              <a:rPr lang="en-US" sz="2400" dirty="0"/>
-              <a:t>This state is used by Terraform to map real world resources to your configuration, keep track of metadata, and to improve performance for large infrastructures.</a:t>
-            </a:r>
-          </a:p>
-          <a:p>
-            <a:endParaRPr lang="en-US" sz="2400" dirty="0"/>
-          </a:p>
-          <a:p>
-            <a:pPr>
-              <a:lnSpc>
-                <a:spcPct val="150000"/>
-              </a:lnSpc>
-            </a:pPr>
-            <a:r>
-              <a:rPr lang="en-US" sz="2400" dirty="0"/>
-              <a:t>This state is stored by default in a local file named "</a:t>
-            </a:r>
-            <a:r>
-              <a:rPr lang="en-US" sz="2400" b="1" dirty="0" err="1">
-                <a:solidFill>
-                  <a:srgbClr val="5B4EE4"/>
-                </a:solidFill>
-              </a:rPr>
-              <a:t>terraform.tfstate</a:t>
-            </a:r>
-            <a:r>
-              <a:rPr lang="en-US" sz="2400" dirty="0"/>
-              <a:t>", but it can also be stored remotely, which works better in a team environment.</a:t>
-            </a:r>
-          </a:p>
-        </p:txBody>
-      </p:sp>
-    </p:spTree>
-    <p:extLst>
-      <p:ext uri="{BB962C8B-B14F-4D97-AF65-F5344CB8AC3E}">
-        <p14:creationId xmlns:p14="http://schemas.microsoft.com/office/powerpoint/2010/main" val="3076054726"/>
-      </p:ext>
-    </p:extLst>
-  </p:cSld>
-  <p:clrMapOvr>
-    <a:masterClrMapping/>
-  </p:clrMapOvr>
-  <mc:AlternateContent xmlns:mc="http://schemas.openxmlformats.org/markup-compatibility/2006" xmlns:p14="http://schemas.microsoft.com/office/powerpoint/2010/main">
-    <mc:Choice Requires="p14">
-      <p:transition spd="med" p14:dur="700">
-        <p:fade/>
-      </p:transition>
-    </mc:Choice>
-    <mc:Fallback xmlns="">
-      <p:transition spd="med">
-        <p:fade/>
-      </p:transition>
-    </mc:Fallback>
-  </mc:AlternateContent>
-</p:sld>
-</file>
-
-<file path=ppt/slides/slide17.xml><?xml version="1.0" encoding="utf-8"?>
-<p:sld xmlns:a="http://schemas.openxmlformats.org/drawingml/2006/main" xmlns:r="http://schemas.openxmlformats.org/officeDocument/2006/relationships" xmlns:p="http://schemas.openxmlformats.org/presentationml/2006/main">
-  <p:cSld>
-    <p:spTree>
-      <p:nvGrpSpPr>
-        <p:cNvPr id="1" name=""/>
-        <p:cNvGrpSpPr/>
-        <p:nvPr/>
-      </p:nvGrpSpPr>
-      <p:grpSpPr>
-        <a:xfrm>
-          <a:off x="0" y="0"/>
-          <a:ext cx="0" cy="0"/>
-          <a:chOff x="0" y="0"/>
-          <a:chExt cx="0" cy="0"/>
-        </a:xfrm>
-      </p:grpSpPr>
-      <p:sp>
-        <p:nvSpPr>
-          <p:cNvPr id="4" name="TextBox 3">
-            <a:extLst>
-              <a:ext uri="{FF2B5EF4-FFF2-40B4-BE49-F238E27FC236}">
-                <a16:creationId xmlns:a16="http://schemas.microsoft.com/office/drawing/2014/main" id="{EDBF4371-BEF8-4D12-B9AA-44B7A66650A9}"/>
-              </a:ext>
-            </a:extLst>
-          </p:cNvPr>
-          <p:cNvSpPr txBox="1"/>
-          <p:nvPr/>
-        </p:nvSpPr>
-        <p:spPr>
-          <a:xfrm>
-            <a:off x="0" y="701040"/>
-            <a:ext cx="12192000" cy="707886"/>
-          </a:xfrm>
-          <a:prstGeom prst="rect">
-            <a:avLst/>
-          </a:prstGeom>
-          <a:noFill/>
-        </p:spPr>
-        <p:txBody>
-          <a:bodyPr wrap="square" rtlCol="0">
-            <a:spAutoFit/>
-          </a:bodyPr>
-          <a:lstStyle/>
-          <a:p>
-            <a:pPr algn="ctr"/>
-            <a:r>
-              <a:rPr lang="fr-FR" sz="4000" b="1" dirty="0">
-                <a:solidFill>
-                  <a:srgbClr val="5B4EE4"/>
-                </a:solidFill>
-              </a:rPr>
-              <a:t>Stockage fichier State</a:t>
-            </a:r>
-            <a:endParaRPr lang="fr-FR" b="1" dirty="0">
-              <a:solidFill>
-                <a:srgbClr val="5B4EE4"/>
-              </a:solidFill>
-            </a:endParaRPr>
-          </a:p>
-        </p:txBody>
-      </p:sp>
-      <p:sp>
-        <p:nvSpPr>
-          <p:cNvPr id="2" name="TextBox 1">
-            <a:extLst>
-              <a:ext uri="{FF2B5EF4-FFF2-40B4-BE49-F238E27FC236}">
-                <a16:creationId xmlns:a16="http://schemas.microsoft.com/office/drawing/2014/main" id="{69E7020C-67B5-4B70-BF56-0F7CAAB9739B}"/>
-              </a:ext>
-            </a:extLst>
-          </p:cNvPr>
-          <p:cNvSpPr txBox="1"/>
-          <p:nvPr/>
-        </p:nvSpPr>
-        <p:spPr>
-          <a:xfrm>
-            <a:off x="746459" y="1767388"/>
-            <a:ext cx="10699082" cy="1531445"/>
-          </a:xfrm>
-          <a:prstGeom prst="rect">
-            <a:avLst/>
-          </a:prstGeom>
-          <a:noFill/>
-        </p:spPr>
-        <p:txBody>
-          <a:bodyPr wrap="square" rtlCol="0">
-            <a:spAutoFit/>
-          </a:bodyPr>
-          <a:lstStyle/>
-          <a:p>
-            <a:pPr>
-              <a:lnSpc>
-                <a:spcPct val="150000"/>
-              </a:lnSpc>
-            </a:pPr>
-            <a:r>
-              <a:rPr lang="en-US" sz="1600" b="1" dirty="0"/>
-              <a:t>Backends</a:t>
-            </a:r>
-            <a:r>
-              <a:rPr lang="en-US" sz="1600" dirty="0"/>
-              <a:t> determine where state is stored. For example, the local (default) backend stores state in a local JSON file on disk.</a:t>
-            </a:r>
-          </a:p>
-          <a:p>
-            <a:pPr>
-              <a:lnSpc>
-                <a:spcPct val="150000"/>
-              </a:lnSpc>
-            </a:pPr>
-            <a:r>
-              <a:rPr lang="en-US" sz="1600" dirty="0"/>
-              <a:t>When using a remote backend, In the case of an error persisting the state to the backend, Terraform will write the state locally. This is to prevent data loss. If this happens the end user must manually push the state to the remote backend once the error is resolved.</a:t>
-            </a:r>
-          </a:p>
-        </p:txBody>
-      </p:sp>
-      <p:sp>
-        <p:nvSpPr>
-          <p:cNvPr id="5" name="TextBox 4">
-            <a:extLst>
-              <a:ext uri="{FF2B5EF4-FFF2-40B4-BE49-F238E27FC236}">
-                <a16:creationId xmlns:a16="http://schemas.microsoft.com/office/drawing/2014/main" id="{511BD908-9742-42FA-B403-3154F9A5D355}"/>
-              </a:ext>
-            </a:extLst>
-          </p:cNvPr>
-          <p:cNvSpPr txBox="1"/>
-          <p:nvPr/>
-        </p:nvSpPr>
-        <p:spPr>
-          <a:xfrm>
-            <a:off x="4884588" y="3678812"/>
-            <a:ext cx="1341421" cy="338554"/>
-          </a:xfrm>
-          <a:prstGeom prst="rect">
-            <a:avLst/>
-          </a:prstGeom>
-          <a:noFill/>
-        </p:spPr>
-        <p:txBody>
-          <a:bodyPr wrap="square" rtlCol="0">
-            <a:spAutoFit/>
-          </a:bodyPr>
-          <a:lstStyle/>
-          <a:p>
-            <a:r>
-              <a:rPr lang="fr-FR" sz="1600" b="1" dirty="0">
-                <a:solidFill>
-                  <a:srgbClr val="5B4EE4"/>
-                </a:solidFill>
-              </a:rPr>
-              <a:t>Backend.tf:</a:t>
-            </a:r>
-          </a:p>
-        </p:txBody>
-      </p:sp>
-      <p:pic>
-        <p:nvPicPr>
-          <p:cNvPr id="5122" name="Picture 2"/>
-          <p:cNvPicPr>
-            <a:picLocks noChangeAspect="1" noChangeArrowheads="1"/>
-          </p:cNvPicPr>
-          <p:nvPr/>
-        </p:nvPicPr>
-        <p:blipFill rotWithShape="1">
-          <a:blip r:embed="rId2">
-            <a:extLst>
-              <a:ext uri="{28A0092B-C50C-407E-A947-70E740481C1C}">
-                <a14:useLocalDpi xmlns:a14="http://schemas.microsoft.com/office/drawing/2010/main" val="0"/>
-              </a:ext>
-            </a:extLst>
-          </a:blip>
-          <a:srcRect r="31749"/>
-          <a:stretch/>
-        </p:blipFill>
-        <p:spPr bwMode="auto">
-          <a:xfrm>
-            <a:off x="2851843" y="4079735"/>
-            <a:ext cx="5604094" cy="2235270"/>
-          </a:xfrm>
-          <a:prstGeom prst="rect">
-            <a:avLst/>
-          </a:prstGeom>
-          <a:noFill/>
-          <a:ln w="9525">
-            <a:solidFill>
-              <a:schemeClr val="tx1"/>
-            </a:solidFill>
-            <a:miter lim="800000"/>
-            <a:headEnd/>
-            <a:tailEnd/>
-          </a:ln>
-          <a:effectLst/>
-          <a:extLst>
-            <a:ext uri="{909E8E84-426E-40DD-AFC4-6F175D3DCCD1}">
-              <a14:hiddenFill xmlns:a14="http://schemas.microsoft.com/office/drawing/2010/main">
-                <a:solidFill>
-                  <a:schemeClr val="accent1"/>
-                </a:solidFill>
-              </a14:hiddenFill>
-            </a:ext>
-            <a:ext uri="{AF507438-7753-43E0-B8FC-AC1667EBCBE1}">
-              <a14:hiddenEffects xmlns:a14="http://schemas.microsoft.com/office/drawing/2010/main">
-                <a:effectLst>
-                  <a:outerShdw dist="35921" dir="2700000" algn="ctr" rotWithShape="0">
-                    <a:schemeClr val="bg2"/>
-                  </a:outerShdw>
-                </a:effectLst>
-              </a14:hiddenEffects>
-            </a:ext>
-          </a:extLst>
-        </p:spPr>
-      </p:pic>
-    </p:spTree>
-    <p:extLst>
-      <p:ext uri="{BB962C8B-B14F-4D97-AF65-F5344CB8AC3E}">
-        <p14:creationId xmlns:p14="http://schemas.microsoft.com/office/powerpoint/2010/main" val="1653651491"/>
-      </p:ext>
-    </p:extLst>
-  </p:cSld>
-  <p:clrMapOvr>
-    <a:masterClrMapping/>
-  </p:clrMapOvr>
-  <mc:AlternateContent xmlns:mc="http://schemas.openxmlformats.org/markup-compatibility/2006" xmlns:p14="http://schemas.microsoft.com/office/powerpoint/2010/main">
-    <mc:Choice Requires="p14">
-      <p:transition spd="med" p14:dur="700">
-        <p:fade/>
-      </p:transition>
-    </mc:Choice>
-    <mc:Fallback xmlns="">
-      <p:transition spd="med">
-        <p:fade/>
-      </p:transition>
-    </mc:Fallback>
-  </mc:AlternateContent>
-</p:sld>
-</file>
-
-<file path=ppt/slides/slide18.xml><?xml version="1.0" encoding="utf-8"?>
-<p:sld xmlns:a="http://schemas.openxmlformats.org/drawingml/2006/main" xmlns:r="http://schemas.openxmlformats.org/officeDocument/2006/relationships" xmlns:p="http://schemas.openxmlformats.org/presentationml/2006/main">
-  <p:cSld>
-    <p:spTree>
-      <p:nvGrpSpPr>
-        <p:cNvPr id="1" name=""/>
-        <p:cNvGrpSpPr/>
-        <p:nvPr/>
-      </p:nvGrpSpPr>
-      <p:grpSpPr>
-        <a:xfrm>
-          <a:off x="0" y="0"/>
-          <a:ext cx="0" cy="0"/>
-          <a:chOff x="0" y="0"/>
-          <a:chExt cx="0" cy="0"/>
-        </a:xfrm>
-      </p:grpSpPr>
-      <p:sp>
-        <p:nvSpPr>
-          <p:cNvPr id="4" name="TextBox 3">
-            <a:extLst>
-              <a:ext uri="{FF2B5EF4-FFF2-40B4-BE49-F238E27FC236}">
-                <a16:creationId xmlns:a16="http://schemas.microsoft.com/office/drawing/2014/main" id="{EDBF4371-BEF8-4D12-B9AA-44B7A66650A9}"/>
-              </a:ext>
-            </a:extLst>
-          </p:cNvPr>
-          <p:cNvSpPr txBox="1"/>
-          <p:nvPr/>
-        </p:nvSpPr>
-        <p:spPr>
-          <a:xfrm>
             <a:off x="0" y="214532"/>
             <a:ext cx="12192000" cy="707886"/>
           </a:xfrm>
@@ -8250,7 +7838,7 @@
 </p:sld>
 </file>
 
-<file path=ppt/slides/slide19.xml><?xml version="1.0" encoding="utf-8"?>
+<file path=ppt/slides/slide17.xml><?xml version="1.0" encoding="utf-8"?>
 <p:sld xmlns:a="http://schemas.openxmlformats.org/drawingml/2006/main" xmlns:r="http://schemas.openxmlformats.org/officeDocument/2006/relationships" xmlns:p="http://schemas.openxmlformats.org/presentationml/2006/main">
   <p:cSld>
     <p:spTree>
@@ -8314,10 +7902,10 @@
       </p:sp>
       <p:pic>
         <p:nvPicPr>
-          <p:cNvPr id="3" name="Picture 2">
+          <p:cNvPr id="5" name="Image 4">
             <a:extLst>
               <a:ext uri="{FF2B5EF4-FFF2-40B4-BE49-F238E27FC236}">
-                <a16:creationId xmlns:a16="http://schemas.microsoft.com/office/drawing/2014/main" id="{FFD9B880-4FE6-4F51-9B19-C036D4E03655}"/>
+                <a16:creationId xmlns:a16="http://schemas.microsoft.com/office/drawing/2014/main" id="{4BCB01DB-91F0-44A0-9554-955ECDBAE855}"/>
               </a:ext>
             </a:extLst>
           </p:cNvPr>
@@ -8334,8 +7922,8 @@
         </p:blipFill>
         <p:spPr>
           <a:xfrm>
-            <a:off x="2831929" y="1394319"/>
-            <a:ext cx="6063201" cy="4661402"/>
+            <a:off x="2165402" y="2132370"/>
+            <a:ext cx="7861196" cy="2999989"/>
           </a:xfrm>
           <a:prstGeom prst="rect">
             <a:avLst/>
@@ -8346,6 +7934,419 @@
     <p:extLst>
       <p:ext uri="{BB962C8B-B14F-4D97-AF65-F5344CB8AC3E}">
         <p14:creationId xmlns:p14="http://schemas.microsoft.com/office/powerpoint/2010/main" val="2722421774"/>
+      </p:ext>
+    </p:extLst>
+  </p:cSld>
+  <p:clrMapOvr>
+    <a:masterClrMapping/>
+  </p:clrMapOvr>
+  <mc:AlternateContent xmlns:mc="http://schemas.openxmlformats.org/markup-compatibility/2006" xmlns:p14="http://schemas.microsoft.com/office/powerpoint/2010/main">
+    <mc:Choice Requires="p14">
+      <p:transition spd="med" p14:dur="700">
+        <p:fade/>
+      </p:transition>
+    </mc:Choice>
+    <mc:Fallback xmlns="">
+      <p:transition spd="med">
+        <p:fade/>
+      </p:transition>
+    </mc:Fallback>
+  </mc:AlternateContent>
+</p:sld>
+</file>
+
+<file path=ppt/slides/slide18.xml><?xml version="1.0" encoding="utf-8"?>
+<p:sld xmlns:a="http://schemas.openxmlformats.org/drawingml/2006/main" xmlns:r="http://schemas.openxmlformats.org/officeDocument/2006/relationships" xmlns:p="http://schemas.openxmlformats.org/presentationml/2006/main">
+  <p:cSld>
+    <p:spTree>
+      <p:nvGrpSpPr>
+        <p:cNvPr id="1" name=""/>
+        <p:cNvGrpSpPr/>
+        <p:nvPr/>
+      </p:nvGrpSpPr>
+      <p:grpSpPr>
+        <a:xfrm>
+          <a:off x="0" y="0"/>
+          <a:ext cx="0" cy="0"/>
+          <a:chOff x="0" y="0"/>
+          <a:chExt cx="0" cy="0"/>
+        </a:xfrm>
+      </p:grpSpPr>
+      <p:sp>
+        <p:nvSpPr>
+          <p:cNvPr id="4" name="TextBox 3">
+            <a:extLst>
+              <a:ext uri="{FF2B5EF4-FFF2-40B4-BE49-F238E27FC236}">
+                <a16:creationId xmlns:a16="http://schemas.microsoft.com/office/drawing/2014/main" id="{EDBF4371-BEF8-4D12-B9AA-44B7A66650A9}"/>
+              </a:ext>
+            </a:extLst>
+          </p:cNvPr>
+          <p:cNvSpPr txBox="1"/>
+          <p:nvPr/>
+        </p:nvSpPr>
+        <p:spPr>
+          <a:xfrm>
+            <a:off x="0" y="701040"/>
+            <a:ext cx="12192000" cy="707886"/>
+          </a:xfrm>
+          <a:prstGeom prst="rect">
+            <a:avLst/>
+          </a:prstGeom>
+          <a:noFill/>
+        </p:spPr>
+        <p:txBody>
+          <a:bodyPr wrap="square" rtlCol="0">
+            <a:spAutoFit/>
+          </a:bodyPr>
+          <a:lstStyle/>
+          <a:p>
+            <a:pPr algn="ctr"/>
+            <a:r>
+              <a:rPr lang="fr-FR" sz="4000" b="1" dirty="0" err="1">
+                <a:solidFill>
+                  <a:srgbClr val="5B4EE4"/>
+                </a:solidFill>
+              </a:rPr>
+              <a:t>Terraform</a:t>
+            </a:r>
+            <a:r>
+              <a:rPr lang="fr-FR" sz="4000" b="1" dirty="0">
+                <a:solidFill>
+                  <a:srgbClr val="5B4EE4"/>
+                </a:solidFill>
+              </a:rPr>
+              <a:t> state</a:t>
+            </a:r>
+            <a:endParaRPr lang="fr-FR" b="1" dirty="0">
+              <a:solidFill>
+                <a:srgbClr val="5B4EE4"/>
+              </a:solidFill>
+            </a:endParaRPr>
+          </a:p>
+        </p:txBody>
+      </p:sp>
+      <p:sp>
+        <p:nvSpPr>
+          <p:cNvPr id="2" name="TextBox 1">
+            <a:extLst>
+              <a:ext uri="{FF2B5EF4-FFF2-40B4-BE49-F238E27FC236}">
+                <a16:creationId xmlns:a16="http://schemas.microsoft.com/office/drawing/2014/main" id="{69E7020C-67B5-4B70-BF56-0F7CAAB9739B}"/>
+              </a:ext>
+            </a:extLst>
+          </p:cNvPr>
+          <p:cNvSpPr txBox="1"/>
+          <p:nvPr/>
+        </p:nvSpPr>
+        <p:spPr>
+          <a:xfrm>
+            <a:off x="899360" y="2026468"/>
+            <a:ext cx="10699082" cy="3359061"/>
+          </a:xfrm>
+          <a:prstGeom prst="rect">
+            <a:avLst/>
+          </a:prstGeom>
+          <a:noFill/>
+        </p:spPr>
+        <p:txBody>
+          <a:bodyPr wrap="square" rtlCol="0">
+            <a:spAutoFit/>
+          </a:bodyPr>
+          <a:lstStyle/>
+          <a:p>
+            <a:pPr>
+              <a:lnSpc>
+                <a:spcPct val="150000"/>
+              </a:lnSpc>
+            </a:pPr>
+            <a:r>
+              <a:rPr lang="en-US" sz="2400" dirty="0"/>
+              <a:t>Terraform stores state about your managed infrastructure and configuration.</a:t>
+            </a:r>
+          </a:p>
+          <a:p>
+            <a:pPr>
+              <a:lnSpc>
+                <a:spcPct val="150000"/>
+              </a:lnSpc>
+            </a:pPr>
+            <a:endParaRPr lang="en-US" sz="2400" dirty="0"/>
+          </a:p>
+          <a:p>
+            <a:r>
+              <a:rPr lang="en-US" sz="2400" dirty="0"/>
+              <a:t>This state is used by Terraform to map real world resources to your configuration, keep track of metadata, and to improve performance for large infrastructures.</a:t>
+            </a:r>
+          </a:p>
+          <a:p>
+            <a:endParaRPr lang="en-US" sz="2400" dirty="0"/>
+          </a:p>
+          <a:p>
+            <a:pPr>
+              <a:lnSpc>
+                <a:spcPct val="150000"/>
+              </a:lnSpc>
+            </a:pPr>
+            <a:r>
+              <a:rPr lang="en-US" sz="2400" dirty="0"/>
+              <a:t>This state is stored by default in a local file named "</a:t>
+            </a:r>
+            <a:r>
+              <a:rPr lang="en-US" sz="2400" b="1" dirty="0" err="1">
+                <a:solidFill>
+                  <a:srgbClr val="5B4EE4"/>
+                </a:solidFill>
+              </a:rPr>
+              <a:t>terraform.tfstate</a:t>
+            </a:r>
+            <a:r>
+              <a:rPr lang="en-US" sz="2400" dirty="0"/>
+              <a:t>", but it can also be stored remotely, which works better in a team environment.</a:t>
+            </a:r>
+          </a:p>
+        </p:txBody>
+      </p:sp>
+    </p:spTree>
+    <p:extLst>
+      <p:ext uri="{BB962C8B-B14F-4D97-AF65-F5344CB8AC3E}">
+        <p14:creationId xmlns:p14="http://schemas.microsoft.com/office/powerpoint/2010/main" val="3076054726"/>
+      </p:ext>
+    </p:extLst>
+  </p:cSld>
+  <p:clrMapOvr>
+    <a:masterClrMapping/>
+  </p:clrMapOvr>
+  <mc:AlternateContent xmlns:mc="http://schemas.openxmlformats.org/markup-compatibility/2006" xmlns:p14="http://schemas.microsoft.com/office/powerpoint/2010/main">
+    <mc:Choice Requires="p14">
+      <p:transition spd="med" p14:dur="700">
+        <p:fade/>
+      </p:transition>
+    </mc:Choice>
+    <mc:Fallback xmlns="">
+      <p:transition spd="med">
+        <p:fade/>
+      </p:transition>
+    </mc:Fallback>
+  </mc:AlternateContent>
+</p:sld>
+</file>
+
+<file path=ppt/slides/slide19.xml><?xml version="1.0" encoding="utf-8"?>
+<p:sld xmlns:a="http://schemas.openxmlformats.org/drawingml/2006/main" xmlns:r="http://schemas.openxmlformats.org/officeDocument/2006/relationships" xmlns:p="http://schemas.openxmlformats.org/presentationml/2006/main">
+  <p:cSld>
+    <p:spTree>
+      <p:nvGrpSpPr>
+        <p:cNvPr id="1" name=""/>
+        <p:cNvGrpSpPr/>
+        <p:nvPr/>
+      </p:nvGrpSpPr>
+      <p:grpSpPr>
+        <a:xfrm>
+          <a:off x="0" y="0"/>
+          <a:ext cx="0" cy="0"/>
+          <a:chOff x="0" y="0"/>
+          <a:chExt cx="0" cy="0"/>
+        </a:xfrm>
+      </p:grpSpPr>
+      <p:sp>
+        <p:nvSpPr>
+          <p:cNvPr id="4" name="TextBox 3">
+            <a:extLst>
+              <a:ext uri="{FF2B5EF4-FFF2-40B4-BE49-F238E27FC236}">
+                <a16:creationId xmlns:a16="http://schemas.microsoft.com/office/drawing/2014/main" id="{EDBF4371-BEF8-4D12-B9AA-44B7A66650A9}"/>
+              </a:ext>
+            </a:extLst>
+          </p:cNvPr>
+          <p:cNvSpPr txBox="1"/>
+          <p:nvPr/>
+        </p:nvSpPr>
+        <p:spPr>
+          <a:xfrm>
+            <a:off x="0" y="701040"/>
+            <a:ext cx="12192000" cy="707886"/>
+          </a:xfrm>
+          <a:prstGeom prst="rect">
+            <a:avLst/>
+          </a:prstGeom>
+          <a:noFill/>
+        </p:spPr>
+        <p:txBody>
+          <a:bodyPr wrap="square" rtlCol="0">
+            <a:spAutoFit/>
+          </a:bodyPr>
+          <a:lstStyle/>
+          <a:p>
+            <a:pPr algn="ctr"/>
+            <a:r>
+              <a:rPr lang="fr-FR" sz="4000" b="1" dirty="0">
+                <a:solidFill>
+                  <a:srgbClr val="5B4EE4"/>
+                </a:solidFill>
+              </a:rPr>
+              <a:t>Stockage fichier State</a:t>
+            </a:r>
+            <a:endParaRPr lang="fr-FR" b="1" dirty="0">
+              <a:solidFill>
+                <a:srgbClr val="5B4EE4"/>
+              </a:solidFill>
+            </a:endParaRPr>
+          </a:p>
+        </p:txBody>
+      </p:sp>
+      <p:sp>
+        <p:nvSpPr>
+          <p:cNvPr id="2" name="TextBox 1">
+            <a:extLst>
+              <a:ext uri="{FF2B5EF4-FFF2-40B4-BE49-F238E27FC236}">
+                <a16:creationId xmlns:a16="http://schemas.microsoft.com/office/drawing/2014/main" id="{69E7020C-67B5-4B70-BF56-0F7CAAB9739B}"/>
+              </a:ext>
+            </a:extLst>
+          </p:cNvPr>
+          <p:cNvSpPr txBox="1"/>
+          <p:nvPr/>
+        </p:nvSpPr>
+        <p:spPr>
+          <a:xfrm>
+            <a:off x="746459" y="1767388"/>
+            <a:ext cx="10699082" cy="1531445"/>
+          </a:xfrm>
+          <a:prstGeom prst="rect">
+            <a:avLst/>
+          </a:prstGeom>
+          <a:noFill/>
+        </p:spPr>
+        <p:txBody>
+          <a:bodyPr wrap="square" rtlCol="0">
+            <a:spAutoFit/>
+          </a:bodyPr>
+          <a:lstStyle/>
+          <a:p>
+            <a:pPr>
+              <a:lnSpc>
+                <a:spcPct val="150000"/>
+              </a:lnSpc>
+            </a:pPr>
+            <a:r>
+              <a:rPr lang="en-US" sz="1600" b="1" dirty="0"/>
+              <a:t>Backends</a:t>
+            </a:r>
+            <a:r>
+              <a:rPr lang="en-US" sz="1600" dirty="0"/>
+              <a:t> determine where state is stored. For example, the local (default) backend stores state in a local JSON file on disk.</a:t>
+            </a:r>
+          </a:p>
+          <a:p>
+            <a:pPr>
+              <a:lnSpc>
+                <a:spcPct val="150000"/>
+              </a:lnSpc>
+            </a:pPr>
+            <a:r>
+              <a:rPr lang="en-US" sz="1600" dirty="0"/>
+              <a:t>When using a remote backend, In the case of an error persisting the state to the backend, Terraform will write the state locally. This is to prevent data loss. If this happens the end user must manually push the state to the remote backend once the error is resolved.</a:t>
+            </a:r>
+          </a:p>
+        </p:txBody>
+      </p:sp>
+      <p:sp>
+        <p:nvSpPr>
+          <p:cNvPr id="5" name="TextBox 4">
+            <a:extLst>
+              <a:ext uri="{FF2B5EF4-FFF2-40B4-BE49-F238E27FC236}">
+                <a16:creationId xmlns:a16="http://schemas.microsoft.com/office/drawing/2014/main" id="{511BD908-9742-42FA-B403-3154F9A5D355}"/>
+              </a:ext>
+            </a:extLst>
+          </p:cNvPr>
+          <p:cNvSpPr txBox="1"/>
+          <p:nvPr/>
+        </p:nvSpPr>
+        <p:spPr>
+          <a:xfrm>
+            <a:off x="4884588" y="3678812"/>
+            <a:ext cx="1341421" cy="338554"/>
+          </a:xfrm>
+          <a:prstGeom prst="rect">
+            <a:avLst/>
+          </a:prstGeom>
+          <a:noFill/>
+        </p:spPr>
+        <p:txBody>
+          <a:bodyPr wrap="square" rtlCol="0">
+            <a:spAutoFit/>
+          </a:bodyPr>
+          <a:lstStyle/>
+          <a:p>
+            <a:r>
+              <a:rPr lang="fr-FR" sz="1600" b="1" dirty="0">
+                <a:solidFill>
+                  <a:srgbClr val="5B4EE4"/>
+                </a:solidFill>
+              </a:rPr>
+              <a:t>Backend.tf:</a:t>
+            </a:r>
+          </a:p>
+        </p:txBody>
+      </p:sp>
+      <p:pic>
+        <p:nvPicPr>
+          <p:cNvPr id="5122" name="Picture 2"/>
+          <p:cNvPicPr>
+            <a:picLocks noChangeAspect="1" noChangeArrowheads="1"/>
+          </p:cNvPicPr>
+          <p:nvPr/>
+        </p:nvPicPr>
+        <p:blipFill rotWithShape="1">
+          <a:blip r:embed="rId2">
+            <a:extLst>
+              <a:ext uri="{28A0092B-C50C-407E-A947-70E740481C1C}">
+                <a14:useLocalDpi xmlns:a14="http://schemas.microsoft.com/office/drawing/2010/main" val="0"/>
+              </a:ext>
+            </a:extLst>
+          </a:blip>
+          <a:srcRect r="31749"/>
+          <a:stretch/>
+        </p:blipFill>
+        <p:spPr bwMode="auto">
+          <a:xfrm>
+            <a:off x="2851843" y="4079735"/>
+            <a:ext cx="5604094" cy="2235270"/>
+          </a:xfrm>
+          <a:prstGeom prst="rect">
+            <a:avLst/>
+          </a:prstGeom>
+          <a:noFill/>
+          <a:ln w="9525">
+            <a:solidFill>
+              <a:schemeClr val="tx1"/>
+            </a:solidFill>
+            <a:miter lim="800000"/>
+            <a:headEnd/>
+            <a:tailEnd/>
+          </a:ln>
+          <a:effectLst/>
+          <a:extLst>
+            <a:ext uri="{909E8E84-426E-40DD-AFC4-6F175D3DCCD1}">
+              <a14:hiddenFill xmlns:a14="http://schemas.microsoft.com/office/drawing/2010/main">
+                <a:solidFill>
+                  <a:schemeClr val="accent1"/>
+                </a:solidFill>
+              </a14:hiddenFill>
+            </a:ext>
+            <a:ext uri="{AF507438-7753-43E0-B8FC-AC1667EBCBE1}">
+              <a14:hiddenEffects xmlns:a14="http://schemas.microsoft.com/office/drawing/2010/main">
+                <a:effectLst>
+                  <a:outerShdw dist="35921" dir="2700000" algn="ctr" rotWithShape="0">
+                    <a:schemeClr val="bg2"/>
+                  </a:outerShdw>
+                </a:effectLst>
+              </a14:hiddenEffects>
+            </a:ext>
+          </a:extLst>
+        </p:spPr>
+      </p:pic>
+    </p:spTree>
+    <p:extLst>
+      <p:ext uri="{BB962C8B-B14F-4D97-AF65-F5344CB8AC3E}">
+        <p14:creationId xmlns:p14="http://schemas.microsoft.com/office/powerpoint/2010/main" val="1653651491"/>
       </p:ext>
     </p:extLst>
   </p:cSld>
@@ -8580,6 +8581,139 @@
           <a:p>
             <a:pPr algn="ctr"/>
             <a:r>
+              <a:rPr lang="fr-FR" sz="4000" b="1" dirty="0" err="1">
+                <a:solidFill>
+                  <a:srgbClr val="5B4EE4"/>
+                </a:solidFill>
+              </a:rPr>
+              <a:t>Tfstate</a:t>
+            </a:r>
+            <a:r>
+              <a:rPr lang="fr-FR" sz="4000" b="1" dirty="0">
+                <a:solidFill>
+                  <a:srgbClr val="5B4EE4"/>
+                </a:solidFill>
+              </a:rPr>
+              <a:t> </a:t>
+            </a:r>
+            <a:r>
+              <a:rPr lang="fr-FR" sz="4000" b="1" dirty="0" err="1">
+                <a:solidFill>
+                  <a:srgbClr val="5B4EE4"/>
+                </a:solidFill>
+              </a:rPr>
+              <a:t>Locking</a:t>
+            </a:r>
+            <a:endParaRPr lang="fr-FR" b="1" dirty="0">
+              <a:solidFill>
+                <a:srgbClr val="5B4EE4"/>
+              </a:solidFill>
+            </a:endParaRPr>
+          </a:p>
+        </p:txBody>
+      </p:sp>
+      <p:pic>
+        <p:nvPicPr>
+          <p:cNvPr id="6" name="Image 5">
+            <a:extLst>
+              <a:ext uri="{FF2B5EF4-FFF2-40B4-BE49-F238E27FC236}">
+                <a16:creationId xmlns:a16="http://schemas.microsoft.com/office/drawing/2014/main" id="{D3DEB4E4-B18A-4C92-9C1B-8E733D8B54CD}"/>
+              </a:ext>
+            </a:extLst>
+          </p:cNvPr>
+          <p:cNvPicPr>
+            <a:picLocks noChangeAspect="1"/>
+          </p:cNvPicPr>
+          <p:nvPr/>
+        </p:nvPicPr>
+        <p:blipFill>
+          <a:blip r:embed="rId2"/>
+          <a:stretch>
+            <a:fillRect/>
+          </a:stretch>
+        </p:blipFill>
+        <p:spPr>
+          <a:xfrm>
+            <a:off x="676275" y="2171700"/>
+            <a:ext cx="10839450" cy="2514600"/>
+          </a:xfrm>
+          <a:prstGeom prst="rect">
+            <a:avLst/>
+          </a:prstGeom>
+        </p:spPr>
+      </p:pic>
+    </p:spTree>
+    <p:extLst>
+      <p:ext uri="{BB962C8B-B14F-4D97-AF65-F5344CB8AC3E}">
+        <p14:creationId xmlns:p14="http://schemas.microsoft.com/office/powerpoint/2010/main" val="935918073"/>
+      </p:ext>
+    </p:extLst>
+  </p:cSld>
+  <p:clrMapOvr>
+    <a:masterClrMapping/>
+  </p:clrMapOvr>
+  <mc:AlternateContent xmlns:mc="http://schemas.openxmlformats.org/markup-compatibility/2006">
+    <mc:Choice xmlns:p14="http://schemas.microsoft.com/office/powerpoint/2010/main" Requires="p14">
+      <p:transition spd="med" p14:dur="700">
+        <p:fade/>
+      </p:transition>
+    </mc:Choice>
+    <mc:Fallback>
+      <p:transition spd="med">
+        <p:fade/>
+      </p:transition>
+    </mc:Fallback>
+  </mc:AlternateContent>
+</p:sld>
+</file>
+
+<file path=ppt/slides/slide21.xml><?xml version="1.0" encoding="utf-8"?>
+<p:sld xmlns:a="http://schemas.openxmlformats.org/drawingml/2006/main" xmlns:r="http://schemas.openxmlformats.org/officeDocument/2006/relationships" xmlns:p="http://schemas.openxmlformats.org/presentationml/2006/main">
+  <p:cSld>
+    <p:spTree>
+      <p:nvGrpSpPr>
+        <p:cNvPr id="1" name=""/>
+        <p:cNvGrpSpPr/>
+        <p:nvPr/>
+      </p:nvGrpSpPr>
+      <p:grpSpPr>
+        <a:xfrm>
+          <a:off x="0" y="0"/>
+          <a:ext cx="0" cy="0"/>
+          <a:chOff x="0" y="0"/>
+          <a:chExt cx="0" cy="0"/>
+        </a:xfrm>
+      </p:grpSpPr>
+      <p:sp>
+        <p:nvSpPr>
+          <p:cNvPr id="4" name="TextBox 3">
+            <a:extLst>
+              <a:ext uri="{FF2B5EF4-FFF2-40B4-BE49-F238E27FC236}">
+                <a16:creationId xmlns:a16="http://schemas.microsoft.com/office/drawing/2014/main" id="{EDBF4371-BEF8-4D12-B9AA-44B7A66650A9}"/>
+              </a:ext>
+            </a:extLst>
+          </p:cNvPr>
+          <p:cNvSpPr txBox="1"/>
+          <p:nvPr/>
+        </p:nvSpPr>
+        <p:spPr>
+          <a:xfrm>
+            <a:off x="0" y="701040"/>
+            <a:ext cx="12192000" cy="707886"/>
+          </a:xfrm>
+          <a:prstGeom prst="rect">
+            <a:avLst/>
+          </a:prstGeom>
+          <a:noFill/>
+        </p:spPr>
+        <p:txBody>
+          <a:bodyPr wrap="square" rtlCol="0">
+            <a:spAutoFit/>
+          </a:bodyPr>
+          <a:lstStyle/>
+          <a:p>
+            <a:pPr algn="ctr"/>
+            <a:r>
               <a:rPr lang="fr-FR" sz="4000" b="1" dirty="0">
                 <a:solidFill>
                   <a:srgbClr val="5B4EE4"/>
@@ -9243,7 +9377,7 @@
 </p:sld>
 </file>
 
-<file path=ppt/slides/slide21.xml><?xml version="1.0" encoding="utf-8"?>
+<file path=ppt/slides/slide22.xml><?xml version="1.0" encoding="utf-8"?>
 <p:sld xmlns:a="http://schemas.openxmlformats.org/drawingml/2006/main" xmlns:r="http://schemas.openxmlformats.org/officeDocument/2006/relationships" xmlns:p="http://schemas.openxmlformats.org/presentationml/2006/main">
   <p:cSld>
     <p:spTree>
@@ -9630,7 +9764,7 @@
 </p:sld>
 </file>
 
-<file path=ppt/slides/slide22.xml><?xml version="1.0" encoding="utf-8"?>
+<file path=ppt/slides/slide23.xml><?xml version="1.0" encoding="utf-8"?>
 <p:sld xmlns:a="http://schemas.openxmlformats.org/drawingml/2006/main" xmlns:r="http://schemas.openxmlformats.org/officeDocument/2006/relationships" xmlns:p="http://schemas.openxmlformats.org/presentationml/2006/main">
   <p:cSld>
     <p:spTree>
@@ -9951,7 +10085,7 @@
 </p:sld>
 </file>
 
-<file path=ppt/slides/slide23.xml><?xml version="1.0" encoding="utf-8"?>
+<file path=ppt/slides/slide24.xml><?xml version="1.0" encoding="utf-8"?>
 <p:sld xmlns:a="http://schemas.openxmlformats.org/drawingml/2006/main" xmlns:r="http://schemas.openxmlformats.org/officeDocument/2006/relationships" xmlns:p="http://schemas.openxmlformats.org/presentationml/2006/main">
   <p:cSld>
     <p:spTree>
@@ -10457,7 +10591,7 @@
 </p:sld>
 </file>
 
-<file path=ppt/slides/slide24.xml><?xml version="1.0" encoding="utf-8"?>
+<file path=ppt/slides/slide25.xml><?xml version="1.0" encoding="utf-8"?>
 <p:sld xmlns:a="http://schemas.openxmlformats.org/drawingml/2006/main" xmlns:r="http://schemas.openxmlformats.org/officeDocument/2006/relationships" xmlns:p="http://schemas.openxmlformats.org/presentationml/2006/main">
   <p:cSld>
     <p:spTree>
@@ -13774,7 +13908,7 @@
 </p:sld>
 </file>
 
-<file path=ppt/slides/slide25.xml><?xml version="1.0" encoding="utf-8"?>
+<file path=ppt/slides/slide26.xml><?xml version="1.0" encoding="utf-8"?>
 <p:sld xmlns:a="http://schemas.openxmlformats.org/drawingml/2006/main" xmlns:r="http://schemas.openxmlformats.org/officeDocument/2006/relationships" xmlns:p="http://schemas.openxmlformats.org/presentationml/2006/main">
   <p:cSld>
     <p:spTree>
@@ -14545,8 +14679,8 @@
         </p:blipFill>
         <p:spPr bwMode="auto">
           <a:xfrm>
-            <a:off x="3131607" y="2448043"/>
-            <a:ext cx="5425865" cy="3344903"/>
+            <a:off x="1335040" y="2359042"/>
+            <a:ext cx="5050713" cy="3344903"/>
           </a:xfrm>
           <a:prstGeom prst="rect">
             <a:avLst/>
@@ -14579,6 +14713,41 @@
               </a14:hiddenEffects>
             </a:ext>
           </a:extLst>
+        </p:spPr>
+      </p:pic>
+      <p:pic>
+        <p:nvPicPr>
+          <p:cNvPr id="5" name="Image 4">
+            <a:extLst>
+              <a:ext uri="{FF2B5EF4-FFF2-40B4-BE49-F238E27FC236}">
+                <a16:creationId xmlns:a16="http://schemas.microsoft.com/office/drawing/2014/main" id="{FE99C214-52A5-4CC8-BF58-DADFA3D6268A}"/>
+              </a:ext>
+            </a:extLst>
+          </p:cNvPr>
+          <p:cNvPicPr>
+            <a:picLocks noChangeAspect="1"/>
+          </p:cNvPicPr>
+          <p:nvPr/>
+        </p:nvPicPr>
+        <p:blipFill>
+          <a:blip r:embed="rId4"/>
+          <a:stretch>
+            <a:fillRect/>
+          </a:stretch>
+        </p:blipFill>
+        <p:spPr>
+          <a:xfrm>
+            <a:off x="6605664" y="4304013"/>
+            <a:ext cx="3482715" cy="1387282"/>
+          </a:xfrm>
+          <a:prstGeom prst="rect">
+            <a:avLst/>
+          </a:prstGeom>
+          <a:ln>
+            <a:solidFill>
+              <a:schemeClr val="tx1"/>
+            </a:solidFill>
+          </a:ln>
         </p:spPr>
       </p:pic>
     </p:spTree>
